--- a/Slides.pptx
+++ b/Slides.pptx
@@ -140,7 +140,7 @@
           <p:cNvPr id="2" name="Titolo 1">
             <a:extLst>
               <a:ext uri="{FF2B5EF4-FFF2-40B4-BE49-F238E27FC236}">
-                <a16:creationId xmlns:a16="http://schemas.microsoft.com/office/drawing/2014/main" id="{70C5D899-48D7-4489-8EE8-48CEEDA847F4}"/>
+                <a16:creationId xmlns:a16="http://schemas.microsoft.com/office/drawing/2014/main" xmlns="" id="{70C5D899-48D7-4489-8EE8-48CEEDA847F4}"/>
               </a:ext>
             </a:extLst>
           </p:cNvPr>
@@ -178,7 +178,7 @@
           <p:cNvPr id="3" name="Sottotitolo 2">
             <a:extLst>
               <a:ext uri="{FF2B5EF4-FFF2-40B4-BE49-F238E27FC236}">
-                <a16:creationId xmlns:a16="http://schemas.microsoft.com/office/drawing/2014/main" id="{BF459E5C-56D7-4F04-8FB7-3700555CA466}"/>
+                <a16:creationId xmlns:a16="http://schemas.microsoft.com/office/drawing/2014/main" xmlns="" id="{BF459E5C-56D7-4F04-8FB7-3700555CA466}"/>
               </a:ext>
             </a:extLst>
           </p:cNvPr>
@@ -249,7 +249,7 @@
           <p:cNvPr id="4" name="Segnaposto data 3">
             <a:extLst>
               <a:ext uri="{FF2B5EF4-FFF2-40B4-BE49-F238E27FC236}">
-                <a16:creationId xmlns:a16="http://schemas.microsoft.com/office/drawing/2014/main" id="{41127394-A6D3-4DFB-90E1-06660BD86E9B}"/>
+                <a16:creationId xmlns:a16="http://schemas.microsoft.com/office/drawing/2014/main" xmlns="" id="{41127394-A6D3-4DFB-90E1-06660BD86E9B}"/>
               </a:ext>
             </a:extLst>
           </p:cNvPr>
@@ -267,7 +267,7 @@
           <a:p>
             <a:fld id="{91507A2C-2D14-4152-B9AC-14E8EF6457A0}" type="datetimeFigureOut">
               <a:rPr lang="en-US" smtClean="0"/>
-              <a:t>3/4/2019</a:t>
+              <a:t>3/6/19</a:t>
             </a:fld>
             <a:endParaRPr lang="en-US"/>
           </a:p>
@@ -278,7 +278,7 @@
           <p:cNvPr id="5" name="Segnaposto piè di pagina 4">
             <a:extLst>
               <a:ext uri="{FF2B5EF4-FFF2-40B4-BE49-F238E27FC236}">
-                <a16:creationId xmlns:a16="http://schemas.microsoft.com/office/drawing/2014/main" id="{65A04684-3307-4716-BAB4-FF91A9C64483}"/>
+                <a16:creationId xmlns:a16="http://schemas.microsoft.com/office/drawing/2014/main" xmlns="" id="{65A04684-3307-4716-BAB4-FF91A9C64483}"/>
               </a:ext>
             </a:extLst>
           </p:cNvPr>
@@ -303,7 +303,7 @@
           <p:cNvPr id="6" name="Segnaposto numero diapositiva 5">
             <a:extLst>
               <a:ext uri="{FF2B5EF4-FFF2-40B4-BE49-F238E27FC236}">
-                <a16:creationId xmlns:a16="http://schemas.microsoft.com/office/drawing/2014/main" id="{4F771006-42EB-4686-AE16-FD80D11DEBC2}"/>
+                <a16:creationId xmlns:a16="http://schemas.microsoft.com/office/drawing/2014/main" xmlns="" id="{4F771006-42EB-4686-AE16-FD80D11DEBC2}"/>
               </a:ext>
             </a:extLst>
           </p:cNvPr>
@@ -321,7 +321,7 @@
           <a:p>
             <a:fld id="{E6658487-5693-42E3-811E-E42EAD369F12}" type="slidenum">
               <a:rPr lang="en-US" smtClean="0"/>
-              <a:t>‹N›</a:t>
+              <a:t>‹n.›</a:t>
             </a:fld>
             <a:endParaRPr lang="en-US"/>
           </a:p>
@@ -362,7 +362,7 @@
           <p:cNvPr id="2" name="Titolo 1">
             <a:extLst>
               <a:ext uri="{FF2B5EF4-FFF2-40B4-BE49-F238E27FC236}">
-                <a16:creationId xmlns:a16="http://schemas.microsoft.com/office/drawing/2014/main" id="{F9A8A849-6778-4965-B066-B6977C945A48}"/>
+                <a16:creationId xmlns:a16="http://schemas.microsoft.com/office/drawing/2014/main" xmlns="" id="{F9A8A849-6778-4965-B066-B6977C945A48}"/>
               </a:ext>
             </a:extLst>
           </p:cNvPr>
@@ -391,7 +391,7 @@
           <p:cNvPr id="3" name="Segnaposto testo verticale 2">
             <a:extLst>
               <a:ext uri="{FF2B5EF4-FFF2-40B4-BE49-F238E27FC236}">
-                <a16:creationId xmlns:a16="http://schemas.microsoft.com/office/drawing/2014/main" id="{2428DA54-476A-438A-BF4D-0F189B85F6B2}"/>
+                <a16:creationId xmlns:a16="http://schemas.microsoft.com/office/drawing/2014/main" xmlns="" id="{2428DA54-476A-438A-BF4D-0F189B85F6B2}"/>
               </a:ext>
             </a:extLst>
           </p:cNvPr>
@@ -449,7 +449,7 @@
           <p:cNvPr id="4" name="Segnaposto data 3">
             <a:extLst>
               <a:ext uri="{FF2B5EF4-FFF2-40B4-BE49-F238E27FC236}">
-                <a16:creationId xmlns:a16="http://schemas.microsoft.com/office/drawing/2014/main" id="{801AB952-205F-4E7E-8840-8BB04B360212}"/>
+                <a16:creationId xmlns:a16="http://schemas.microsoft.com/office/drawing/2014/main" xmlns="" id="{801AB952-205F-4E7E-8840-8BB04B360212}"/>
               </a:ext>
             </a:extLst>
           </p:cNvPr>
@@ -467,7 +467,7 @@
           <a:p>
             <a:fld id="{91507A2C-2D14-4152-B9AC-14E8EF6457A0}" type="datetimeFigureOut">
               <a:rPr lang="en-US" smtClean="0"/>
-              <a:t>3/4/2019</a:t>
+              <a:t>3/6/19</a:t>
             </a:fld>
             <a:endParaRPr lang="en-US"/>
           </a:p>
@@ -478,7 +478,7 @@
           <p:cNvPr id="5" name="Segnaposto piè di pagina 4">
             <a:extLst>
               <a:ext uri="{FF2B5EF4-FFF2-40B4-BE49-F238E27FC236}">
-                <a16:creationId xmlns:a16="http://schemas.microsoft.com/office/drawing/2014/main" id="{78ECD55B-50DC-4C5D-8642-0D7BC605B552}"/>
+                <a16:creationId xmlns:a16="http://schemas.microsoft.com/office/drawing/2014/main" xmlns="" id="{78ECD55B-50DC-4C5D-8642-0D7BC605B552}"/>
               </a:ext>
             </a:extLst>
           </p:cNvPr>
@@ -503,7 +503,7 @@
           <p:cNvPr id="6" name="Segnaposto numero diapositiva 5">
             <a:extLst>
               <a:ext uri="{FF2B5EF4-FFF2-40B4-BE49-F238E27FC236}">
-                <a16:creationId xmlns:a16="http://schemas.microsoft.com/office/drawing/2014/main" id="{88B68384-823B-4B3E-93D1-E274BE57AD79}"/>
+                <a16:creationId xmlns:a16="http://schemas.microsoft.com/office/drawing/2014/main" xmlns="" id="{88B68384-823B-4B3E-93D1-E274BE57AD79}"/>
               </a:ext>
             </a:extLst>
           </p:cNvPr>
@@ -521,7 +521,7 @@
           <a:p>
             <a:fld id="{E6658487-5693-42E3-811E-E42EAD369F12}" type="slidenum">
               <a:rPr lang="en-US" smtClean="0"/>
-              <a:t>‹N›</a:t>
+              <a:t>‹n.›</a:t>
             </a:fld>
             <a:endParaRPr lang="en-US"/>
           </a:p>
@@ -562,7 +562,7 @@
           <p:cNvPr id="2" name="Titolo verticale 1">
             <a:extLst>
               <a:ext uri="{FF2B5EF4-FFF2-40B4-BE49-F238E27FC236}">
-                <a16:creationId xmlns:a16="http://schemas.microsoft.com/office/drawing/2014/main" id="{845B7331-2CC1-44EC-A457-2FCA1C0DD309}"/>
+                <a16:creationId xmlns:a16="http://schemas.microsoft.com/office/drawing/2014/main" xmlns="" id="{845B7331-2CC1-44EC-A457-2FCA1C0DD309}"/>
               </a:ext>
             </a:extLst>
           </p:cNvPr>
@@ -596,7 +596,7 @@
           <p:cNvPr id="3" name="Segnaposto testo verticale 2">
             <a:extLst>
               <a:ext uri="{FF2B5EF4-FFF2-40B4-BE49-F238E27FC236}">
-                <a16:creationId xmlns:a16="http://schemas.microsoft.com/office/drawing/2014/main" id="{A412ED41-35E8-49BB-AC93-C5B5B8860707}"/>
+                <a16:creationId xmlns:a16="http://schemas.microsoft.com/office/drawing/2014/main" xmlns="" id="{A412ED41-35E8-49BB-AC93-C5B5B8860707}"/>
               </a:ext>
             </a:extLst>
           </p:cNvPr>
@@ -659,7 +659,7 @@
           <p:cNvPr id="4" name="Segnaposto data 3">
             <a:extLst>
               <a:ext uri="{FF2B5EF4-FFF2-40B4-BE49-F238E27FC236}">
-                <a16:creationId xmlns:a16="http://schemas.microsoft.com/office/drawing/2014/main" id="{4355FDFD-4C0A-400A-B914-AEB7DBADB7E0}"/>
+                <a16:creationId xmlns:a16="http://schemas.microsoft.com/office/drawing/2014/main" xmlns="" id="{4355FDFD-4C0A-400A-B914-AEB7DBADB7E0}"/>
               </a:ext>
             </a:extLst>
           </p:cNvPr>
@@ -677,7 +677,7 @@
           <a:p>
             <a:fld id="{91507A2C-2D14-4152-B9AC-14E8EF6457A0}" type="datetimeFigureOut">
               <a:rPr lang="en-US" smtClean="0"/>
-              <a:t>3/4/2019</a:t>
+              <a:t>3/6/19</a:t>
             </a:fld>
             <a:endParaRPr lang="en-US"/>
           </a:p>
@@ -688,7 +688,7 @@
           <p:cNvPr id="5" name="Segnaposto piè di pagina 4">
             <a:extLst>
               <a:ext uri="{FF2B5EF4-FFF2-40B4-BE49-F238E27FC236}">
-                <a16:creationId xmlns:a16="http://schemas.microsoft.com/office/drawing/2014/main" id="{AA8702A4-02D4-47B3-94C2-BC446EEF52EC}"/>
+                <a16:creationId xmlns:a16="http://schemas.microsoft.com/office/drawing/2014/main" xmlns="" id="{AA8702A4-02D4-47B3-94C2-BC446EEF52EC}"/>
               </a:ext>
             </a:extLst>
           </p:cNvPr>
@@ -713,7 +713,7 @@
           <p:cNvPr id="6" name="Segnaposto numero diapositiva 5">
             <a:extLst>
               <a:ext uri="{FF2B5EF4-FFF2-40B4-BE49-F238E27FC236}">
-                <a16:creationId xmlns:a16="http://schemas.microsoft.com/office/drawing/2014/main" id="{F7E9682B-40A8-4C0B-944F-59E0A7A11E0C}"/>
+                <a16:creationId xmlns:a16="http://schemas.microsoft.com/office/drawing/2014/main" xmlns="" id="{F7E9682B-40A8-4C0B-944F-59E0A7A11E0C}"/>
               </a:ext>
             </a:extLst>
           </p:cNvPr>
@@ -731,7 +731,7 @@
           <a:p>
             <a:fld id="{E6658487-5693-42E3-811E-E42EAD369F12}" type="slidenum">
               <a:rPr lang="en-US" smtClean="0"/>
-              <a:t>‹N›</a:t>
+              <a:t>‹n.›</a:t>
             </a:fld>
             <a:endParaRPr lang="en-US"/>
           </a:p>
@@ -772,7 +772,7 @@
           <p:cNvPr id="2" name="Titolo 1">
             <a:extLst>
               <a:ext uri="{FF2B5EF4-FFF2-40B4-BE49-F238E27FC236}">
-                <a16:creationId xmlns:a16="http://schemas.microsoft.com/office/drawing/2014/main" id="{A72270B2-47F1-4567-B0DB-5815AB8AD839}"/>
+                <a16:creationId xmlns:a16="http://schemas.microsoft.com/office/drawing/2014/main" xmlns="" id="{A72270B2-47F1-4567-B0DB-5815AB8AD839}"/>
               </a:ext>
             </a:extLst>
           </p:cNvPr>
@@ -801,7 +801,7 @@
           <p:cNvPr id="3" name="Segnaposto contenuto 2">
             <a:extLst>
               <a:ext uri="{FF2B5EF4-FFF2-40B4-BE49-F238E27FC236}">
-                <a16:creationId xmlns:a16="http://schemas.microsoft.com/office/drawing/2014/main" id="{8AEFF514-3D5F-462A-A60B-969328C5BA3C}"/>
+                <a16:creationId xmlns:a16="http://schemas.microsoft.com/office/drawing/2014/main" xmlns="" id="{8AEFF514-3D5F-462A-A60B-969328C5BA3C}"/>
               </a:ext>
             </a:extLst>
           </p:cNvPr>
@@ -859,7 +859,7 @@
           <p:cNvPr id="4" name="Segnaposto data 3">
             <a:extLst>
               <a:ext uri="{FF2B5EF4-FFF2-40B4-BE49-F238E27FC236}">
-                <a16:creationId xmlns:a16="http://schemas.microsoft.com/office/drawing/2014/main" id="{7E39CB21-7AC1-4D19-BCE2-8B521B0AFDEC}"/>
+                <a16:creationId xmlns:a16="http://schemas.microsoft.com/office/drawing/2014/main" xmlns="" id="{7E39CB21-7AC1-4D19-BCE2-8B521B0AFDEC}"/>
               </a:ext>
             </a:extLst>
           </p:cNvPr>
@@ -877,7 +877,7 @@
           <a:p>
             <a:fld id="{91507A2C-2D14-4152-B9AC-14E8EF6457A0}" type="datetimeFigureOut">
               <a:rPr lang="en-US" smtClean="0"/>
-              <a:t>3/4/2019</a:t>
+              <a:t>3/6/19</a:t>
             </a:fld>
             <a:endParaRPr lang="en-US"/>
           </a:p>
@@ -888,7 +888,7 @@
           <p:cNvPr id="5" name="Segnaposto piè di pagina 4">
             <a:extLst>
               <a:ext uri="{FF2B5EF4-FFF2-40B4-BE49-F238E27FC236}">
-                <a16:creationId xmlns:a16="http://schemas.microsoft.com/office/drawing/2014/main" id="{099CCDC2-2500-4265-BEDB-574AD9E17B7C}"/>
+                <a16:creationId xmlns:a16="http://schemas.microsoft.com/office/drawing/2014/main" xmlns="" id="{099CCDC2-2500-4265-BEDB-574AD9E17B7C}"/>
               </a:ext>
             </a:extLst>
           </p:cNvPr>
@@ -913,7 +913,7 @@
           <p:cNvPr id="6" name="Segnaposto numero diapositiva 5">
             <a:extLst>
               <a:ext uri="{FF2B5EF4-FFF2-40B4-BE49-F238E27FC236}">
-                <a16:creationId xmlns:a16="http://schemas.microsoft.com/office/drawing/2014/main" id="{7CB6C368-25B4-43AE-92BC-892C13A04222}"/>
+                <a16:creationId xmlns:a16="http://schemas.microsoft.com/office/drawing/2014/main" xmlns="" id="{7CB6C368-25B4-43AE-92BC-892C13A04222}"/>
               </a:ext>
             </a:extLst>
           </p:cNvPr>
@@ -931,7 +931,7 @@
           <a:p>
             <a:fld id="{E6658487-5693-42E3-811E-E42EAD369F12}" type="slidenum">
               <a:rPr lang="en-US" smtClean="0"/>
-              <a:t>‹N›</a:t>
+              <a:t>‹n.›</a:t>
             </a:fld>
             <a:endParaRPr lang="en-US"/>
           </a:p>
@@ -972,7 +972,7 @@
           <p:cNvPr id="2" name="Titolo 1">
             <a:extLst>
               <a:ext uri="{FF2B5EF4-FFF2-40B4-BE49-F238E27FC236}">
-                <a16:creationId xmlns:a16="http://schemas.microsoft.com/office/drawing/2014/main" id="{FD9015E8-EA55-49CB-933A-7D6F2A17A291}"/>
+                <a16:creationId xmlns:a16="http://schemas.microsoft.com/office/drawing/2014/main" xmlns="" id="{FD9015E8-EA55-49CB-933A-7D6F2A17A291}"/>
               </a:ext>
             </a:extLst>
           </p:cNvPr>
@@ -1010,7 +1010,7 @@
           <p:cNvPr id="3" name="Segnaposto testo 2">
             <a:extLst>
               <a:ext uri="{FF2B5EF4-FFF2-40B4-BE49-F238E27FC236}">
-                <a16:creationId xmlns:a16="http://schemas.microsoft.com/office/drawing/2014/main" id="{F54DDF3C-CEC9-484A-AF61-85E4168B9057}"/>
+                <a16:creationId xmlns:a16="http://schemas.microsoft.com/office/drawing/2014/main" xmlns="" id="{F54DDF3C-CEC9-484A-AF61-85E4168B9057}"/>
               </a:ext>
             </a:extLst>
           </p:cNvPr>
@@ -1135,7 +1135,7 @@
           <p:cNvPr id="4" name="Segnaposto data 3">
             <a:extLst>
               <a:ext uri="{FF2B5EF4-FFF2-40B4-BE49-F238E27FC236}">
-                <a16:creationId xmlns:a16="http://schemas.microsoft.com/office/drawing/2014/main" id="{19086FB3-5DAF-460A-BD3E-658222DBC3AA}"/>
+                <a16:creationId xmlns:a16="http://schemas.microsoft.com/office/drawing/2014/main" xmlns="" id="{19086FB3-5DAF-460A-BD3E-658222DBC3AA}"/>
               </a:ext>
             </a:extLst>
           </p:cNvPr>
@@ -1153,7 +1153,7 @@
           <a:p>
             <a:fld id="{91507A2C-2D14-4152-B9AC-14E8EF6457A0}" type="datetimeFigureOut">
               <a:rPr lang="en-US" smtClean="0"/>
-              <a:t>3/4/2019</a:t>
+              <a:t>3/6/19</a:t>
             </a:fld>
             <a:endParaRPr lang="en-US"/>
           </a:p>
@@ -1164,7 +1164,7 @@
           <p:cNvPr id="5" name="Segnaposto piè di pagina 4">
             <a:extLst>
               <a:ext uri="{FF2B5EF4-FFF2-40B4-BE49-F238E27FC236}">
-                <a16:creationId xmlns:a16="http://schemas.microsoft.com/office/drawing/2014/main" id="{B5C70896-056E-4214-9AE3-E6CE23DC128B}"/>
+                <a16:creationId xmlns:a16="http://schemas.microsoft.com/office/drawing/2014/main" xmlns="" id="{B5C70896-056E-4214-9AE3-E6CE23DC128B}"/>
               </a:ext>
             </a:extLst>
           </p:cNvPr>
@@ -1189,7 +1189,7 @@
           <p:cNvPr id="6" name="Segnaposto numero diapositiva 5">
             <a:extLst>
               <a:ext uri="{FF2B5EF4-FFF2-40B4-BE49-F238E27FC236}">
-                <a16:creationId xmlns:a16="http://schemas.microsoft.com/office/drawing/2014/main" id="{1EA3334B-5C4C-463D-8307-1C4512D1AF8F}"/>
+                <a16:creationId xmlns:a16="http://schemas.microsoft.com/office/drawing/2014/main" xmlns="" id="{1EA3334B-5C4C-463D-8307-1C4512D1AF8F}"/>
               </a:ext>
             </a:extLst>
           </p:cNvPr>
@@ -1207,7 +1207,7 @@
           <a:p>
             <a:fld id="{E6658487-5693-42E3-811E-E42EAD369F12}" type="slidenum">
               <a:rPr lang="en-US" smtClean="0"/>
-              <a:t>‹N›</a:t>
+              <a:t>‹n.›</a:t>
             </a:fld>
             <a:endParaRPr lang="en-US"/>
           </a:p>
@@ -1248,7 +1248,7 @@
           <p:cNvPr id="2" name="Titolo 1">
             <a:extLst>
               <a:ext uri="{FF2B5EF4-FFF2-40B4-BE49-F238E27FC236}">
-                <a16:creationId xmlns:a16="http://schemas.microsoft.com/office/drawing/2014/main" id="{E9B28631-2F3E-4B7C-9DA0-AF990F966C1C}"/>
+                <a16:creationId xmlns:a16="http://schemas.microsoft.com/office/drawing/2014/main" xmlns="" id="{E9B28631-2F3E-4B7C-9DA0-AF990F966C1C}"/>
               </a:ext>
             </a:extLst>
           </p:cNvPr>
@@ -1277,7 +1277,7 @@
           <p:cNvPr id="3" name="Segnaposto contenuto 2">
             <a:extLst>
               <a:ext uri="{FF2B5EF4-FFF2-40B4-BE49-F238E27FC236}">
-                <a16:creationId xmlns:a16="http://schemas.microsoft.com/office/drawing/2014/main" id="{974EFAB6-1D46-45B9-93EA-DADEB3B1BBAA}"/>
+                <a16:creationId xmlns:a16="http://schemas.microsoft.com/office/drawing/2014/main" xmlns="" id="{974EFAB6-1D46-45B9-93EA-DADEB3B1BBAA}"/>
               </a:ext>
             </a:extLst>
           </p:cNvPr>
@@ -1340,7 +1340,7 @@
           <p:cNvPr id="4" name="Segnaposto contenuto 3">
             <a:extLst>
               <a:ext uri="{FF2B5EF4-FFF2-40B4-BE49-F238E27FC236}">
-                <a16:creationId xmlns:a16="http://schemas.microsoft.com/office/drawing/2014/main" id="{9CEF260E-1CC5-407E-B21D-022338DD4940}"/>
+                <a16:creationId xmlns:a16="http://schemas.microsoft.com/office/drawing/2014/main" xmlns="" id="{9CEF260E-1CC5-407E-B21D-022338DD4940}"/>
               </a:ext>
             </a:extLst>
           </p:cNvPr>
@@ -1403,7 +1403,7 @@
           <p:cNvPr id="5" name="Segnaposto data 4">
             <a:extLst>
               <a:ext uri="{FF2B5EF4-FFF2-40B4-BE49-F238E27FC236}">
-                <a16:creationId xmlns:a16="http://schemas.microsoft.com/office/drawing/2014/main" id="{F125462B-41DB-4714-9131-1C3426135C75}"/>
+                <a16:creationId xmlns:a16="http://schemas.microsoft.com/office/drawing/2014/main" xmlns="" id="{F125462B-41DB-4714-9131-1C3426135C75}"/>
               </a:ext>
             </a:extLst>
           </p:cNvPr>
@@ -1421,7 +1421,7 @@
           <a:p>
             <a:fld id="{91507A2C-2D14-4152-B9AC-14E8EF6457A0}" type="datetimeFigureOut">
               <a:rPr lang="en-US" smtClean="0"/>
-              <a:t>3/4/2019</a:t>
+              <a:t>3/6/19</a:t>
             </a:fld>
             <a:endParaRPr lang="en-US"/>
           </a:p>
@@ -1432,7 +1432,7 @@
           <p:cNvPr id="6" name="Segnaposto piè di pagina 5">
             <a:extLst>
               <a:ext uri="{FF2B5EF4-FFF2-40B4-BE49-F238E27FC236}">
-                <a16:creationId xmlns:a16="http://schemas.microsoft.com/office/drawing/2014/main" id="{C59E3154-D918-4F48-B632-77216AC108C2}"/>
+                <a16:creationId xmlns:a16="http://schemas.microsoft.com/office/drawing/2014/main" xmlns="" id="{C59E3154-D918-4F48-B632-77216AC108C2}"/>
               </a:ext>
             </a:extLst>
           </p:cNvPr>
@@ -1457,7 +1457,7 @@
           <p:cNvPr id="7" name="Segnaposto numero diapositiva 6">
             <a:extLst>
               <a:ext uri="{FF2B5EF4-FFF2-40B4-BE49-F238E27FC236}">
-                <a16:creationId xmlns:a16="http://schemas.microsoft.com/office/drawing/2014/main" id="{53531A06-FF68-458A-BBC3-BCDC4A9F78D3}"/>
+                <a16:creationId xmlns:a16="http://schemas.microsoft.com/office/drawing/2014/main" xmlns="" id="{53531A06-FF68-458A-BBC3-BCDC4A9F78D3}"/>
               </a:ext>
             </a:extLst>
           </p:cNvPr>
@@ -1475,7 +1475,7 @@
           <a:p>
             <a:fld id="{E6658487-5693-42E3-811E-E42EAD369F12}" type="slidenum">
               <a:rPr lang="en-US" smtClean="0"/>
-              <a:t>‹N›</a:t>
+              <a:t>‹n.›</a:t>
             </a:fld>
             <a:endParaRPr lang="en-US"/>
           </a:p>
@@ -1516,7 +1516,7 @@
           <p:cNvPr id="2" name="Titolo 1">
             <a:extLst>
               <a:ext uri="{FF2B5EF4-FFF2-40B4-BE49-F238E27FC236}">
-                <a16:creationId xmlns:a16="http://schemas.microsoft.com/office/drawing/2014/main" id="{730D88B0-8E28-445C-B297-DB5178EC45EA}"/>
+                <a16:creationId xmlns:a16="http://schemas.microsoft.com/office/drawing/2014/main" xmlns="" id="{730D88B0-8E28-445C-B297-DB5178EC45EA}"/>
               </a:ext>
             </a:extLst>
           </p:cNvPr>
@@ -1550,7 +1550,7 @@
           <p:cNvPr id="3" name="Segnaposto testo 2">
             <a:extLst>
               <a:ext uri="{FF2B5EF4-FFF2-40B4-BE49-F238E27FC236}">
-                <a16:creationId xmlns:a16="http://schemas.microsoft.com/office/drawing/2014/main" id="{ECDEBBA3-D71A-405A-AADE-B8F2ED79222C}"/>
+                <a16:creationId xmlns:a16="http://schemas.microsoft.com/office/drawing/2014/main" xmlns="" id="{ECDEBBA3-D71A-405A-AADE-B8F2ED79222C}"/>
               </a:ext>
             </a:extLst>
           </p:cNvPr>
@@ -1621,7 +1621,7 @@
           <p:cNvPr id="4" name="Segnaposto contenuto 3">
             <a:extLst>
               <a:ext uri="{FF2B5EF4-FFF2-40B4-BE49-F238E27FC236}">
-                <a16:creationId xmlns:a16="http://schemas.microsoft.com/office/drawing/2014/main" id="{30E3ED33-BD52-41F2-A86D-2AE47A44D404}"/>
+                <a16:creationId xmlns:a16="http://schemas.microsoft.com/office/drawing/2014/main" xmlns="" id="{30E3ED33-BD52-41F2-A86D-2AE47A44D404}"/>
               </a:ext>
             </a:extLst>
           </p:cNvPr>
@@ -1684,7 +1684,7 @@
           <p:cNvPr id="5" name="Segnaposto testo 4">
             <a:extLst>
               <a:ext uri="{FF2B5EF4-FFF2-40B4-BE49-F238E27FC236}">
-                <a16:creationId xmlns:a16="http://schemas.microsoft.com/office/drawing/2014/main" id="{D9F726C8-0650-4C99-A521-E4A561E8AF10}"/>
+                <a16:creationId xmlns:a16="http://schemas.microsoft.com/office/drawing/2014/main" xmlns="" id="{D9F726C8-0650-4C99-A521-E4A561E8AF10}"/>
               </a:ext>
             </a:extLst>
           </p:cNvPr>
@@ -1755,7 +1755,7 @@
           <p:cNvPr id="6" name="Segnaposto contenuto 5">
             <a:extLst>
               <a:ext uri="{FF2B5EF4-FFF2-40B4-BE49-F238E27FC236}">
-                <a16:creationId xmlns:a16="http://schemas.microsoft.com/office/drawing/2014/main" id="{0BD818E6-EF7C-4085-AC07-2304A9CF236E}"/>
+                <a16:creationId xmlns:a16="http://schemas.microsoft.com/office/drawing/2014/main" xmlns="" id="{0BD818E6-EF7C-4085-AC07-2304A9CF236E}"/>
               </a:ext>
             </a:extLst>
           </p:cNvPr>
@@ -1818,7 +1818,7 @@
           <p:cNvPr id="7" name="Segnaposto data 6">
             <a:extLst>
               <a:ext uri="{FF2B5EF4-FFF2-40B4-BE49-F238E27FC236}">
-                <a16:creationId xmlns:a16="http://schemas.microsoft.com/office/drawing/2014/main" id="{E3A541A3-CE3A-4F55-BAB4-9B8DAAE9B288}"/>
+                <a16:creationId xmlns:a16="http://schemas.microsoft.com/office/drawing/2014/main" xmlns="" id="{E3A541A3-CE3A-4F55-BAB4-9B8DAAE9B288}"/>
               </a:ext>
             </a:extLst>
           </p:cNvPr>
@@ -1836,7 +1836,7 @@
           <a:p>
             <a:fld id="{91507A2C-2D14-4152-B9AC-14E8EF6457A0}" type="datetimeFigureOut">
               <a:rPr lang="en-US" smtClean="0"/>
-              <a:t>3/4/2019</a:t>
+              <a:t>3/6/19</a:t>
             </a:fld>
             <a:endParaRPr lang="en-US"/>
           </a:p>
@@ -1847,7 +1847,7 @@
           <p:cNvPr id="8" name="Segnaposto piè di pagina 7">
             <a:extLst>
               <a:ext uri="{FF2B5EF4-FFF2-40B4-BE49-F238E27FC236}">
-                <a16:creationId xmlns:a16="http://schemas.microsoft.com/office/drawing/2014/main" id="{DC2CDE8F-FEC9-4FD4-9CC2-597D0DCCB784}"/>
+                <a16:creationId xmlns:a16="http://schemas.microsoft.com/office/drawing/2014/main" xmlns="" id="{DC2CDE8F-FEC9-4FD4-9CC2-597D0DCCB784}"/>
               </a:ext>
             </a:extLst>
           </p:cNvPr>
@@ -1872,7 +1872,7 @@
           <p:cNvPr id="9" name="Segnaposto numero diapositiva 8">
             <a:extLst>
               <a:ext uri="{FF2B5EF4-FFF2-40B4-BE49-F238E27FC236}">
-                <a16:creationId xmlns:a16="http://schemas.microsoft.com/office/drawing/2014/main" id="{A1B03614-54A3-486A-9574-B9136C50793A}"/>
+                <a16:creationId xmlns:a16="http://schemas.microsoft.com/office/drawing/2014/main" xmlns="" id="{A1B03614-54A3-486A-9574-B9136C50793A}"/>
               </a:ext>
             </a:extLst>
           </p:cNvPr>
@@ -1890,7 +1890,7 @@
           <a:p>
             <a:fld id="{E6658487-5693-42E3-811E-E42EAD369F12}" type="slidenum">
               <a:rPr lang="en-US" smtClean="0"/>
-              <a:t>‹N›</a:t>
+              <a:t>‹n.›</a:t>
             </a:fld>
             <a:endParaRPr lang="en-US"/>
           </a:p>
@@ -1931,7 +1931,7 @@
           <p:cNvPr id="2" name="Titolo 1">
             <a:extLst>
               <a:ext uri="{FF2B5EF4-FFF2-40B4-BE49-F238E27FC236}">
-                <a16:creationId xmlns:a16="http://schemas.microsoft.com/office/drawing/2014/main" id="{0A2E7BFA-24A4-4176-8BEE-3946109C6DC5}"/>
+                <a16:creationId xmlns:a16="http://schemas.microsoft.com/office/drawing/2014/main" xmlns="" id="{0A2E7BFA-24A4-4176-8BEE-3946109C6DC5}"/>
               </a:ext>
             </a:extLst>
           </p:cNvPr>
@@ -1960,7 +1960,7 @@
           <p:cNvPr id="3" name="Segnaposto data 2">
             <a:extLst>
               <a:ext uri="{FF2B5EF4-FFF2-40B4-BE49-F238E27FC236}">
-                <a16:creationId xmlns:a16="http://schemas.microsoft.com/office/drawing/2014/main" id="{F19AE348-66A8-4F52-8F7E-32BD84EE3AF3}"/>
+                <a16:creationId xmlns:a16="http://schemas.microsoft.com/office/drawing/2014/main" xmlns="" id="{F19AE348-66A8-4F52-8F7E-32BD84EE3AF3}"/>
               </a:ext>
             </a:extLst>
           </p:cNvPr>
@@ -1978,7 +1978,7 @@
           <a:p>
             <a:fld id="{91507A2C-2D14-4152-B9AC-14E8EF6457A0}" type="datetimeFigureOut">
               <a:rPr lang="en-US" smtClean="0"/>
-              <a:t>3/4/2019</a:t>
+              <a:t>3/6/19</a:t>
             </a:fld>
             <a:endParaRPr lang="en-US"/>
           </a:p>
@@ -1989,7 +1989,7 @@
           <p:cNvPr id="4" name="Segnaposto piè di pagina 3">
             <a:extLst>
               <a:ext uri="{FF2B5EF4-FFF2-40B4-BE49-F238E27FC236}">
-                <a16:creationId xmlns:a16="http://schemas.microsoft.com/office/drawing/2014/main" id="{C33463BC-4BC9-4AD9-B93D-490FFFA637FA}"/>
+                <a16:creationId xmlns:a16="http://schemas.microsoft.com/office/drawing/2014/main" xmlns="" id="{C33463BC-4BC9-4AD9-B93D-490FFFA637FA}"/>
               </a:ext>
             </a:extLst>
           </p:cNvPr>
@@ -2014,7 +2014,7 @@
           <p:cNvPr id="5" name="Segnaposto numero diapositiva 4">
             <a:extLst>
               <a:ext uri="{FF2B5EF4-FFF2-40B4-BE49-F238E27FC236}">
-                <a16:creationId xmlns:a16="http://schemas.microsoft.com/office/drawing/2014/main" id="{161F4B68-9A3B-4950-AADD-D4C1BB1BCBF9}"/>
+                <a16:creationId xmlns:a16="http://schemas.microsoft.com/office/drawing/2014/main" xmlns="" id="{161F4B68-9A3B-4950-AADD-D4C1BB1BCBF9}"/>
               </a:ext>
             </a:extLst>
           </p:cNvPr>
@@ -2032,7 +2032,7 @@
           <a:p>
             <a:fld id="{E6658487-5693-42E3-811E-E42EAD369F12}" type="slidenum">
               <a:rPr lang="en-US" smtClean="0"/>
-              <a:t>‹N›</a:t>
+              <a:t>‹n.›</a:t>
             </a:fld>
             <a:endParaRPr lang="en-US"/>
           </a:p>
@@ -2073,7 +2073,7 @@
           <p:cNvPr id="2" name="Segnaposto data 1">
             <a:extLst>
               <a:ext uri="{FF2B5EF4-FFF2-40B4-BE49-F238E27FC236}">
-                <a16:creationId xmlns:a16="http://schemas.microsoft.com/office/drawing/2014/main" id="{89597FBD-6365-425F-AB09-B4DC3124815F}"/>
+                <a16:creationId xmlns:a16="http://schemas.microsoft.com/office/drawing/2014/main" xmlns="" id="{89597FBD-6365-425F-AB09-B4DC3124815F}"/>
               </a:ext>
             </a:extLst>
           </p:cNvPr>
@@ -2091,7 +2091,7 @@
           <a:p>
             <a:fld id="{91507A2C-2D14-4152-B9AC-14E8EF6457A0}" type="datetimeFigureOut">
               <a:rPr lang="en-US" smtClean="0"/>
-              <a:t>3/4/2019</a:t>
+              <a:t>3/6/19</a:t>
             </a:fld>
             <a:endParaRPr lang="en-US"/>
           </a:p>
@@ -2102,7 +2102,7 @@
           <p:cNvPr id="3" name="Segnaposto piè di pagina 2">
             <a:extLst>
               <a:ext uri="{FF2B5EF4-FFF2-40B4-BE49-F238E27FC236}">
-                <a16:creationId xmlns:a16="http://schemas.microsoft.com/office/drawing/2014/main" id="{88A1F2C6-11EE-41F6-B9BB-AAAA5A78F4A3}"/>
+                <a16:creationId xmlns:a16="http://schemas.microsoft.com/office/drawing/2014/main" xmlns="" id="{88A1F2C6-11EE-41F6-B9BB-AAAA5A78F4A3}"/>
               </a:ext>
             </a:extLst>
           </p:cNvPr>
@@ -2127,7 +2127,7 @@
           <p:cNvPr id="4" name="Segnaposto numero diapositiva 3">
             <a:extLst>
               <a:ext uri="{FF2B5EF4-FFF2-40B4-BE49-F238E27FC236}">
-                <a16:creationId xmlns:a16="http://schemas.microsoft.com/office/drawing/2014/main" id="{4B5F0813-322F-408C-BB11-7408DE4D43E3}"/>
+                <a16:creationId xmlns:a16="http://schemas.microsoft.com/office/drawing/2014/main" xmlns="" id="{4B5F0813-322F-408C-BB11-7408DE4D43E3}"/>
               </a:ext>
             </a:extLst>
           </p:cNvPr>
@@ -2145,7 +2145,7 @@
           <a:p>
             <a:fld id="{E6658487-5693-42E3-811E-E42EAD369F12}" type="slidenum">
               <a:rPr lang="en-US" smtClean="0"/>
-              <a:t>‹N›</a:t>
+              <a:t>‹n.›</a:t>
             </a:fld>
             <a:endParaRPr lang="en-US"/>
           </a:p>
@@ -2186,7 +2186,7 @@
           <p:cNvPr id="2" name="Titolo 1">
             <a:extLst>
               <a:ext uri="{FF2B5EF4-FFF2-40B4-BE49-F238E27FC236}">
-                <a16:creationId xmlns:a16="http://schemas.microsoft.com/office/drawing/2014/main" id="{C957204F-6215-48EB-AE2A-AA470CC87B65}"/>
+                <a16:creationId xmlns:a16="http://schemas.microsoft.com/office/drawing/2014/main" xmlns="" id="{C957204F-6215-48EB-AE2A-AA470CC87B65}"/>
               </a:ext>
             </a:extLst>
           </p:cNvPr>
@@ -2224,7 +2224,7 @@
           <p:cNvPr id="3" name="Segnaposto contenuto 2">
             <a:extLst>
               <a:ext uri="{FF2B5EF4-FFF2-40B4-BE49-F238E27FC236}">
-                <a16:creationId xmlns:a16="http://schemas.microsoft.com/office/drawing/2014/main" id="{65713136-03AF-4817-91E7-A7EC99254F07}"/>
+                <a16:creationId xmlns:a16="http://schemas.microsoft.com/office/drawing/2014/main" xmlns="" id="{65713136-03AF-4817-91E7-A7EC99254F07}"/>
               </a:ext>
             </a:extLst>
           </p:cNvPr>
@@ -2315,7 +2315,7 @@
           <p:cNvPr id="4" name="Segnaposto testo 3">
             <a:extLst>
               <a:ext uri="{FF2B5EF4-FFF2-40B4-BE49-F238E27FC236}">
-                <a16:creationId xmlns:a16="http://schemas.microsoft.com/office/drawing/2014/main" id="{B188144E-4BCE-4B74-ADF8-0925A1F11AA9}"/>
+                <a16:creationId xmlns:a16="http://schemas.microsoft.com/office/drawing/2014/main" xmlns="" id="{B188144E-4BCE-4B74-ADF8-0925A1F11AA9}"/>
               </a:ext>
             </a:extLst>
           </p:cNvPr>
@@ -2386,7 +2386,7 @@
           <p:cNvPr id="5" name="Segnaposto data 4">
             <a:extLst>
               <a:ext uri="{FF2B5EF4-FFF2-40B4-BE49-F238E27FC236}">
-                <a16:creationId xmlns:a16="http://schemas.microsoft.com/office/drawing/2014/main" id="{D79B528A-E578-4466-85E3-CB52046FD53D}"/>
+                <a16:creationId xmlns:a16="http://schemas.microsoft.com/office/drawing/2014/main" xmlns="" id="{D79B528A-E578-4466-85E3-CB52046FD53D}"/>
               </a:ext>
             </a:extLst>
           </p:cNvPr>
@@ -2404,7 +2404,7 @@
           <a:p>
             <a:fld id="{91507A2C-2D14-4152-B9AC-14E8EF6457A0}" type="datetimeFigureOut">
               <a:rPr lang="en-US" smtClean="0"/>
-              <a:t>3/4/2019</a:t>
+              <a:t>3/6/19</a:t>
             </a:fld>
             <a:endParaRPr lang="en-US"/>
           </a:p>
@@ -2415,7 +2415,7 @@
           <p:cNvPr id="6" name="Segnaposto piè di pagina 5">
             <a:extLst>
               <a:ext uri="{FF2B5EF4-FFF2-40B4-BE49-F238E27FC236}">
-                <a16:creationId xmlns:a16="http://schemas.microsoft.com/office/drawing/2014/main" id="{978E8EF6-2977-4044-A10E-4BE153DA4E3B}"/>
+                <a16:creationId xmlns:a16="http://schemas.microsoft.com/office/drawing/2014/main" xmlns="" id="{978E8EF6-2977-4044-A10E-4BE153DA4E3B}"/>
               </a:ext>
             </a:extLst>
           </p:cNvPr>
@@ -2440,7 +2440,7 @@
           <p:cNvPr id="7" name="Segnaposto numero diapositiva 6">
             <a:extLst>
               <a:ext uri="{FF2B5EF4-FFF2-40B4-BE49-F238E27FC236}">
-                <a16:creationId xmlns:a16="http://schemas.microsoft.com/office/drawing/2014/main" id="{191CF5C1-BDCE-405D-A2EA-D805969C092E}"/>
+                <a16:creationId xmlns:a16="http://schemas.microsoft.com/office/drawing/2014/main" xmlns="" id="{191CF5C1-BDCE-405D-A2EA-D805969C092E}"/>
               </a:ext>
             </a:extLst>
           </p:cNvPr>
@@ -2458,7 +2458,7 @@
           <a:p>
             <a:fld id="{E6658487-5693-42E3-811E-E42EAD369F12}" type="slidenum">
               <a:rPr lang="en-US" smtClean="0"/>
-              <a:t>‹N›</a:t>
+              <a:t>‹n.›</a:t>
             </a:fld>
             <a:endParaRPr lang="en-US"/>
           </a:p>
@@ -2499,7 +2499,7 @@
           <p:cNvPr id="2" name="Titolo 1">
             <a:extLst>
               <a:ext uri="{FF2B5EF4-FFF2-40B4-BE49-F238E27FC236}">
-                <a16:creationId xmlns:a16="http://schemas.microsoft.com/office/drawing/2014/main" id="{2B268230-1B50-4CA4-B011-26C7243D1988}"/>
+                <a16:creationId xmlns:a16="http://schemas.microsoft.com/office/drawing/2014/main" xmlns="" id="{2B268230-1B50-4CA4-B011-26C7243D1988}"/>
               </a:ext>
             </a:extLst>
           </p:cNvPr>
@@ -2537,7 +2537,7 @@
           <p:cNvPr id="3" name="Segnaposto immagine 2">
             <a:extLst>
               <a:ext uri="{FF2B5EF4-FFF2-40B4-BE49-F238E27FC236}">
-                <a16:creationId xmlns:a16="http://schemas.microsoft.com/office/drawing/2014/main" id="{6DDEF6B6-9115-4221-9000-16DCA2BA0A87}"/>
+                <a16:creationId xmlns:a16="http://schemas.microsoft.com/office/drawing/2014/main" xmlns="" id="{6DDEF6B6-9115-4221-9000-16DCA2BA0A87}"/>
               </a:ext>
             </a:extLst>
           </p:cNvPr>
@@ -2604,7 +2604,7 @@
           <p:cNvPr id="4" name="Segnaposto testo 3">
             <a:extLst>
               <a:ext uri="{FF2B5EF4-FFF2-40B4-BE49-F238E27FC236}">
-                <a16:creationId xmlns:a16="http://schemas.microsoft.com/office/drawing/2014/main" id="{6B18EDC0-0BD1-4100-AC5D-50B5014A3D3B}"/>
+                <a16:creationId xmlns:a16="http://schemas.microsoft.com/office/drawing/2014/main" xmlns="" id="{6B18EDC0-0BD1-4100-AC5D-50B5014A3D3B}"/>
               </a:ext>
             </a:extLst>
           </p:cNvPr>
@@ -2675,7 +2675,7 @@
           <p:cNvPr id="5" name="Segnaposto data 4">
             <a:extLst>
               <a:ext uri="{FF2B5EF4-FFF2-40B4-BE49-F238E27FC236}">
-                <a16:creationId xmlns:a16="http://schemas.microsoft.com/office/drawing/2014/main" id="{FFA01175-BEF8-41C2-94F1-9747DDC729A4}"/>
+                <a16:creationId xmlns:a16="http://schemas.microsoft.com/office/drawing/2014/main" xmlns="" id="{FFA01175-BEF8-41C2-94F1-9747DDC729A4}"/>
               </a:ext>
             </a:extLst>
           </p:cNvPr>
@@ -2693,7 +2693,7 @@
           <a:p>
             <a:fld id="{91507A2C-2D14-4152-B9AC-14E8EF6457A0}" type="datetimeFigureOut">
               <a:rPr lang="en-US" smtClean="0"/>
-              <a:t>3/4/2019</a:t>
+              <a:t>3/6/19</a:t>
             </a:fld>
             <a:endParaRPr lang="en-US"/>
           </a:p>
@@ -2704,7 +2704,7 @@
           <p:cNvPr id="6" name="Segnaposto piè di pagina 5">
             <a:extLst>
               <a:ext uri="{FF2B5EF4-FFF2-40B4-BE49-F238E27FC236}">
-                <a16:creationId xmlns:a16="http://schemas.microsoft.com/office/drawing/2014/main" id="{7E3A29C0-9A30-4F66-AFC3-260699251DCB}"/>
+                <a16:creationId xmlns:a16="http://schemas.microsoft.com/office/drawing/2014/main" xmlns="" id="{7E3A29C0-9A30-4F66-AFC3-260699251DCB}"/>
               </a:ext>
             </a:extLst>
           </p:cNvPr>
@@ -2729,7 +2729,7 @@
           <p:cNvPr id="7" name="Segnaposto numero diapositiva 6">
             <a:extLst>
               <a:ext uri="{FF2B5EF4-FFF2-40B4-BE49-F238E27FC236}">
-                <a16:creationId xmlns:a16="http://schemas.microsoft.com/office/drawing/2014/main" id="{12C22E81-5596-4156-B0E9-49192565B4E9}"/>
+                <a16:creationId xmlns:a16="http://schemas.microsoft.com/office/drawing/2014/main" xmlns="" id="{12C22E81-5596-4156-B0E9-49192565B4E9}"/>
               </a:ext>
             </a:extLst>
           </p:cNvPr>
@@ -2747,7 +2747,7 @@
           <a:p>
             <a:fld id="{E6658487-5693-42E3-811E-E42EAD369F12}" type="slidenum">
               <a:rPr lang="en-US" smtClean="0"/>
-              <a:t>‹N›</a:t>
+              <a:t>‹n.›</a:t>
             </a:fld>
             <a:endParaRPr lang="en-US"/>
           </a:p>
@@ -2793,7 +2793,7 @@
           <p:cNvPr id="2" name="Segnaposto titolo 1">
             <a:extLst>
               <a:ext uri="{FF2B5EF4-FFF2-40B4-BE49-F238E27FC236}">
-                <a16:creationId xmlns:a16="http://schemas.microsoft.com/office/drawing/2014/main" id="{49919BD3-917B-4AE1-A7D5-37165B582D9D}"/>
+                <a16:creationId xmlns:a16="http://schemas.microsoft.com/office/drawing/2014/main" xmlns="" id="{49919BD3-917B-4AE1-A7D5-37165B582D9D}"/>
               </a:ext>
             </a:extLst>
           </p:cNvPr>
@@ -2832,7 +2832,7 @@
           <p:cNvPr id="3" name="Segnaposto testo 2">
             <a:extLst>
               <a:ext uri="{FF2B5EF4-FFF2-40B4-BE49-F238E27FC236}">
-                <a16:creationId xmlns:a16="http://schemas.microsoft.com/office/drawing/2014/main" id="{2F995DD0-D36E-4AEC-946A-E2853E02554A}"/>
+                <a16:creationId xmlns:a16="http://schemas.microsoft.com/office/drawing/2014/main" xmlns="" id="{2F995DD0-D36E-4AEC-946A-E2853E02554A}"/>
               </a:ext>
             </a:extLst>
           </p:cNvPr>
@@ -2900,7 +2900,7 @@
           <p:cNvPr id="4" name="Segnaposto data 3">
             <a:extLst>
               <a:ext uri="{FF2B5EF4-FFF2-40B4-BE49-F238E27FC236}">
-                <a16:creationId xmlns:a16="http://schemas.microsoft.com/office/drawing/2014/main" id="{84BF6BDE-10F8-4DF8-9997-72EE629CB8B3}"/>
+                <a16:creationId xmlns:a16="http://schemas.microsoft.com/office/drawing/2014/main" xmlns="" id="{84BF6BDE-10F8-4DF8-9997-72EE629CB8B3}"/>
               </a:ext>
             </a:extLst>
           </p:cNvPr>
@@ -2936,7 +2936,7 @@
           <a:p>
             <a:fld id="{91507A2C-2D14-4152-B9AC-14E8EF6457A0}" type="datetimeFigureOut">
               <a:rPr lang="en-US" smtClean="0"/>
-              <a:t>3/4/2019</a:t>
+              <a:t>3/6/19</a:t>
             </a:fld>
             <a:endParaRPr lang="en-US"/>
           </a:p>
@@ -2947,7 +2947,7 @@
           <p:cNvPr id="5" name="Segnaposto piè di pagina 4">
             <a:extLst>
               <a:ext uri="{FF2B5EF4-FFF2-40B4-BE49-F238E27FC236}">
-                <a16:creationId xmlns:a16="http://schemas.microsoft.com/office/drawing/2014/main" id="{F3080AB9-A920-4B4D-A982-D5804DF462BF}"/>
+                <a16:creationId xmlns:a16="http://schemas.microsoft.com/office/drawing/2014/main" xmlns="" id="{F3080AB9-A920-4B4D-A982-D5804DF462BF}"/>
               </a:ext>
             </a:extLst>
           </p:cNvPr>
@@ -2990,7 +2990,7 @@
           <p:cNvPr id="6" name="Segnaposto numero diapositiva 5">
             <a:extLst>
               <a:ext uri="{FF2B5EF4-FFF2-40B4-BE49-F238E27FC236}">
-                <a16:creationId xmlns:a16="http://schemas.microsoft.com/office/drawing/2014/main" id="{D195C1DB-D601-41BE-89AC-CC28CB4C3366}"/>
+                <a16:creationId xmlns:a16="http://schemas.microsoft.com/office/drawing/2014/main" xmlns="" id="{D195C1DB-D601-41BE-89AC-CC28CB4C3366}"/>
               </a:ext>
             </a:extLst>
           </p:cNvPr>
@@ -3026,7 +3026,7 @@
           <a:p>
             <a:fld id="{E6658487-5693-42E3-811E-E42EAD369F12}" type="slidenum">
               <a:rPr lang="en-US" smtClean="0"/>
-              <a:t>‹N›</a:t>
+              <a:t>‹n.›</a:t>
             </a:fld>
             <a:endParaRPr lang="en-US"/>
           </a:p>
@@ -3358,7 +3358,7 @@
           <p:cNvPr id="1026" name="Picture 2" descr="Risultati immagini per icon vlc">
             <a:extLst>
               <a:ext uri="{FF2B5EF4-FFF2-40B4-BE49-F238E27FC236}">
-                <a16:creationId xmlns:a16="http://schemas.microsoft.com/office/drawing/2014/main" id="{4E4D9340-7BCE-4AF1-AAD9-4CA8FBF0CA2C}"/>
+                <a16:creationId xmlns:a16="http://schemas.microsoft.com/office/drawing/2014/main" xmlns="" id="{4E4D9340-7BCE-4AF1-AAD9-4CA8FBF0CA2C}"/>
               </a:ext>
             </a:extLst>
           </p:cNvPr>
@@ -3405,7 +3405,7 @@
           <p:cNvPr id="1028" name="Picture 4" descr="Risultati immagini per icon finder mac">
             <a:extLst>
               <a:ext uri="{FF2B5EF4-FFF2-40B4-BE49-F238E27FC236}">
-                <a16:creationId xmlns:a16="http://schemas.microsoft.com/office/drawing/2014/main" id="{0F927C9B-739C-4AC6-A670-CE004295D39B}"/>
+                <a16:creationId xmlns:a16="http://schemas.microsoft.com/office/drawing/2014/main" xmlns="" id="{0F927C9B-739C-4AC6-A670-CE004295D39B}"/>
               </a:ext>
             </a:extLst>
           </p:cNvPr>
@@ -3452,7 +3452,7 @@
           <p:cNvPr id="1030" name="Picture 6" descr="Risultati immagini per icon word">
             <a:extLst>
               <a:ext uri="{FF2B5EF4-FFF2-40B4-BE49-F238E27FC236}">
-                <a16:creationId xmlns:a16="http://schemas.microsoft.com/office/drawing/2014/main" id="{E29E3A5D-1FBE-4591-9A34-A022BBC9F724}"/>
+                <a16:creationId xmlns:a16="http://schemas.microsoft.com/office/drawing/2014/main" xmlns="" id="{E29E3A5D-1FBE-4591-9A34-A022BBC9F724}"/>
               </a:ext>
             </a:extLst>
           </p:cNvPr>
@@ -3499,7 +3499,7 @@
           <p:cNvPr id="1032" name="Picture 8" descr="Risultati immagini per icon steam">
             <a:extLst>
               <a:ext uri="{FF2B5EF4-FFF2-40B4-BE49-F238E27FC236}">
-                <a16:creationId xmlns:a16="http://schemas.microsoft.com/office/drawing/2014/main" id="{4572BD55-B1B6-42F6-9EE1-8E8DD86A4EFE}"/>
+                <a16:creationId xmlns:a16="http://schemas.microsoft.com/office/drawing/2014/main" xmlns="" id="{4572BD55-B1B6-42F6-9EE1-8E8DD86A4EFE}"/>
               </a:ext>
             </a:extLst>
           </p:cNvPr>
@@ -3546,7 +3546,7 @@
           <p:cNvPr id="1036" name="Picture 12" descr="Risultati immagini per icon calculator">
             <a:extLst>
               <a:ext uri="{FF2B5EF4-FFF2-40B4-BE49-F238E27FC236}">
-                <a16:creationId xmlns:a16="http://schemas.microsoft.com/office/drawing/2014/main" id="{45816166-735E-4075-AEBE-3012D798CEEC}"/>
+                <a16:creationId xmlns:a16="http://schemas.microsoft.com/office/drawing/2014/main" xmlns="" id="{45816166-735E-4075-AEBE-3012D798CEEC}"/>
               </a:ext>
             </a:extLst>
           </p:cNvPr>
@@ -3593,7 +3593,7 @@
           <p:cNvPr id="1038" name="Picture 14" descr="Risultati immagini per icon calendar">
             <a:extLst>
               <a:ext uri="{FF2B5EF4-FFF2-40B4-BE49-F238E27FC236}">
-                <a16:creationId xmlns:a16="http://schemas.microsoft.com/office/drawing/2014/main" id="{C01D61B1-E131-48A2-97E5-EC2B678DD47A}"/>
+                <a16:creationId xmlns:a16="http://schemas.microsoft.com/office/drawing/2014/main" xmlns="" id="{C01D61B1-E131-48A2-97E5-EC2B678DD47A}"/>
               </a:ext>
             </a:extLst>
           </p:cNvPr>
@@ -3640,7 +3640,7 @@
           <p:cNvPr id="1040" name="Picture 16" descr="Risultati immagini per icon gimp">
             <a:extLst>
               <a:ext uri="{FF2B5EF4-FFF2-40B4-BE49-F238E27FC236}">
-                <a16:creationId xmlns:a16="http://schemas.microsoft.com/office/drawing/2014/main" id="{782ACE1A-4060-4016-984F-D2BF9CB9DD48}"/>
+                <a16:creationId xmlns:a16="http://schemas.microsoft.com/office/drawing/2014/main" xmlns="" id="{782ACE1A-4060-4016-984F-D2BF9CB9DD48}"/>
               </a:ext>
             </a:extLst>
           </p:cNvPr>
@@ -3687,7 +3687,7 @@
           <p:cNvPr id="1044" name="Picture 20" descr="Risultati immagini per icon sublime">
             <a:extLst>
               <a:ext uri="{FF2B5EF4-FFF2-40B4-BE49-F238E27FC236}">
-                <a16:creationId xmlns:a16="http://schemas.microsoft.com/office/drawing/2014/main" id="{7E13E766-75DA-4E76-8314-AFB99086EED2}"/>
+                <a16:creationId xmlns:a16="http://schemas.microsoft.com/office/drawing/2014/main" xmlns="" id="{7E13E766-75DA-4E76-8314-AFB99086EED2}"/>
               </a:ext>
             </a:extLst>
           </p:cNvPr>
@@ -3732,7 +3732,7 @@
           <p:cNvPr id="1046" name="Picture 22" descr="Immagine correlata">
             <a:extLst>
               <a:ext uri="{FF2B5EF4-FFF2-40B4-BE49-F238E27FC236}">
-                <a16:creationId xmlns:a16="http://schemas.microsoft.com/office/drawing/2014/main" id="{3A45E642-5647-434D-95D3-98919E11BE5F}"/>
+                <a16:creationId xmlns:a16="http://schemas.microsoft.com/office/drawing/2014/main" xmlns="" id="{3A45E642-5647-434D-95D3-98919E11BE5F}"/>
               </a:ext>
             </a:extLst>
           </p:cNvPr>
@@ -3779,7 +3779,7 @@
           <p:cNvPr id="1048" name="Picture 24" descr="Risultati immagini per icon itunes">
             <a:extLst>
               <a:ext uri="{FF2B5EF4-FFF2-40B4-BE49-F238E27FC236}">
-                <a16:creationId xmlns:a16="http://schemas.microsoft.com/office/drawing/2014/main" id="{22041AF2-7EC1-4A86-9A57-86C4931CE3FD}"/>
+                <a16:creationId xmlns:a16="http://schemas.microsoft.com/office/drawing/2014/main" xmlns="" id="{22041AF2-7EC1-4A86-9A57-86C4931CE3FD}"/>
               </a:ext>
             </a:extLst>
           </p:cNvPr>
@@ -3824,7 +3824,7 @@
           <p:cNvPr id="5" name="Connettore diritto 4">
             <a:extLst>
               <a:ext uri="{FF2B5EF4-FFF2-40B4-BE49-F238E27FC236}">
-                <a16:creationId xmlns:a16="http://schemas.microsoft.com/office/drawing/2014/main" id="{EFDBD645-A90A-4192-A9B0-5303D80CABDC}"/>
+                <a16:creationId xmlns:a16="http://schemas.microsoft.com/office/drawing/2014/main" xmlns="" id="{EFDBD645-A90A-4192-A9B0-5303D80CABDC}"/>
               </a:ext>
             </a:extLst>
           </p:cNvPr>
@@ -3862,7 +3862,7 @@
           <p:cNvPr id="1050" name="Picture 26" descr="Risultati immagini per icon whatsapp">
             <a:extLst>
               <a:ext uri="{FF2B5EF4-FFF2-40B4-BE49-F238E27FC236}">
-                <a16:creationId xmlns:a16="http://schemas.microsoft.com/office/drawing/2014/main" id="{4B2319A0-867B-4CA8-8FFD-61AA38763C13}"/>
+                <a16:creationId xmlns:a16="http://schemas.microsoft.com/office/drawing/2014/main" xmlns="" id="{4B2319A0-867B-4CA8-8FFD-61AA38763C13}"/>
               </a:ext>
             </a:extLst>
           </p:cNvPr>
@@ -3909,7 +3909,7 @@
           <p:cNvPr id="1052" name="Picture 28" descr="Risultati immagini per icon telegram">
             <a:extLst>
               <a:ext uri="{FF2B5EF4-FFF2-40B4-BE49-F238E27FC236}">
-                <a16:creationId xmlns:a16="http://schemas.microsoft.com/office/drawing/2014/main" id="{41A9EB58-BC7C-4130-8225-FB1C87286BEB}"/>
+                <a16:creationId xmlns:a16="http://schemas.microsoft.com/office/drawing/2014/main" xmlns="" id="{41A9EB58-BC7C-4130-8225-FB1C87286BEB}"/>
               </a:ext>
             </a:extLst>
           </p:cNvPr>
@@ -3956,7 +3956,7 @@
           <p:cNvPr id="1054" name="Picture 30" descr="Risultati immagini per icon netflix">
             <a:extLst>
               <a:ext uri="{FF2B5EF4-FFF2-40B4-BE49-F238E27FC236}">
-                <a16:creationId xmlns:a16="http://schemas.microsoft.com/office/drawing/2014/main" id="{01A63DAA-2791-4ABD-B262-D72E4B53EEB2}"/>
+                <a16:creationId xmlns:a16="http://schemas.microsoft.com/office/drawing/2014/main" xmlns="" id="{01A63DAA-2791-4ABD-B262-D72E4B53EEB2}"/>
               </a:ext>
             </a:extLst>
           </p:cNvPr>
@@ -4003,7 +4003,7 @@
           <p:cNvPr id="1058" name="Picture 34" descr="Risultati immagini per icon facebook png">
             <a:extLst>
               <a:ext uri="{FF2B5EF4-FFF2-40B4-BE49-F238E27FC236}">
-                <a16:creationId xmlns:a16="http://schemas.microsoft.com/office/drawing/2014/main" id="{40D2A230-2234-4F6A-B848-B6A7C5877DAB}"/>
+                <a16:creationId xmlns:a16="http://schemas.microsoft.com/office/drawing/2014/main" xmlns="" id="{40D2A230-2234-4F6A-B848-B6A7C5877DAB}"/>
               </a:ext>
             </a:extLst>
           </p:cNvPr>
@@ -4050,7 +4050,7 @@
           <p:cNvPr id="1062" name="Picture 38" descr="Risultati immagini per icon google png">
             <a:extLst>
               <a:ext uri="{FF2B5EF4-FFF2-40B4-BE49-F238E27FC236}">
-                <a16:creationId xmlns:a16="http://schemas.microsoft.com/office/drawing/2014/main" id="{8F9AA4A7-A5E4-47D2-A93B-16BB02C9A1F0}"/>
+                <a16:creationId xmlns:a16="http://schemas.microsoft.com/office/drawing/2014/main" xmlns="" id="{8F9AA4A7-A5E4-47D2-A93B-16BB02C9A1F0}"/>
               </a:ext>
             </a:extLst>
           </p:cNvPr>
@@ -4097,7 +4097,7 @@
           <p:cNvPr id="1064" name="Picture 40" descr="Risultati immagini per icon moodle png">
             <a:extLst>
               <a:ext uri="{FF2B5EF4-FFF2-40B4-BE49-F238E27FC236}">
-                <a16:creationId xmlns:a16="http://schemas.microsoft.com/office/drawing/2014/main" id="{21A5F985-7E2E-4146-9E22-2A243BD03827}"/>
+                <a16:creationId xmlns:a16="http://schemas.microsoft.com/office/drawing/2014/main" xmlns="" id="{21A5F985-7E2E-4146-9E22-2A243BD03827}"/>
               </a:ext>
             </a:extLst>
           </p:cNvPr>
@@ -4144,7 +4144,7 @@
           <p:cNvPr id="1066" name="Picture 42" descr="Risultati immagini per icon twitch png">
             <a:extLst>
               <a:ext uri="{FF2B5EF4-FFF2-40B4-BE49-F238E27FC236}">
-                <a16:creationId xmlns:a16="http://schemas.microsoft.com/office/drawing/2014/main" id="{FA431897-42AB-423D-ABCC-9E90357CD7EA}"/>
+                <a16:creationId xmlns:a16="http://schemas.microsoft.com/office/drawing/2014/main" xmlns="" id="{FA431897-42AB-423D-ABCC-9E90357CD7EA}"/>
               </a:ext>
             </a:extLst>
           </p:cNvPr>
@@ -4191,7 +4191,7 @@
           <p:cNvPr id="1068" name="Picture 44" descr="Risultati immagini per icon skype png">
             <a:extLst>
               <a:ext uri="{FF2B5EF4-FFF2-40B4-BE49-F238E27FC236}">
-                <a16:creationId xmlns:a16="http://schemas.microsoft.com/office/drawing/2014/main" id="{9FCCDD10-E7D4-4A43-8DEB-53F9887E2AAC}"/>
+                <a16:creationId xmlns:a16="http://schemas.microsoft.com/office/drawing/2014/main" xmlns="" id="{9FCCDD10-E7D4-4A43-8DEB-53F9887E2AAC}"/>
               </a:ext>
             </a:extLst>
           </p:cNvPr>
@@ -4238,7 +4238,7 @@
           <p:cNvPr id="1070" name="Picture 46" descr="Risultati immagini per icon virtualbox png">
             <a:extLst>
               <a:ext uri="{FF2B5EF4-FFF2-40B4-BE49-F238E27FC236}">
-                <a16:creationId xmlns:a16="http://schemas.microsoft.com/office/drawing/2014/main" id="{4965B218-EACD-4CDF-8B24-BEABD6A09F60}"/>
+                <a16:creationId xmlns:a16="http://schemas.microsoft.com/office/drawing/2014/main" xmlns="" id="{4965B218-EACD-4CDF-8B24-BEABD6A09F60}"/>
               </a:ext>
             </a:extLst>
           </p:cNvPr>
@@ -4285,7 +4285,7 @@
           <p:cNvPr id="1072" name="Picture 48" descr="Risultati immagini per icon play store png">
             <a:extLst>
               <a:ext uri="{FF2B5EF4-FFF2-40B4-BE49-F238E27FC236}">
-                <a16:creationId xmlns:a16="http://schemas.microsoft.com/office/drawing/2014/main" id="{3A8B99B1-D487-4197-89E1-B6ED911E8783}"/>
+                <a16:creationId xmlns:a16="http://schemas.microsoft.com/office/drawing/2014/main" xmlns="" id="{3A8B99B1-D487-4197-89E1-B6ED911E8783}"/>
               </a:ext>
             </a:extLst>
           </p:cNvPr>
@@ -4332,7 +4332,7 @@
           <p:cNvPr id="2" name="Picture 2" descr="Risultati immagini per icon youtube png">
             <a:extLst>
               <a:ext uri="{FF2B5EF4-FFF2-40B4-BE49-F238E27FC236}">
-                <a16:creationId xmlns:a16="http://schemas.microsoft.com/office/drawing/2014/main" id="{7AAB6E08-AB84-4D28-BCF0-0DD9572AC19D}"/>
+                <a16:creationId xmlns:a16="http://schemas.microsoft.com/office/drawing/2014/main" xmlns="" id="{7AAB6E08-AB84-4D28-BCF0-0DD9572AC19D}"/>
               </a:ext>
             </a:extLst>
           </p:cNvPr>
@@ -4409,7 +4409,7 @@
           <p:cNvPr id="2" name="Titolo 1">
             <a:extLst>
               <a:ext uri="{FF2B5EF4-FFF2-40B4-BE49-F238E27FC236}">
-                <a16:creationId xmlns:a16="http://schemas.microsoft.com/office/drawing/2014/main" id="{480A040A-9848-44CC-9C7A-10EB990E1F3B}"/>
+                <a16:creationId xmlns:a16="http://schemas.microsoft.com/office/drawing/2014/main" xmlns="" id="{480A040A-9848-44CC-9C7A-10EB990E1F3B}"/>
               </a:ext>
             </a:extLst>
           </p:cNvPr>
@@ -4490,7 +4490,7 @@
           <p:cNvPr id="3" name="Segnaposto contenuto 2">
             <a:extLst>
               <a:ext uri="{FF2B5EF4-FFF2-40B4-BE49-F238E27FC236}">
-                <a16:creationId xmlns:a16="http://schemas.microsoft.com/office/drawing/2014/main" id="{C92F087F-7CBF-4141-B27D-4AEBAEBB5CBD}"/>
+                <a16:creationId xmlns:a16="http://schemas.microsoft.com/office/drawing/2014/main" xmlns="" id="{C92F087F-7CBF-4141-B27D-4AEBAEBB5CBD}"/>
               </a:ext>
             </a:extLst>
           </p:cNvPr>
@@ -4544,7 +4544,7 @@
           <p:cNvPr id="2054" name="Picture 6" descr="Risultati immagini per computer icon">
             <a:extLst>
               <a:ext uri="{FF2B5EF4-FFF2-40B4-BE49-F238E27FC236}">
-                <a16:creationId xmlns:a16="http://schemas.microsoft.com/office/drawing/2014/main" id="{449600E3-500A-417C-A2D3-7317A76CABF2}"/>
+                <a16:creationId xmlns:a16="http://schemas.microsoft.com/office/drawing/2014/main" xmlns="" id="{449600E3-500A-417C-A2D3-7317A76CABF2}"/>
               </a:ext>
             </a:extLst>
           </p:cNvPr>
@@ -4591,7 +4591,7 @@
           <p:cNvPr id="4" name="Freccia in giù 3">
             <a:extLst>
               <a:ext uri="{FF2B5EF4-FFF2-40B4-BE49-F238E27FC236}">
-                <a16:creationId xmlns:a16="http://schemas.microsoft.com/office/drawing/2014/main" id="{AAA95AA6-E636-42E9-9123-8A44A208A70E}"/>
+                <a16:creationId xmlns:a16="http://schemas.microsoft.com/office/drawing/2014/main" xmlns="" id="{AAA95AA6-E636-42E9-9123-8A44A208A70E}"/>
               </a:ext>
             </a:extLst>
           </p:cNvPr>
@@ -4637,7 +4637,7 @@
           <p:cNvPr id="8" name="Freccia in giù 7">
             <a:extLst>
               <a:ext uri="{FF2B5EF4-FFF2-40B4-BE49-F238E27FC236}">
-                <a16:creationId xmlns:a16="http://schemas.microsoft.com/office/drawing/2014/main" id="{E2B4C734-708B-421B-96B9-56B67C650DEE}"/>
+                <a16:creationId xmlns:a16="http://schemas.microsoft.com/office/drawing/2014/main" xmlns="" id="{E2B4C734-708B-421B-96B9-56B67C650DEE}"/>
               </a:ext>
             </a:extLst>
           </p:cNvPr>
@@ -4683,7 +4683,7 @@
           <p:cNvPr id="5" name="CasellaDiTesto 4">
             <a:extLst>
               <a:ext uri="{FF2B5EF4-FFF2-40B4-BE49-F238E27FC236}">
-                <a16:creationId xmlns:a16="http://schemas.microsoft.com/office/drawing/2014/main" id="{3A6E2C4F-48C6-48A6-8726-838ED3496690}"/>
+                <a16:creationId xmlns:a16="http://schemas.microsoft.com/office/drawing/2014/main" xmlns="" id="{3A6E2C4F-48C6-48A6-8726-838ED3496690}"/>
               </a:ext>
             </a:extLst>
           </p:cNvPr>
@@ -4765,7 +4765,7 @@
           <p:cNvPr id="10" name="Picture 30" descr="Risultati immagini per icon netflix">
             <a:extLst>
               <a:ext uri="{FF2B5EF4-FFF2-40B4-BE49-F238E27FC236}">
-                <a16:creationId xmlns:a16="http://schemas.microsoft.com/office/drawing/2014/main" id="{92CC2AD3-4A06-4423-AB35-5CDF6421F736}"/>
+                <a16:creationId xmlns:a16="http://schemas.microsoft.com/office/drawing/2014/main" xmlns="" id="{92CC2AD3-4A06-4423-AB35-5CDF6421F736}"/>
               </a:ext>
             </a:extLst>
           </p:cNvPr>
@@ -4842,7 +4842,7 @@
           <p:cNvPr id="1034" name="Picture 10" descr="Risultati immagini per programming languages logo">
             <a:extLst>
               <a:ext uri="{FF2B5EF4-FFF2-40B4-BE49-F238E27FC236}">
-                <a16:creationId xmlns:a16="http://schemas.microsoft.com/office/drawing/2014/main" id="{BE65855C-0116-41DE-8393-CA5614AC420D}"/>
+                <a16:creationId xmlns:a16="http://schemas.microsoft.com/office/drawing/2014/main" xmlns="" id="{BE65855C-0116-41DE-8393-CA5614AC420D}"/>
               </a:ext>
             </a:extLst>
           </p:cNvPr>
@@ -4889,7 +4889,7 @@
           <p:cNvPr id="1036" name="Picture 12" descr="Risultati immagini per python logo">
             <a:extLst>
               <a:ext uri="{FF2B5EF4-FFF2-40B4-BE49-F238E27FC236}">
-                <a16:creationId xmlns:a16="http://schemas.microsoft.com/office/drawing/2014/main" id="{6CEDB9DF-0F86-4867-AEBD-DCEABF503862}"/>
+                <a16:creationId xmlns:a16="http://schemas.microsoft.com/office/drawing/2014/main" xmlns="" id="{6CEDB9DF-0F86-4867-AEBD-DCEABF503862}"/>
               </a:ext>
             </a:extLst>
           </p:cNvPr>
@@ -4934,7 +4934,7 @@
           <p:cNvPr id="8" name="CasellaDiTesto 7">
             <a:extLst>
               <a:ext uri="{FF2B5EF4-FFF2-40B4-BE49-F238E27FC236}">
-                <a16:creationId xmlns:a16="http://schemas.microsoft.com/office/drawing/2014/main" id="{8F24807D-2CA7-458F-9E52-7A4641BCC891}"/>
+                <a16:creationId xmlns:a16="http://schemas.microsoft.com/office/drawing/2014/main" xmlns="" id="{8F24807D-2CA7-458F-9E52-7A4641BCC891}"/>
               </a:ext>
             </a:extLst>
           </p:cNvPr>
@@ -4996,7 +4996,7 @@
           <p:cNvPr id="11" name="Rettangolo ad angolo ripiegato 10">
             <a:extLst>
               <a:ext uri="{FF2B5EF4-FFF2-40B4-BE49-F238E27FC236}">
-                <a16:creationId xmlns:a16="http://schemas.microsoft.com/office/drawing/2014/main" id="{A0F85BFB-F40C-4A04-854E-1218CC18128D}"/>
+                <a16:creationId xmlns:a16="http://schemas.microsoft.com/office/drawing/2014/main" xmlns="" id="{A0F85BFB-F40C-4A04-854E-1218CC18128D}"/>
               </a:ext>
             </a:extLst>
           </p:cNvPr>
@@ -5147,7 +5147,7 @@
           <p:cNvPr id="2" name="Titolo 1">
             <a:extLst>
               <a:ext uri="{FF2B5EF4-FFF2-40B4-BE49-F238E27FC236}">
-                <a16:creationId xmlns:a16="http://schemas.microsoft.com/office/drawing/2014/main" id="{E2220210-11AC-43AF-8BCD-F69A44056502}"/>
+                <a16:creationId xmlns:a16="http://schemas.microsoft.com/office/drawing/2014/main" xmlns="" id="{E2220210-11AC-43AF-8BCD-F69A44056502}"/>
               </a:ext>
             </a:extLst>
           </p:cNvPr>
@@ -5180,7 +5180,7 @@
           <p:cNvPr id="3" name="Segnaposto contenuto 2">
             <a:extLst>
               <a:ext uri="{FF2B5EF4-FFF2-40B4-BE49-F238E27FC236}">
-                <a16:creationId xmlns:a16="http://schemas.microsoft.com/office/drawing/2014/main" id="{5D217B2F-E17C-4F94-8C2D-9D58067A3DB5}"/>
+                <a16:creationId xmlns:a16="http://schemas.microsoft.com/office/drawing/2014/main" xmlns="" id="{5D217B2F-E17C-4F94-8C2D-9D58067A3DB5}"/>
               </a:ext>
             </a:extLst>
           </p:cNvPr>
@@ -5326,7 +5326,7 @@
           <p:cNvPr id="2052" name="Picture 4" descr="Risultati immagini per angel vs devil">
             <a:extLst>
               <a:ext uri="{FF2B5EF4-FFF2-40B4-BE49-F238E27FC236}">
-                <a16:creationId xmlns:a16="http://schemas.microsoft.com/office/drawing/2014/main" id="{7129121A-B780-4A15-BCA6-F2BCFE0C5283}"/>
+                <a16:creationId xmlns:a16="http://schemas.microsoft.com/office/drawing/2014/main" xmlns="" id="{7129121A-B780-4A15-BCA6-F2BCFE0C5283}"/>
               </a:ext>
             </a:extLst>
           </p:cNvPr>
@@ -5403,7 +5403,7 @@
           <p:cNvPr id="2" name="Titolo 1">
             <a:extLst>
               <a:ext uri="{FF2B5EF4-FFF2-40B4-BE49-F238E27FC236}">
-                <a16:creationId xmlns:a16="http://schemas.microsoft.com/office/drawing/2014/main" id="{1AD1C0FE-B220-4743-AC46-AF3741F5A463}"/>
+                <a16:creationId xmlns:a16="http://schemas.microsoft.com/office/drawing/2014/main" xmlns="" id="{1AD1C0FE-B220-4743-AC46-AF3741F5A463}"/>
               </a:ext>
             </a:extLst>
           </p:cNvPr>
@@ -5489,7 +5489,7 @@
           <p:cNvPr id="3" name="Segnaposto contenuto 2">
             <a:extLst>
               <a:ext uri="{FF2B5EF4-FFF2-40B4-BE49-F238E27FC236}">
-                <a16:creationId xmlns:a16="http://schemas.microsoft.com/office/drawing/2014/main" id="{D3A7173D-AA56-4AEC-B69A-12B44E8BB3ED}"/>
+                <a16:creationId xmlns:a16="http://schemas.microsoft.com/office/drawing/2014/main" xmlns="" id="{D3A7173D-AA56-4AEC-B69A-12B44E8BB3ED}"/>
               </a:ext>
             </a:extLst>
           </p:cNvPr>
@@ -5570,7 +5570,7 @@
           <p:cNvPr id="4" name="CasellaDiTesto 3">
             <a:extLst>
               <a:ext uri="{FF2B5EF4-FFF2-40B4-BE49-F238E27FC236}">
-                <a16:creationId xmlns:a16="http://schemas.microsoft.com/office/drawing/2014/main" id="{3D97C644-8B29-400F-9E7B-E8F11EC2A442}"/>
+                <a16:creationId xmlns:a16="http://schemas.microsoft.com/office/drawing/2014/main" xmlns="" id="{3D97C644-8B29-400F-9E7B-E8F11EC2A442}"/>
               </a:ext>
             </a:extLst>
           </p:cNvPr>
@@ -5764,7 +5764,7 @@
           <p:cNvPr id="6" name="Immagine 5">
             <a:extLst>
               <a:ext uri="{FF2B5EF4-FFF2-40B4-BE49-F238E27FC236}">
-                <a16:creationId xmlns:a16="http://schemas.microsoft.com/office/drawing/2014/main" id="{60048DDA-7A44-4549-8BCF-F133389BC2C7}"/>
+                <a16:creationId xmlns:a16="http://schemas.microsoft.com/office/drawing/2014/main" xmlns="" id="{60048DDA-7A44-4549-8BCF-F133389BC2C7}"/>
               </a:ext>
             </a:extLst>
           </p:cNvPr>
@@ -5830,7 +5830,7 @@
           <p:cNvPr id="2" name="Titolo 1">
             <a:extLst>
               <a:ext uri="{FF2B5EF4-FFF2-40B4-BE49-F238E27FC236}">
-                <a16:creationId xmlns:a16="http://schemas.microsoft.com/office/drawing/2014/main" id="{6D9EB2C3-E29C-49C8-8BDF-193A2E9D8F1C}"/>
+                <a16:creationId xmlns:a16="http://schemas.microsoft.com/office/drawing/2014/main" xmlns="" id="{6D9EB2C3-E29C-49C8-8BDF-193A2E9D8F1C}"/>
               </a:ext>
             </a:extLst>
           </p:cNvPr>
@@ -5859,7 +5859,7 @@
           <p:cNvPr id="3074" name="Picture 2" descr="Risultati immagini per pizza logo">
             <a:extLst>
               <a:ext uri="{FF2B5EF4-FFF2-40B4-BE49-F238E27FC236}">
-                <a16:creationId xmlns:a16="http://schemas.microsoft.com/office/drawing/2014/main" id="{7A7E038A-4E1A-441A-A800-940A65C41381}"/>
+                <a16:creationId xmlns:a16="http://schemas.microsoft.com/office/drawing/2014/main" xmlns="" id="{7A7E038A-4E1A-441A-A800-940A65C41381}"/>
               </a:ext>
             </a:extLst>
           </p:cNvPr>
@@ -5906,7 +5906,7 @@
           <p:cNvPr id="4" name="CasellaDiTesto 3">
             <a:extLst>
               <a:ext uri="{FF2B5EF4-FFF2-40B4-BE49-F238E27FC236}">
-                <a16:creationId xmlns:a16="http://schemas.microsoft.com/office/drawing/2014/main" id="{96A2F48B-1ACB-44C2-AEC6-3AF6FC374978}"/>
+                <a16:creationId xmlns:a16="http://schemas.microsoft.com/office/drawing/2014/main" xmlns="" id="{96A2F48B-1ACB-44C2-AEC6-3AF6FC374978}"/>
               </a:ext>
             </a:extLst>
           </p:cNvPr>
@@ -5982,7 +5982,7 @@
           <p:cNvPr id="5" name="CasellaDiTesto 4">
             <a:extLst>
               <a:ext uri="{FF2B5EF4-FFF2-40B4-BE49-F238E27FC236}">
-                <a16:creationId xmlns:a16="http://schemas.microsoft.com/office/drawing/2014/main" id="{692EE770-9245-42F5-8C8A-DE24D9CF6622}"/>
+                <a16:creationId xmlns:a16="http://schemas.microsoft.com/office/drawing/2014/main" xmlns="" id="{692EE770-9245-42F5-8C8A-DE24D9CF6622}"/>
               </a:ext>
             </a:extLst>
           </p:cNvPr>
@@ -5991,7 +5991,7 @@
         </p:nvSpPr>
         <p:spPr>
           <a:xfrm>
-            <a:off x="1017037" y="3956180"/>
+            <a:off x="864637" y="3541893"/>
             <a:ext cx="8817428" cy="1477328"/>
           </a:xfrm>
           <a:prstGeom prst="rect">
@@ -6061,7 +6061,7 @@
           <p:cNvPr id="7" name="CasellaDiTesto 6">
             <a:extLst>
               <a:ext uri="{FF2B5EF4-FFF2-40B4-BE49-F238E27FC236}">
-                <a16:creationId xmlns:a16="http://schemas.microsoft.com/office/drawing/2014/main" id="{4C88CA0A-CD37-4E31-BEAF-5B0BA23675EB}"/>
+                <a16:creationId xmlns:a16="http://schemas.microsoft.com/office/drawing/2014/main" xmlns="" id="{4C88CA0A-CD37-4E31-BEAF-5B0BA23675EB}"/>
               </a:ext>
             </a:extLst>
           </p:cNvPr>
@@ -6132,7 +6132,7 @@
           <p:cNvPr id="6" name="CasellaDiTesto 5">
             <a:extLst>
               <a:ext uri="{FF2B5EF4-FFF2-40B4-BE49-F238E27FC236}">
-                <a16:creationId xmlns:a16="http://schemas.microsoft.com/office/drawing/2014/main" id="{7E69B640-8C25-4D34-9EAF-B31BCFD2AEAD}"/>
+                <a16:creationId xmlns:a16="http://schemas.microsoft.com/office/drawing/2014/main" xmlns="" id="{7E69B640-8C25-4D34-9EAF-B31BCFD2AEAD}"/>
               </a:ext>
             </a:extLst>
           </p:cNvPr>
@@ -6141,7 +6141,7 @@
         </p:nvSpPr>
         <p:spPr>
           <a:xfrm>
-            <a:off x="5425751" y="3114558"/>
+            <a:off x="2588622" y="3482719"/>
             <a:ext cx="6408718" cy="461665"/>
           </a:xfrm>
           <a:prstGeom prst="rect">
@@ -6171,6 +6171,58 @@
               <a:rPr lang="en-US" sz="2400" b="1" dirty="0"/>
               <a:t>“</a:t>
             </a:r>
+          </a:p>
+        </p:txBody>
+      </p:sp>
+      <p:sp>
+        <p:nvSpPr>
+          <p:cNvPr id="8" name="CasellaDiTesto 7">
+            <a:extLst>
+              <a:ext uri="{FF2B5EF4-FFF2-40B4-BE49-F238E27FC236}">
+                <a16:creationId xmlns:a16="http://schemas.microsoft.com/office/drawing/2014/main" xmlns="" id="{7E69B640-8C25-4D34-9EAF-B31BCFD2AEAD}"/>
+              </a:ext>
+            </a:extLst>
+          </p:cNvPr>
+          <p:cNvSpPr txBox="1"/>
+          <p:nvPr/>
+        </p:nvSpPr>
+        <p:spPr>
+          <a:xfrm>
+            <a:off x="2588621" y="5202161"/>
+            <a:ext cx="7398243" cy="461665"/>
+          </a:xfrm>
+          <a:prstGeom prst="rect">
+            <a:avLst/>
+          </a:prstGeom>
+          <a:noFill/>
+        </p:spPr>
+        <p:txBody>
+          <a:bodyPr wrap="square" rtlCol="0">
+            <a:spAutoFit/>
+          </a:bodyPr>
+          <a:lstStyle/>
+          <a:p>
+            <a:r>
+              <a:rPr lang="it-IT" sz="2400" b="1" dirty="0"/>
+              <a:t>URL = </a:t>
+            </a:r>
+            <a:r>
+              <a:rPr lang="en-US" sz="2400" b="1" dirty="0"/>
+              <a:t>“http://</a:t>
+            </a:r>
+            <a:r>
+              <a:rPr lang="en-US" sz="2400" b="1" dirty="0" smtClean="0"/>
+              <a:t>pizzaserver:3000/</a:t>
+            </a:r>
+            <a:r>
+              <a:rPr lang="en-US" sz="2400" b="1" dirty="0" err="1" smtClean="0"/>
+              <a:t>request_pizza_html</a:t>
+            </a:r>
+            <a:r>
+              <a:rPr lang="en-US" sz="2400" b="1" dirty="0" smtClean="0"/>
+              <a:t>“</a:t>
+            </a:r>
+            <a:endParaRPr lang="en-US" sz="2400" b="1" dirty="0"/>
           </a:p>
         </p:txBody>
       </p:sp>
@@ -6209,7 +6261,7 @@
           <p:cNvPr id="2" name="Titolo 1">
             <a:extLst>
               <a:ext uri="{FF2B5EF4-FFF2-40B4-BE49-F238E27FC236}">
-                <a16:creationId xmlns:a16="http://schemas.microsoft.com/office/drawing/2014/main" id="{973051D4-D74E-4263-A3E8-F4634C6425BB}"/>
+                <a16:creationId xmlns:a16="http://schemas.microsoft.com/office/drawing/2014/main" xmlns="" id="{973051D4-D74E-4263-A3E8-F4634C6425BB}"/>
               </a:ext>
             </a:extLst>
           </p:cNvPr>
@@ -6255,7 +6307,7 @@
           <p:cNvPr id="4" name="CasellaDiTesto 3">
             <a:extLst>
               <a:ext uri="{FF2B5EF4-FFF2-40B4-BE49-F238E27FC236}">
-                <a16:creationId xmlns:a16="http://schemas.microsoft.com/office/drawing/2014/main" id="{DA298D87-AE98-42B9-B3AE-0284359CB487}"/>
+                <a16:creationId xmlns:a16="http://schemas.microsoft.com/office/drawing/2014/main" xmlns="" id="{DA298D87-AE98-42B9-B3AE-0284359CB487}"/>
               </a:ext>
             </a:extLst>
           </p:cNvPr>
@@ -6264,7 +6316,7 @@
         </p:nvSpPr>
         <p:spPr>
           <a:xfrm>
-            <a:off x="979715" y="3722914"/>
+            <a:off x="914400" y="3306637"/>
             <a:ext cx="8817428" cy="1477328"/>
           </a:xfrm>
           <a:prstGeom prst="rect">
@@ -6334,7 +6386,7 @@
           <p:cNvPr id="5" name="CasellaDiTesto 4">
             <a:extLst>
               <a:ext uri="{FF2B5EF4-FFF2-40B4-BE49-F238E27FC236}">
-                <a16:creationId xmlns:a16="http://schemas.microsoft.com/office/drawing/2014/main" id="{447C90F0-9BB6-4670-8F53-1D7B18B1CCE4}"/>
+                <a16:creationId xmlns:a16="http://schemas.microsoft.com/office/drawing/2014/main" xmlns="" id="{447C90F0-9BB6-4670-8F53-1D7B18B1CCE4}"/>
               </a:ext>
             </a:extLst>
           </p:cNvPr>
@@ -6381,7 +6433,7 @@
           <p:cNvPr id="4098" name="Picture 2" descr="Risultati immagini per hack logo">
             <a:extLst>
               <a:ext uri="{FF2B5EF4-FFF2-40B4-BE49-F238E27FC236}">
-                <a16:creationId xmlns:a16="http://schemas.microsoft.com/office/drawing/2014/main" id="{23119426-6630-47A9-89D6-E82E1BE3BC5C}"/>
+                <a16:creationId xmlns:a16="http://schemas.microsoft.com/office/drawing/2014/main" xmlns="" id="{23119426-6630-47A9-89D6-E82E1BE3BC5C}"/>
               </a:ext>
             </a:extLst>
           </p:cNvPr>
@@ -6428,7 +6480,7 @@
           <p:cNvPr id="7" name="CasellaDiTesto 6">
             <a:extLst>
               <a:ext uri="{FF2B5EF4-FFF2-40B4-BE49-F238E27FC236}">
-                <a16:creationId xmlns:a16="http://schemas.microsoft.com/office/drawing/2014/main" id="{4B922C18-D663-4D18-BB17-00801AD301B8}"/>
+                <a16:creationId xmlns:a16="http://schemas.microsoft.com/office/drawing/2014/main" xmlns="" id="{4B922C18-D663-4D18-BB17-00801AD301B8}"/>
               </a:ext>
             </a:extLst>
           </p:cNvPr>
@@ -6469,7 +6521,7 @@
           <p:cNvPr id="6" name="CasellaDiTesto 5">
             <a:extLst>
               <a:ext uri="{FF2B5EF4-FFF2-40B4-BE49-F238E27FC236}">
-                <a16:creationId xmlns:a16="http://schemas.microsoft.com/office/drawing/2014/main" id="{73E2F41F-5911-4FFA-8658-07D485AEC2F8}"/>
+                <a16:creationId xmlns:a16="http://schemas.microsoft.com/office/drawing/2014/main" xmlns="" id="{73E2F41F-5911-4FFA-8658-07D485AEC2F8}"/>
               </a:ext>
             </a:extLst>
           </p:cNvPr>
@@ -6478,8 +6530,8 @@
         </p:nvSpPr>
         <p:spPr>
           <a:xfrm>
-            <a:off x="914400" y="5449078"/>
-            <a:ext cx="8817428" cy="923330"/>
+            <a:off x="838200" y="4811999"/>
+            <a:ext cx="8817428" cy="1384995"/>
           </a:xfrm>
           <a:prstGeom prst="rect">
             <a:avLst/>
@@ -6493,39 +6545,39 @@
           <a:lstStyle/>
           <a:p>
             <a:r>
-              <a:rPr lang="it-IT" b="1" dirty="0"/>
+              <a:rPr lang="it-IT" sz="2800" b="1" dirty="0"/>
               <a:t>SUGGERIMENTO:</a:t>
             </a:r>
-            <a:endParaRPr lang="en-US" b="1" dirty="0"/>
-          </a:p>
-          <a:p>
-            <a:r>
-              <a:rPr lang="en-US" dirty="0"/>
+            <a:endParaRPr lang="en-US" sz="2800" b="1" dirty="0"/>
+          </a:p>
+          <a:p>
+            <a:r>
+              <a:rPr lang="en-US" sz="2800" dirty="0"/>
               <a:t>for </a:t>
             </a:r>
             <a:r>
-              <a:rPr lang="en-US" dirty="0" err="1"/>
+              <a:rPr lang="en-US" sz="2800" dirty="0" err="1"/>
               <a:t>i</a:t>
             </a:r>
             <a:r>
-              <a:rPr lang="en-US" dirty="0"/>
+              <a:rPr lang="en-US" sz="2800" dirty="0"/>
               <a:t> in range(0,999):</a:t>
             </a:r>
           </a:p>
           <a:p>
             <a:r>
-              <a:rPr lang="en-US" dirty="0"/>
+              <a:rPr lang="en-US" sz="2800" dirty="0"/>
               <a:t>    print(</a:t>
             </a:r>
             <a:r>
-              <a:rPr lang="en-US" dirty="0" err="1"/>
+              <a:rPr lang="en-US" sz="2800" dirty="0" err="1"/>
               <a:t>i</a:t>
             </a:r>
             <a:r>
-              <a:rPr lang="en-US" dirty="0"/>
+              <a:rPr lang="en-US" sz="2800" dirty="0"/>
               <a:t>)	</a:t>
             </a:r>
-            <a:endParaRPr lang="it-IT" dirty="0"/>
+            <a:endParaRPr lang="it-IT" sz="2800" dirty="0"/>
           </a:p>
         </p:txBody>
       </p:sp>

--- a/Slides.pptx
+++ b/Slides.pptx
@@ -5,13 +5,14 @@
     <p:sldMasterId id="2147483648" r:id="rId1"/>
   </p:sldMasterIdLst>
   <p:sldIdLst>
-    <p:sldId id="256" r:id="rId2"/>
-    <p:sldId id="257" r:id="rId3"/>
-    <p:sldId id="258" r:id="rId4"/>
-    <p:sldId id="259" r:id="rId5"/>
-    <p:sldId id="260" r:id="rId6"/>
-    <p:sldId id="261" r:id="rId7"/>
-    <p:sldId id="262" r:id="rId8"/>
+    <p:sldId id="263" r:id="rId2"/>
+    <p:sldId id="256" r:id="rId3"/>
+    <p:sldId id="257" r:id="rId4"/>
+    <p:sldId id="258" r:id="rId5"/>
+    <p:sldId id="259" r:id="rId6"/>
+    <p:sldId id="260" r:id="rId7"/>
+    <p:sldId id="261" r:id="rId8"/>
+    <p:sldId id="262" r:id="rId9"/>
   </p:sldIdLst>
   <p:sldSz cx="12192000" cy="6858000"/>
   <p:notesSz cx="6858000" cy="9144000"/>
@@ -3353,1031 +3354,151 @@
           <a:chExt cx="0" cy="0"/>
         </a:xfrm>
       </p:grpSpPr>
+      <p:sp>
+        <p:nvSpPr>
+          <p:cNvPr id="2" name="Titolo 1"/>
+          <p:cNvSpPr>
+            <a:spLocks noGrp="1"/>
+          </p:cNvSpPr>
+          <p:nvPr>
+            <p:ph type="title"/>
+          </p:nvPr>
+        </p:nvSpPr>
+        <p:spPr>
+          <a:xfrm>
+            <a:off x="838200" y="365126"/>
+            <a:ext cx="10515600" cy="1718508"/>
+          </a:xfrm>
+        </p:spPr>
+        <p:txBody>
+          <a:bodyPr>
+            <a:normAutofit/>
+          </a:bodyPr>
+          <a:lstStyle/>
+          <a:p>
+            <a:r>
+              <a:rPr lang="it-IT" sz="6000" dirty="0" smtClean="0"/>
+              <a:t>Lavorare con l’informatica</a:t>
+            </a:r>
+            <a:r>
+              <a:rPr lang="it-IT" dirty="0" smtClean="0"/>
+              <a:t/>
+            </a:r>
+            <a:br>
+              <a:rPr lang="it-IT" dirty="0" smtClean="0"/>
+            </a:br>
+            <a:r>
+              <a:rPr lang="it-IT" sz="2000" dirty="0" err="1" smtClean="0"/>
+              <a:t>Antoniazzi</a:t>
+            </a:r>
+            <a:r>
+              <a:rPr lang="it-IT" sz="2000" dirty="0" smtClean="0"/>
+              <a:t> Francesco Andrea - Università Ca’ </a:t>
+            </a:r>
+            <a:r>
+              <a:rPr lang="it-IT" sz="2000" dirty="0" err="1" smtClean="0"/>
+              <a:t>Foscari</a:t>
+            </a:r>
+            <a:r>
+              <a:rPr lang="it-IT" sz="2000" dirty="0" smtClean="0"/>
+              <a:t> di Venezia </a:t>
+            </a:r>
+            <a:r>
+              <a:rPr lang="mr-IN" sz="2000" dirty="0" smtClean="0"/>
+              <a:t>–</a:t>
+            </a:r>
+            <a:r>
+              <a:rPr lang="it-IT" sz="2000" dirty="0" smtClean="0"/>
+              <a:t> Informatica</a:t>
+            </a:r>
+            <a:r>
+              <a:rPr lang="it-IT" dirty="0" smtClean="0"/>
+              <a:t>  </a:t>
+            </a:r>
+            <a:endParaRPr lang="it-IT" dirty="0"/>
+          </a:p>
+        </p:txBody>
+      </p:sp>
+      <p:sp>
+        <p:nvSpPr>
+          <p:cNvPr id="4" name="Rettangolo 3"/>
+          <p:cNvSpPr/>
+          <p:nvPr/>
+        </p:nvSpPr>
+        <p:spPr>
+          <a:xfrm>
+            <a:off x="838200" y="2568489"/>
+            <a:ext cx="9834797" cy="1754326"/>
+          </a:xfrm>
+          <a:prstGeom prst="rect">
+            <a:avLst/>
+          </a:prstGeom>
+        </p:spPr>
+        <p:txBody>
+          <a:bodyPr wrap="square">
+            <a:spAutoFit/>
+          </a:bodyPr>
+          <a:lstStyle/>
+          <a:p>
+            <a:r>
+              <a:rPr lang="it-IT" sz="3600" dirty="0" smtClean="0"/>
+              <a:t>Per piacere formate delle coppie,</a:t>
+            </a:r>
+          </a:p>
+          <a:p>
+            <a:r>
+              <a:rPr lang="it-IT" sz="3600" dirty="0" smtClean="0"/>
+              <a:t>accendete i PC e scaricate il codice al seguente link: </a:t>
+            </a:r>
+          </a:p>
+          <a:p>
+            <a:r>
+              <a:rPr lang="it-IT" sz="3600" dirty="0" err="1" smtClean="0"/>
+              <a:t>https</a:t>
+            </a:r>
+            <a:r>
+              <a:rPr lang="it-IT" sz="3600" dirty="0"/>
+              <a:t>://</a:t>
+            </a:r>
+            <a:r>
+              <a:rPr lang="it-IT" sz="3600" dirty="0" err="1"/>
+              <a:t>pastebin.com</a:t>
+            </a:r>
+            <a:r>
+              <a:rPr lang="it-IT" sz="3600" dirty="0"/>
+              <a:t>/J42wG3T4</a:t>
+            </a:r>
+          </a:p>
+        </p:txBody>
+      </p:sp>
       <p:pic>
         <p:nvPicPr>
-          <p:cNvPr id="1026" name="Picture 2" descr="Risultati immagini per icon vlc">
-            <a:extLst>
-              <a:ext uri="{FF2B5EF4-FFF2-40B4-BE49-F238E27FC236}">
-                <a16:creationId xmlns:a16="http://schemas.microsoft.com/office/drawing/2014/main" xmlns="" id="{4E4D9340-7BCE-4AF1-AAD9-4CA8FBF0CA2C}"/>
-              </a:ext>
-            </a:extLst>
-          </p:cNvPr>
+          <p:cNvPr id="5" name="Immagine 4"/>
           <p:cNvPicPr>
-            <a:picLocks noChangeAspect="1" noChangeArrowheads="1"/>
+            <a:picLocks noChangeAspect="1"/>
           </p:cNvPicPr>
           <p:nvPr/>
         </p:nvPicPr>
         <p:blipFill>
-          <a:blip r:embed="rId2">
-            <a:extLst>
-              <a:ext uri="{28A0092B-C50C-407E-A947-70E740481C1C}">
-                <a14:useLocalDpi xmlns:a14="http://schemas.microsoft.com/office/drawing/2010/main" val="0"/>
-              </a:ext>
-            </a:extLst>
-          </a:blip>
-          <a:srcRect/>
+          <a:blip r:embed="rId2"/>
           <a:stretch>
             <a:fillRect/>
           </a:stretch>
         </p:blipFill>
-        <p:spPr bwMode="auto">
-          <a:xfrm rot="1681315">
-            <a:off x="1935940" y="370441"/>
-            <a:ext cx="1244179" cy="1244179"/>
+        <p:spPr>
+          <a:xfrm>
+            <a:off x="9279339" y="3975041"/>
+            <a:ext cx="2787316" cy="2882959"/>
           </a:xfrm>
           <a:prstGeom prst="rect">
             <a:avLst/>
           </a:prstGeom>
-          <a:noFill/>
-          <a:extLst>
-            <a:ext uri="{909E8E84-426E-40DD-AFC4-6F175D3DCCD1}">
-              <a14:hiddenFill xmlns:a14="http://schemas.microsoft.com/office/drawing/2010/main">
-                <a:solidFill>
-                  <a:srgbClr val="FFFFFF"/>
-                </a:solidFill>
-              </a14:hiddenFill>
-            </a:ext>
-          </a:extLst>
-        </p:spPr>
-      </p:pic>
-      <p:pic>
-        <p:nvPicPr>
-          <p:cNvPr id="1028" name="Picture 4" descr="Risultati immagini per icon finder mac">
-            <a:extLst>
-              <a:ext uri="{FF2B5EF4-FFF2-40B4-BE49-F238E27FC236}">
-                <a16:creationId xmlns:a16="http://schemas.microsoft.com/office/drawing/2014/main" xmlns="" id="{0F927C9B-739C-4AC6-A670-CE004295D39B}"/>
-              </a:ext>
-            </a:extLst>
-          </p:cNvPr>
-          <p:cNvPicPr>
-            <a:picLocks noChangeAspect="1" noChangeArrowheads="1"/>
-          </p:cNvPicPr>
-          <p:nvPr/>
-        </p:nvPicPr>
-        <p:blipFill>
-          <a:blip r:embed="rId3">
-            <a:extLst>
-              <a:ext uri="{28A0092B-C50C-407E-A947-70E740481C1C}">
-                <a14:useLocalDpi xmlns:a14="http://schemas.microsoft.com/office/drawing/2010/main" val="0"/>
-              </a:ext>
-            </a:extLst>
-          </a:blip>
-          <a:srcRect/>
-          <a:stretch>
-            <a:fillRect/>
-          </a:stretch>
-        </p:blipFill>
-        <p:spPr bwMode="auto">
-          <a:xfrm rot="20422090">
-            <a:off x="135970" y="209889"/>
-            <a:ext cx="1161711" cy="1161711"/>
-          </a:xfrm>
-          <a:prstGeom prst="rect">
-            <a:avLst/>
-          </a:prstGeom>
-          <a:noFill/>
-          <a:extLst>
-            <a:ext uri="{909E8E84-426E-40DD-AFC4-6F175D3DCCD1}">
-              <a14:hiddenFill xmlns:a14="http://schemas.microsoft.com/office/drawing/2010/main">
-                <a:solidFill>
-                  <a:srgbClr val="FFFFFF"/>
-                </a:solidFill>
-              </a14:hiddenFill>
-            </a:ext>
-          </a:extLst>
-        </p:spPr>
-      </p:pic>
-      <p:pic>
-        <p:nvPicPr>
-          <p:cNvPr id="1030" name="Picture 6" descr="Risultati immagini per icon word">
-            <a:extLst>
-              <a:ext uri="{FF2B5EF4-FFF2-40B4-BE49-F238E27FC236}">
-                <a16:creationId xmlns:a16="http://schemas.microsoft.com/office/drawing/2014/main" xmlns="" id="{E29E3A5D-1FBE-4591-9A34-A022BBC9F724}"/>
-              </a:ext>
-            </a:extLst>
-          </p:cNvPr>
-          <p:cNvPicPr>
-            <a:picLocks noChangeAspect="1" noChangeArrowheads="1"/>
-          </p:cNvPicPr>
-          <p:nvPr/>
-        </p:nvPicPr>
-        <p:blipFill>
-          <a:blip r:embed="rId4">
-            <a:extLst>
-              <a:ext uri="{28A0092B-C50C-407E-A947-70E740481C1C}">
-                <a14:useLocalDpi xmlns:a14="http://schemas.microsoft.com/office/drawing/2010/main" val="0"/>
-              </a:ext>
-            </a:extLst>
-          </a:blip>
-          <a:srcRect/>
-          <a:stretch>
-            <a:fillRect/>
-          </a:stretch>
-        </p:blipFill>
-        <p:spPr bwMode="auto">
-          <a:xfrm rot="1168608">
-            <a:off x="3099076" y="1699428"/>
-            <a:ext cx="1316731" cy="1316731"/>
-          </a:xfrm>
-          <a:prstGeom prst="rect">
-            <a:avLst/>
-          </a:prstGeom>
-          <a:noFill/>
-          <a:extLst>
-            <a:ext uri="{909E8E84-426E-40DD-AFC4-6F175D3DCCD1}">
-              <a14:hiddenFill xmlns:a14="http://schemas.microsoft.com/office/drawing/2010/main">
-                <a:solidFill>
-                  <a:srgbClr val="FFFFFF"/>
-                </a:solidFill>
-              </a14:hiddenFill>
-            </a:ext>
-          </a:extLst>
-        </p:spPr>
-      </p:pic>
-      <p:pic>
-        <p:nvPicPr>
-          <p:cNvPr id="1032" name="Picture 8" descr="Risultati immagini per icon steam">
-            <a:extLst>
-              <a:ext uri="{FF2B5EF4-FFF2-40B4-BE49-F238E27FC236}">
-                <a16:creationId xmlns:a16="http://schemas.microsoft.com/office/drawing/2014/main" xmlns="" id="{4572BD55-B1B6-42F6-9EE1-8E8DD86A4EFE}"/>
-              </a:ext>
-            </a:extLst>
-          </p:cNvPr>
-          <p:cNvPicPr>
-            <a:picLocks noChangeAspect="1" noChangeArrowheads="1"/>
-          </p:cNvPicPr>
-          <p:nvPr/>
-        </p:nvPicPr>
-        <p:blipFill>
-          <a:blip r:embed="rId5">
-            <a:extLst>
-              <a:ext uri="{28A0092B-C50C-407E-A947-70E740481C1C}">
-                <a14:useLocalDpi xmlns:a14="http://schemas.microsoft.com/office/drawing/2010/main" val="0"/>
-              </a:ext>
-            </a:extLst>
-          </a:blip>
-          <a:srcRect/>
-          <a:stretch>
-            <a:fillRect/>
-          </a:stretch>
-        </p:blipFill>
-        <p:spPr bwMode="auto">
-          <a:xfrm>
-            <a:off x="1531663" y="4118070"/>
-            <a:ext cx="1531128" cy="1531128"/>
-          </a:xfrm>
-          <a:prstGeom prst="rect">
-            <a:avLst/>
-          </a:prstGeom>
-          <a:noFill/>
-          <a:extLst>
-            <a:ext uri="{909E8E84-426E-40DD-AFC4-6F175D3DCCD1}">
-              <a14:hiddenFill xmlns:a14="http://schemas.microsoft.com/office/drawing/2010/main">
-                <a:solidFill>
-                  <a:srgbClr val="FFFFFF"/>
-                </a:solidFill>
-              </a14:hiddenFill>
-            </a:ext>
-          </a:extLst>
-        </p:spPr>
-      </p:pic>
-      <p:pic>
-        <p:nvPicPr>
-          <p:cNvPr id="1036" name="Picture 12" descr="Risultati immagini per icon calculator">
-            <a:extLst>
-              <a:ext uri="{FF2B5EF4-FFF2-40B4-BE49-F238E27FC236}">
-                <a16:creationId xmlns:a16="http://schemas.microsoft.com/office/drawing/2014/main" xmlns="" id="{45816166-735E-4075-AEBE-3012D798CEEC}"/>
-              </a:ext>
-            </a:extLst>
-          </p:cNvPr>
-          <p:cNvPicPr>
-            <a:picLocks noChangeAspect="1" noChangeArrowheads="1"/>
-          </p:cNvPicPr>
-          <p:nvPr/>
-        </p:nvPicPr>
-        <p:blipFill>
-          <a:blip r:embed="rId6">
-            <a:extLst>
-              <a:ext uri="{28A0092B-C50C-407E-A947-70E740481C1C}">
-                <a14:useLocalDpi xmlns:a14="http://schemas.microsoft.com/office/drawing/2010/main" val="0"/>
-              </a:ext>
-            </a:extLst>
-          </a:blip>
-          <a:srcRect/>
-          <a:stretch>
-            <a:fillRect/>
-          </a:stretch>
-        </p:blipFill>
-        <p:spPr bwMode="auto">
-          <a:xfrm rot="366965">
-            <a:off x="1270520" y="1510671"/>
-            <a:ext cx="740068" cy="740068"/>
-          </a:xfrm>
-          <a:prstGeom prst="rect">
-            <a:avLst/>
-          </a:prstGeom>
-          <a:noFill/>
-          <a:extLst>
-            <a:ext uri="{909E8E84-426E-40DD-AFC4-6F175D3DCCD1}">
-              <a14:hiddenFill xmlns:a14="http://schemas.microsoft.com/office/drawing/2010/main">
-                <a:solidFill>
-                  <a:srgbClr val="FFFFFF"/>
-                </a:solidFill>
-              </a14:hiddenFill>
-            </a:ext>
-          </a:extLst>
-        </p:spPr>
-      </p:pic>
-      <p:pic>
-        <p:nvPicPr>
-          <p:cNvPr id="1038" name="Picture 14" descr="Risultati immagini per icon calendar">
-            <a:extLst>
-              <a:ext uri="{FF2B5EF4-FFF2-40B4-BE49-F238E27FC236}">
-                <a16:creationId xmlns:a16="http://schemas.microsoft.com/office/drawing/2014/main" xmlns="" id="{C01D61B1-E131-48A2-97E5-EC2B678DD47A}"/>
-              </a:ext>
-            </a:extLst>
-          </p:cNvPr>
-          <p:cNvPicPr>
-            <a:picLocks noChangeAspect="1" noChangeArrowheads="1"/>
-          </p:cNvPicPr>
-          <p:nvPr/>
-        </p:nvPicPr>
-        <p:blipFill>
-          <a:blip r:embed="rId7">
-            <a:extLst>
-              <a:ext uri="{28A0092B-C50C-407E-A947-70E740481C1C}">
-                <a14:useLocalDpi xmlns:a14="http://schemas.microsoft.com/office/drawing/2010/main" val="0"/>
-              </a:ext>
-            </a:extLst>
-          </a:blip>
-          <a:srcRect/>
-          <a:stretch>
-            <a:fillRect/>
-          </a:stretch>
-        </p:blipFill>
-        <p:spPr bwMode="auto">
-          <a:xfrm rot="20775601">
-            <a:off x="555851" y="2488721"/>
-            <a:ext cx="1253510" cy="1253510"/>
-          </a:xfrm>
-          <a:prstGeom prst="rect">
-            <a:avLst/>
-          </a:prstGeom>
-          <a:noFill/>
-          <a:extLst>
-            <a:ext uri="{909E8E84-426E-40DD-AFC4-6F175D3DCCD1}">
-              <a14:hiddenFill xmlns:a14="http://schemas.microsoft.com/office/drawing/2010/main">
-                <a:solidFill>
-                  <a:srgbClr val="FFFFFF"/>
-                </a:solidFill>
-              </a14:hiddenFill>
-            </a:ext>
-          </a:extLst>
-        </p:spPr>
-      </p:pic>
-      <p:pic>
-        <p:nvPicPr>
-          <p:cNvPr id="1040" name="Picture 16" descr="Risultati immagini per icon gimp">
-            <a:extLst>
-              <a:ext uri="{FF2B5EF4-FFF2-40B4-BE49-F238E27FC236}">
-                <a16:creationId xmlns:a16="http://schemas.microsoft.com/office/drawing/2014/main" xmlns="" id="{782ACE1A-4060-4016-984F-D2BF9CB9DD48}"/>
-              </a:ext>
-            </a:extLst>
-          </p:cNvPr>
-          <p:cNvPicPr>
-            <a:picLocks noChangeAspect="1" noChangeArrowheads="1"/>
-          </p:cNvPicPr>
-          <p:nvPr/>
-        </p:nvPicPr>
-        <p:blipFill>
-          <a:blip r:embed="rId8">
-            <a:extLst>
-              <a:ext uri="{28A0092B-C50C-407E-A947-70E740481C1C}">
-                <a14:useLocalDpi xmlns:a14="http://schemas.microsoft.com/office/drawing/2010/main" val="0"/>
-              </a:ext>
-            </a:extLst>
-          </a:blip>
-          <a:srcRect/>
-          <a:stretch>
-            <a:fillRect/>
-          </a:stretch>
-        </p:blipFill>
-        <p:spPr bwMode="auto">
-          <a:xfrm>
-            <a:off x="3179567" y="3356622"/>
-            <a:ext cx="1289794" cy="1289794"/>
-          </a:xfrm>
-          <a:prstGeom prst="rect">
-            <a:avLst/>
-          </a:prstGeom>
-          <a:noFill/>
-          <a:extLst>
-            <a:ext uri="{909E8E84-426E-40DD-AFC4-6F175D3DCCD1}">
-              <a14:hiddenFill xmlns:a14="http://schemas.microsoft.com/office/drawing/2010/main">
-                <a:solidFill>
-                  <a:srgbClr val="FFFFFF"/>
-                </a:solidFill>
-              </a14:hiddenFill>
-            </a:ext>
-          </a:extLst>
-        </p:spPr>
-      </p:pic>
-      <p:pic>
-        <p:nvPicPr>
-          <p:cNvPr id="1044" name="Picture 20" descr="Risultati immagini per icon sublime">
-            <a:extLst>
-              <a:ext uri="{FF2B5EF4-FFF2-40B4-BE49-F238E27FC236}">
-                <a16:creationId xmlns:a16="http://schemas.microsoft.com/office/drawing/2014/main" xmlns="" id="{7E13E766-75DA-4E76-8314-AFB99086EED2}"/>
-              </a:ext>
-            </a:extLst>
-          </p:cNvPr>
-          <p:cNvPicPr>
-            <a:picLocks noChangeAspect="1" noChangeArrowheads="1"/>
-          </p:cNvPicPr>
-          <p:nvPr/>
-        </p:nvPicPr>
-        <p:blipFill rotWithShape="1">
-          <a:blip r:embed="rId9">
-            <a:extLst>
-              <a:ext uri="{28A0092B-C50C-407E-A947-70E740481C1C}">
-                <a14:useLocalDpi xmlns:a14="http://schemas.microsoft.com/office/drawing/2010/main" val="0"/>
-              </a:ext>
-            </a:extLst>
-          </a:blip>
-          <a:srcRect l="16802" t="8342" r="16349" b="6021"/>
-          <a:stretch/>
-        </p:blipFill>
-        <p:spPr bwMode="auto">
-          <a:xfrm>
-            <a:off x="2032070" y="2619797"/>
-            <a:ext cx="1030721" cy="989044"/>
-          </a:xfrm>
-          <a:prstGeom prst="rect">
-            <a:avLst/>
-          </a:prstGeom>
-          <a:noFill/>
-          <a:extLst>
-            <a:ext uri="{909E8E84-426E-40DD-AFC4-6F175D3DCCD1}">
-              <a14:hiddenFill xmlns:a14="http://schemas.microsoft.com/office/drawing/2010/main">
-                <a:solidFill>
-                  <a:srgbClr val="FFFFFF"/>
-                </a:solidFill>
-              </a14:hiddenFill>
-            </a:ext>
-          </a:extLst>
-        </p:spPr>
-      </p:pic>
-      <p:pic>
-        <p:nvPicPr>
-          <p:cNvPr id="1046" name="Picture 22" descr="Immagine correlata">
-            <a:extLst>
-              <a:ext uri="{FF2B5EF4-FFF2-40B4-BE49-F238E27FC236}">
-                <a16:creationId xmlns:a16="http://schemas.microsoft.com/office/drawing/2014/main" xmlns="" id="{3A45E642-5647-434D-95D3-98919E11BE5F}"/>
-              </a:ext>
-            </a:extLst>
-          </p:cNvPr>
-          <p:cNvPicPr>
-            <a:picLocks noChangeAspect="1" noChangeArrowheads="1"/>
-          </p:cNvPicPr>
-          <p:nvPr/>
-        </p:nvPicPr>
-        <p:blipFill>
-          <a:blip r:embed="rId10">
-            <a:extLst>
-              <a:ext uri="{28A0092B-C50C-407E-A947-70E740481C1C}">
-                <a14:useLocalDpi xmlns:a14="http://schemas.microsoft.com/office/drawing/2010/main" val="0"/>
-              </a:ext>
-            </a:extLst>
-          </a:blip>
-          <a:srcRect/>
-          <a:stretch>
-            <a:fillRect/>
-          </a:stretch>
-        </p:blipFill>
-        <p:spPr bwMode="auto">
-          <a:xfrm rot="20812606">
-            <a:off x="3491707" y="4810057"/>
-            <a:ext cx="1760776" cy="1719400"/>
-          </a:xfrm>
-          <a:prstGeom prst="rect">
-            <a:avLst/>
-          </a:prstGeom>
-          <a:noFill/>
-          <a:extLst>
-            <a:ext uri="{909E8E84-426E-40DD-AFC4-6F175D3DCCD1}">
-              <a14:hiddenFill xmlns:a14="http://schemas.microsoft.com/office/drawing/2010/main">
-                <a:solidFill>
-                  <a:srgbClr val="FFFFFF"/>
-                </a:solidFill>
-              </a14:hiddenFill>
-            </a:ext>
-          </a:extLst>
-        </p:spPr>
-      </p:pic>
-      <p:pic>
-        <p:nvPicPr>
-          <p:cNvPr id="1048" name="Picture 24" descr="Risultati immagini per icon itunes">
-            <a:extLst>
-              <a:ext uri="{FF2B5EF4-FFF2-40B4-BE49-F238E27FC236}">
-                <a16:creationId xmlns:a16="http://schemas.microsoft.com/office/drawing/2014/main" xmlns="" id="{22041AF2-7EC1-4A86-9A57-86C4931CE3FD}"/>
-              </a:ext>
-            </a:extLst>
-          </p:cNvPr>
-          <p:cNvPicPr>
-            <a:picLocks noChangeAspect="1" noChangeArrowheads="1"/>
-          </p:cNvPicPr>
-          <p:nvPr/>
-        </p:nvPicPr>
-        <p:blipFill rotWithShape="1">
-          <a:blip r:embed="rId11">
-            <a:extLst>
-              <a:ext uri="{28A0092B-C50C-407E-A947-70E740481C1C}">
-                <a14:useLocalDpi xmlns:a14="http://schemas.microsoft.com/office/drawing/2010/main" val="0"/>
-              </a:ext>
-            </a:extLst>
-          </a:blip>
-          <a:srcRect l="26507" t="6560" r="25946" b="6939"/>
-          <a:stretch/>
-        </p:blipFill>
-        <p:spPr bwMode="auto">
-          <a:xfrm rot="20458641">
-            <a:off x="266296" y="5152573"/>
-            <a:ext cx="1358673" cy="1384202"/>
-          </a:xfrm>
-          <a:prstGeom prst="rect">
-            <a:avLst/>
-          </a:prstGeom>
-          <a:noFill/>
-          <a:extLst>
-            <a:ext uri="{909E8E84-426E-40DD-AFC4-6F175D3DCCD1}">
-              <a14:hiddenFill xmlns:a14="http://schemas.microsoft.com/office/drawing/2010/main">
-                <a:solidFill>
-                  <a:srgbClr val="FFFFFF"/>
-                </a:solidFill>
-              </a14:hiddenFill>
-            </a:ext>
-          </a:extLst>
-        </p:spPr>
-      </p:pic>
-      <p:cxnSp>
-        <p:nvCxnSpPr>
-          <p:cNvPr id="5" name="Connettore diritto 4">
-            <a:extLst>
-              <a:ext uri="{FF2B5EF4-FFF2-40B4-BE49-F238E27FC236}">
-                <a16:creationId xmlns:a16="http://schemas.microsoft.com/office/drawing/2014/main" xmlns="" id="{EFDBD645-A90A-4192-A9B0-5303D80CABDC}"/>
-              </a:ext>
-            </a:extLst>
-          </p:cNvPr>
-          <p:cNvCxnSpPr>
-            <a:cxnSpLocks/>
-          </p:cNvCxnSpPr>
-          <p:nvPr/>
-        </p:nvCxnSpPr>
-        <p:spPr>
-          <a:xfrm>
-            <a:off x="5681399" y="151106"/>
-            <a:ext cx="187556" cy="6555788"/>
-          </a:xfrm>
-          <a:prstGeom prst="line">
-            <a:avLst/>
-          </a:prstGeom>
-        </p:spPr>
-        <p:style>
-          <a:lnRef idx="1">
-            <a:schemeClr val="accent1"/>
-          </a:lnRef>
-          <a:fillRef idx="0">
-            <a:schemeClr val="accent1"/>
-          </a:fillRef>
-          <a:effectRef idx="0">
-            <a:schemeClr val="accent1"/>
-          </a:effectRef>
-          <a:fontRef idx="minor">
-            <a:schemeClr val="tx1"/>
-          </a:fontRef>
-        </p:style>
-      </p:cxnSp>
-      <p:pic>
-        <p:nvPicPr>
-          <p:cNvPr id="1050" name="Picture 26" descr="Risultati immagini per icon whatsapp">
-            <a:extLst>
-              <a:ext uri="{FF2B5EF4-FFF2-40B4-BE49-F238E27FC236}">
-                <a16:creationId xmlns:a16="http://schemas.microsoft.com/office/drawing/2014/main" xmlns="" id="{4B2319A0-867B-4CA8-8FFD-61AA38763C13}"/>
-              </a:ext>
-            </a:extLst>
-          </p:cNvPr>
-          <p:cNvPicPr>
-            <a:picLocks noChangeAspect="1" noChangeArrowheads="1"/>
-          </p:cNvPicPr>
-          <p:nvPr/>
-        </p:nvPicPr>
-        <p:blipFill>
-          <a:blip r:embed="rId12">
-            <a:extLst>
-              <a:ext uri="{28A0092B-C50C-407E-A947-70E740481C1C}">
-                <a14:useLocalDpi xmlns:a14="http://schemas.microsoft.com/office/drawing/2010/main" val="0"/>
-              </a:ext>
-            </a:extLst>
-          </a:blip>
-          <a:srcRect/>
-          <a:stretch>
-            <a:fillRect/>
-          </a:stretch>
-        </p:blipFill>
-        <p:spPr bwMode="auto">
-          <a:xfrm>
-            <a:off x="6911214" y="1223758"/>
-            <a:ext cx="1230830" cy="1230830"/>
-          </a:xfrm>
-          <a:prstGeom prst="rect">
-            <a:avLst/>
-          </a:prstGeom>
-          <a:noFill/>
-          <a:extLst>
-            <a:ext uri="{909E8E84-426E-40DD-AFC4-6F175D3DCCD1}">
-              <a14:hiddenFill xmlns:a14="http://schemas.microsoft.com/office/drawing/2010/main">
-                <a:solidFill>
-                  <a:srgbClr val="FFFFFF"/>
-                </a:solidFill>
-              </a14:hiddenFill>
-            </a:ext>
-          </a:extLst>
-        </p:spPr>
-      </p:pic>
-      <p:pic>
-        <p:nvPicPr>
-          <p:cNvPr id="1052" name="Picture 28" descr="Risultati immagini per icon telegram">
-            <a:extLst>
-              <a:ext uri="{FF2B5EF4-FFF2-40B4-BE49-F238E27FC236}">
-                <a16:creationId xmlns:a16="http://schemas.microsoft.com/office/drawing/2014/main" xmlns="" id="{41A9EB58-BC7C-4130-8225-FB1C87286BEB}"/>
-              </a:ext>
-            </a:extLst>
-          </p:cNvPr>
-          <p:cNvPicPr>
-            <a:picLocks noChangeAspect="1" noChangeArrowheads="1"/>
-          </p:cNvPicPr>
-          <p:nvPr/>
-        </p:nvPicPr>
-        <p:blipFill>
-          <a:blip r:embed="rId13">
-            <a:extLst>
-              <a:ext uri="{28A0092B-C50C-407E-A947-70E740481C1C}">
-                <a14:useLocalDpi xmlns:a14="http://schemas.microsoft.com/office/drawing/2010/main" val="0"/>
-              </a:ext>
-            </a:extLst>
-          </a:blip>
-          <a:srcRect/>
-          <a:stretch>
-            <a:fillRect/>
-          </a:stretch>
-        </p:blipFill>
-        <p:spPr bwMode="auto">
-          <a:xfrm>
-            <a:off x="9900795" y="5416909"/>
-            <a:ext cx="1303495" cy="1303495"/>
-          </a:xfrm>
-          <a:prstGeom prst="rect">
-            <a:avLst/>
-          </a:prstGeom>
-          <a:noFill/>
-          <a:extLst>
-            <a:ext uri="{909E8E84-426E-40DD-AFC4-6F175D3DCCD1}">
-              <a14:hiddenFill xmlns:a14="http://schemas.microsoft.com/office/drawing/2010/main">
-                <a:solidFill>
-                  <a:srgbClr val="FFFFFF"/>
-                </a:solidFill>
-              </a14:hiddenFill>
-            </a:ext>
-          </a:extLst>
-        </p:spPr>
-      </p:pic>
-      <p:pic>
-        <p:nvPicPr>
-          <p:cNvPr id="1054" name="Picture 30" descr="Risultati immagini per icon netflix">
-            <a:extLst>
-              <a:ext uri="{FF2B5EF4-FFF2-40B4-BE49-F238E27FC236}">
-                <a16:creationId xmlns:a16="http://schemas.microsoft.com/office/drawing/2014/main" xmlns="" id="{01A63DAA-2791-4ABD-B262-D72E4B53EEB2}"/>
-              </a:ext>
-            </a:extLst>
-          </p:cNvPr>
-          <p:cNvPicPr>
-            <a:picLocks noChangeAspect="1" noChangeArrowheads="1"/>
-          </p:cNvPicPr>
-          <p:nvPr/>
-        </p:nvPicPr>
-        <p:blipFill>
-          <a:blip r:embed="rId14">
-            <a:extLst>
-              <a:ext uri="{28A0092B-C50C-407E-A947-70E740481C1C}">
-                <a14:useLocalDpi xmlns:a14="http://schemas.microsoft.com/office/drawing/2010/main" val="0"/>
-              </a:ext>
-            </a:extLst>
-          </a:blip>
-          <a:srcRect/>
-          <a:stretch>
-            <a:fillRect/>
-          </a:stretch>
-        </p:blipFill>
-        <p:spPr bwMode="auto">
-          <a:xfrm rot="968901">
-            <a:off x="9985724" y="708848"/>
-            <a:ext cx="1798193" cy="1798193"/>
-          </a:xfrm>
-          <a:prstGeom prst="rect">
-            <a:avLst/>
-          </a:prstGeom>
-          <a:noFill/>
-          <a:extLst>
-            <a:ext uri="{909E8E84-426E-40DD-AFC4-6F175D3DCCD1}">
-              <a14:hiddenFill xmlns:a14="http://schemas.microsoft.com/office/drawing/2010/main">
-                <a:solidFill>
-                  <a:srgbClr val="FFFFFF"/>
-                </a:solidFill>
-              </a14:hiddenFill>
-            </a:ext>
-          </a:extLst>
-        </p:spPr>
-      </p:pic>
-      <p:pic>
-        <p:nvPicPr>
-          <p:cNvPr id="1058" name="Picture 34" descr="Risultati immagini per icon facebook png">
-            <a:extLst>
-              <a:ext uri="{FF2B5EF4-FFF2-40B4-BE49-F238E27FC236}">
-                <a16:creationId xmlns:a16="http://schemas.microsoft.com/office/drawing/2014/main" xmlns="" id="{40D2A230-2234-4F6A-B848-B6A7C5877DAB}"/>
-              </a:ext>
-            </a:extLst>
-          </p:cNvPr>
-          <p:cNvPicPr>
-            <a:picLocks noChangeAspect="1" noChangeArrowheads="1"/>
-          </p:cNvPicPr>
-          <p:nvPr/>
-        </p:nvPicPr>
-        <p:blipFill>
-          <a:blip r:embed="rId15">
-            <a:extLst>
-              <a:ext uri="{28A0092B-C50C-407E-A947-70E740481C1C}">
-                <a14:useLocalDpi xmlns:a14="http://schemas.microsoft.com/office/drawing/2010/main" val="0"/>
-              </a:ext>
-            </a:extLst>
-          </a:blip>
-          <a:srcRect/>
-          <a:stretch>
-            <a:fillRect/>
-          </a:stretch>
-        </p:blipFill>
-        <p:spPr bwMode="auto">
-          <a:xfrm rot="19032897">
-            <a:off x="8015353" y="4325220"/>
-            <a:ext cx="1494468" cy="1494468"/>
-          </a:xfrm>
-          <a:prstGeom prst="rect">
-            <a:avLst/>
-          </a:prstGeom>
-          <a:noFill/>
-          <a:extLst>
-            <a:ext uri="{909E8E84-426E-40DD-AFC4-6F175D3DCCD1}">
-              <a14:hiddenFill xmlns:a14="http://schemas.microsoft.com/office/drawing/2010/main">
-                <a:solidFill>
-                  <a:srgbClr val="FFFFFF"/>
-                </a:solidFill>
-              </a14:hiddenFill>
-            </a:ext>
-          </a:extLst>
-        </p:spPr>
-      </p:pic>
-      <p:pic>
-        <p:nvPicPr>
-          <p:cNvPr id="1062" name="Picture 38" descr="Risultati immagini per icon google png">
-            <a:extLst>
-              <a:ext uri="{FF2B5EF4-FFF2-40B4-BE49-F238E27FC236}">
-                <a16:creationId xmlns:a16="http://schemas.microsoft.com/office/drawing/2014/main" xmlns="" id="{8F9AA4A7-A5E4-47D2-A93B-16BB02C9A1F0}"/>
-              </a:ext>
-            </a:extLst>
-          </p:cNvPr>
-          <p:cNvPicPr>
-            <a:picLocks noChangeAspect="1" noChangeArrowheads="1"/>
-          </p:cNvPicPr>
-          <p:nvPr/>
-        </p:nvPicPr>
-        <p:blipFill>
-          <a:blip r:embed="rId16">
-            <a:extLst>
-              <a:ext uri="{28A0092B-C50C-407E-A947-70E740481C1C}">
-                <a14:useLocalDpi xmlns:a14="http://schemas.microsoft.com/office/drawing/2010/main" val="0"/>
-              </a:ext>
-            </a:extLst>
-          </a:blip>
-          <a:srcRect/>
-          <a:stretch>
-            <a:fillRect/>
-          </a:stretch>
-        </p:blipFill>
-        <p:spPr bwMode="auto">
-          <a:xfrm>
-            <a:off x="9020419" y="2567835"/>
-            <a:ext cx="1501434" cy="1501434"/>
-          </a:xfrm>
-          <a:prstGeom prst="rect">
-            <a:avLst/>
-          </a:prstGeom>
-          <a:noFill/>
-          <a:extLst>
-            <a:ext uri="{909E8E84-426E-40DD-AFC4-6F175D3DCCD1}">
-              <a14:hiddenFill xmlns:a14="http://schemas.microsoft.com/office/drawing/2010/main">
-                <a:solidFill>
-                  <a:srgbClr val="FFFFFF"/>
-                </a:solidFill>
-              </a14:hiddenFill>
-            </a:ext>
-          </a:extLst>
-        </p:spPr>
-      </p:pic>
-      <p:pic>
-        <p:nvPicPr>
-          <p:cNvPr id="1064" name="Picture 40" descr="Risultati immagini per icon moodle png">
-            <a:extLst>
-              <a:ext uri="{FF2B5EF4-FFF2-40B4-BE49-F238E27FC236}">
-                <a16:creationId xmlns:a16="http://schemas.microsoft.com/office/drawing/2014/main" xmlns="" id="{21A5F985-7E2E-4146-9E22-2A243BD03827}"/>
-              </a:ext>
-            </a:extLst>
-          </p:cNvPr>
-          <p:cNvPicPr>
-            <a:picLocks noChangeAspect="1" noChangeArrowheads="1"/>
-          </p:cNvPicPr>
-          <p:nvPr/>
-        </p:nvPicPr>
-        <p:blipFill>
-          <a:blip r:embed="rId17">
-            <a:extLst>
-              <a:ext uri="{28A0092B-C50C-407E-A947-70E740481C1C}">
-                <a14:useLocalDpi xmlns:a14="http://schemas.microsoft.com/office/drawing/2010/main" val="0"/>
-              </a:ext>
-            </a:extLst>
-          </a:blip>
-          <a:srcRect/>
-          <a:stretch>
-            <a:fillRect/>
-          </a:stretch>
-        </p:blipFill>
-        <p:spPr bwMode="auto">
-          <a:xfrm>
-            <a:off x="6356820" y="5135709"/>
-            <a:ext cx="1417930" cy="1417930"/>
-          </a:xfrm>
-          <a:prstGeom prst="rect">
-            <a:avLst/>
-          </a:prstGeom>
-          <a:noFill/>
-          <a:extLst>
-            <a:ext uri="{909E8E84-426E-40DD-AFC4-6F175D3DCCD1}">
-              <a14:hiddenFill xmlns:a14="http://schemas.microsoft.com/office/drawing/2010/main">
-                <a:solidFill>
-                  <a:srgbClr val="FFFFFF"/>
-                </a:solidFill>
-              </a14:hiddenFill>
-            </a:ext>
-          </a:extLst>
-        </p:spPr>
-      </p:pic>
-      <p:pic>
-        <p:nvPicPr>
-          <p:cNvPr id="1066" name="Picture 42" descr="Risultati immagini per icon twitch png">
-            <a:extLst>
-              <a:ext uri="{FF2B5EF4-FFF2-40B4-BE49-F238E27FC236}">
-                <a16:creationId xmlns:a16="http://schemas.microsoft.com/office/drawing/2014/main" xmlns="" id="{FA431897-42AB-423D-ABCC-9E90357CD7EA}"/>
-              </a:ext>
-            </a:extLst>
-          </p:cNvPr>
-          <p:cNvPicPr>
-            <a:picLocks noChangeAspect="1" noChangeArrowheads="1"/>
-          </p:cNvPicPr>
-          <p:nvPr/>
-        </p:nvPicPr>
-        <p:blipFill>
-          <a:blip r:embed="rId18">
-            <a:extLst>
-              <a:ext uri="{28A0092B-C50C-407E-A947-70E740481C1C}">
-                <a14:useLocalDpi xmlns:a14="http://schemas.microsoft.com/office/drawing/2010/main" val="0"/>
-              </a:ext>
-            </a:extLst>
-          </a:blip>
-          <a:srcRect/>
-          <a:stretch>
-            <a:fillRect/>
-          </a:stretch>
-        </p:blipFill>
-        <p:spPr bwMode="auto">
-          <a:xfrm rot="698838">
-            <a:off x="6156305" y="3202062"/>
-            <a:ext cx="1598915" cy="1598915"/>
-          </a:xfrm>
-          <a:prstGeom prst="rect">
-            <a:avLst/>
-          </a:prstGeom>
-          <a:noFill/>
-          <a:extLst>
-            <a:ext uri="{909E8E84-426E-40DD-AFC4-6F175D3DCCD1}">
-              <a14:hiddenFill xmlns:a14="http://schemas.microsoft.com/office/drawing/2010/main">
-                <a:solidFill>
-                  <a:srgbClr val="FFFFFF"/>
-                </a:solidFill>
-              </a14:hiddenFill>
-            </a:ext>
-          </a:extLst>
-        </p:spPr>
-      </p:pic>
-      <p:pic>
-        <p:nvPicPr>
-          <p:cNvPr id="1068" name="Picture 44" descr="Risultati immagini per icon skype png">
-            <a:extLst>
-              <a:ext uri="{FF2B5EF4-FFF2-40B4-BE49-F238E27FC236}">
-                <a16:creationId xmlns:a16="http://schemas.microsoft.com/office/drawing/2014/main" xmlns="" id="{9FCCDD10-E7D4-4A43-8DEB-53F9887E2AAC}"/>
-              </a:ext>
-            </a:extLst>
-          </p:cNvPr>
-          <p:cNvPicPr>
-            <a:picLocks noChangeAspect="1" noChangeArrowheads="1"/>
-          </p:cNvPicPr>
-          <p:nvPr/>
-        </p:nvPicPr>
-        <p:blipFill>
-          <a:blip r:embed="rId19">
-            <a:extLst>
-              <a:ext uri="{28A0092B-C50C-407E-A947-70E740481C1C}">
-                <a14:useLocalDpi xmlns:a14="http://schemas.microsoft.com/office/drawing/2010/main" val="0"/>
-              </a:ext>
-            </a:extLst>
-          </a:blip>
-          <a:srcRect/>
-          <a:stretch>
-            <a:fillRect/>
-          </a:stretch>
-        </p:blipFill>
-        <p:spPr bwMode="auto">
-          <a:xfrm rot="710556">
-            <a:off x="8185697" y="657490"/>
-            <a:ext cx="1560868" cy="1556706"/>
-          </a:xfrm>
-          <a:prstGeom prst="rect">
-            <a:avLst/>
-          </a:prstGeom>
-          <a:noFill/>
-          <a:extLst>
-            <a:ext uri="{909E8E84-426E-40DD-AFC4-6F175D3DCCD1}">
-              <a14:hiddenFill xmlns:a14="http://schemas.microsoft.com/office/drawing/2010/main">
-                <a:solidFill>
-                  <a:srgbClr val="FFFFFF"/>
-                </a:solidFill>
-              </a14:hiddenFill>
-            </a:ext>
-          </a:extLst>
-        </p:spPr>
-      </p:pic>
-      <p:pic>
-        <p:nvPicPr>
-          <p:cNvPr id="1070" name="Picture 46" descr="Risultati immagini per icon virtualbox png">
-            <a:extLst>
-              <a:ext uri="{FF2B5EF4-FFF2-40B4-BE49-F238E27FC236}">
-                <a16:creationId xmlns:a16="http://schemas.microsoft.com/office/drawing/2014/main" xmlns="" id="{4965B218-EACD-4CDF-8B24-BEABD6A09F60}"/>
-              </a:ext>
-            </a:extLst>
-          </p:cNvPr>
-          <p:cNvPicPr>
-            <a:picLocks noChangeAspect="1" noChangeArrowheads="1"/>
-          </p:cNvPicPr>
-          <p:nvPr/>
-        </p:nvPicPr>
-        <p:blipFill>
-          <a:blip r:embed="rId20">
-            <a:extLst>
-              <a:ext uri="{28A0092B-C50C-407E-A947-70E740481C1C}">
-                <a14:useLocalDpi xmlns:a14="http://schemas.microsoft.com/office/drawing/2010/main" val="0"/>
-              </a:ext>
-            </a:extLst>
-          </a:blip>
-          <a:srcRect/>
-          <a:stretch>
-            <a:fillRect/>
-          </a:stretch>
-        </p:blipFill>
-        <p:spPr bwMode="auto">
-          <a:xfrm rot="20749759">
-            <a:off x="4021028" y="413376"/>
-            <a:ext cx="1520715" cy="1520715"/>
-          </a:xfrm>
-          <a:prstGeom prst="rect">
-            <a:avLst/>
-          </a:prstGeom>
-          <a:noFill/>
-          <a:extLst>
-            <a:ext uri="{909E8E84-426E-40DD-AFC4-6F175D3DCCD1}">
-              <a14:hiddenFill xmlns:a14="http://schemas.microsoft.com/office/drawing/2010/main">
-                <a:solidFill>
-                  <a:srgbClr val="FFFFFF"/>
-                </a:solidFill>
-              </a14:hiddenFill>
-            </a:ext>
-          </a:extLst>
-        </p:spPr>
-      </p:pic>
-      <p:pic>
-        <p:nvPicPr>
-          <p:cNvPr id="1072" name="Picture 48" descr="Risultati immagini per icon play store png">
-            <a:extLst>
-              <a:ext uri="{FF2B5EF4-FFF2-40B4-BE49-F238E27FC236}">
-                <a16:creationId xmlns:a16="http://schemas.microsoft.com/office/drawing/2014/main" xmlns="" id="{3A8B99B1-D487-4197-89E1-B6ED911E8783}"/>
-              </a:ext>
-            </a:extLst>
-          </p:cNvPr>
-          <p:cNvPicPr>
-            <a:picLocks noChangeAspect="1" noChangeArrowheads="1"/>
-          </p:cNvPicPr>
-          <p:nvPr/>
-        </p:nvPicPr>
-        <p:blipFill>
-          <a:blip r:embed="rId21">
-            <a:extLst>
-              <a:ext uri="{28A0092B-C50C-407E-A947-70E740481C1C}">
-                <a14:useLocalDpi xmlns:a14="http://schemas.microsoft.com/office/drawing/2010/main" val="0"/>
-              </a:ext>
-            </a:extLst>
-          </a:blip>
-          <a:srcRect/>
-          <a:stretch>
-            <a:fillRect/>
-          </a:stretch>
-        </p:blipFill>
-        <p:spPr bwMode="auto">
-          <a:xfrm>
-            <a:off x="10391785" y="3873160"/>
-            <a:ext cx="1375293" cy="1375293"/>
-          </a:xfrm>
-          <a:prstGeom prst="rect">
-            <a:avLst/>
-          </a:prstGeom>
-          <a:noFill/>
-          <a:extLst>
-            <a:ext uri="{909E8E84-426E-40DD-AFC4-6F175D3DCCD1}">
-              <a14:hiddenFill xmlns:a14="http://schemas.microsoft.com/office/drawing/2010/main">
-                <a:solidFill>
-                  <a:srgbClr val="FFFFFF"/>
-                </a:solidFill>
-              </a14:hiddenFill>
-            </a:ext>
-          </a:extLst>
-        </p:spPr>
-      </p:pic>
-      <p:pic>
-        <p:nvPicPr>
-          <p:cNvPr id="2" name="Picture 2" descr="Risultati immagini per icon youtube png">
-            <a:extLst>
-              <a:ext uri="{FF2B5EF4-FFF2-40B4-BE49-F238E27FC236}">
-                <a16:creationId xmlns:a16="http://schemas.microsoft.com/office/drawing/2014/main" xmlns="" id="{7AAB6E08-AB84-4D28-BCF0-0DD9572AC19D}"/>
-              </a:ext>
-            </a:extLst>
-          </p:cNvPr>
-          <p:cNvPicPr>
-            <a:picLocks noChangeAspect="1" noChangeArrowheads="1"/>
-          </p:cNvPicPr>
-          <p:nvPr/>
-        </p:nvPicPr>
-        <p:blipFill>
-          <a:blip r:embed="rId22">
-            <a:extLst>
-              <a:ext uri="{28A0092B-C50C-407E-A947-70E740481C1C}">
-                <a14:useLocalDpi xmlns:a14="http://schemas.microsoft.com/office/drawing/2010/main" val="0"/>
-              </a:ext>
-            </a:extLst>
-          </a:blip>
-          <a:srcRect/>
-          <a:stretch>
-            <a:fillRect/>
-          </a:stretch>
-        </p:blipFill>
-        <p:spPr bwMode="auto">
-          <a:xfrm>
-            <a:off x="5962091" y="180360"/>
-            <a:ext cx="1475471" cy="1038559"/>
-          </a:xfrm>
-          <a:prstGeom prst="rect">
-            <a:avLst/>
-          </a:prstGeom>
-          <a:noFill/>
-          <a:extLst>
-            <a:ext uri="{909E8E84-426E-40DD-AFC4-6F175D3DCCD1}">
-              <a14:hiddenFill xmlns:a14="http://schemas.microsoft.com/office/drawing/2010/main">
-                <a:solidFill>
-                  <a:srgbClr val="FFFFFF"/>
-                </a:solidFill>
-              </a14:hiddenFill>
-            </a:ext>
-          </a:extLst>
         </p:spPr>
       </p:pic>
     </p:spTree>
     <p:extLst>
       <p:ext uri="{BB962C8B-B14F-4D97-AF65-F5344CB8AC3E}">
-        <p14:creationId xmlns:p14="http://schemas.microsoft.com/office/powerpoint/2010/main" val="4232763597"/>
+        <p14:creationId xmlns:p14="http://schemas.microsoft.com/office/powerpoint/2010/main" val="280143868"/>
       </p:ext>
     </p:extLst>
   </p:cSld>
@@ -4404,147 +3525,12 @@
           <a:chExt cx="0" cy="0"/>
         </a:xfrm>
       </p:grpSpPr>
-      <p:sp>
-        <p:nvSpPr>
-          <p:cNvPr id="2" name="Titolo 1">
-            <a:extLst>
-              <a:ext uri="{FF2B5EF4-FFF2-40B4-BE49-F238E27FC236}">
-                <a16:creationId xmlns:a16="http://schemas.microsoft.com/office/drawing/2014/main" xmlns="" id="{480A040A-9848-44CC-9C7A-10EB990E1F3B}"/>
-              </a:ext>
-            </a:extLst>
-          </p:cNvPr>
-          <p:cNvSpPr>
-            <a:spLocks noGrp="1"/>
-          </p:cNvSpPr>
-          <p:nvPr>
-            <p:ph type="title"/>
-          </p:nvPr>
-        </p:nvSpPr>
-        <p:spPr/>
-        <p:txBody>
-          <a:bodyPr/>
-          <a:lstStyle/>
-          <a:p>
-            <a:r>
-              <a:rPr lang="it-IT" dirty="0"/>
-              <a:t>HTTP: </a:t>
-            </a:r>
-            <a:r>
-              <a:rPr lang="it-IT" b="1" dirty="0" err="1">
-                <a:solidFill>
-                  <a:srgbClr val="FF0000"/>
-                </a:solidFill>
-              </a:rPr>
-              <a:t>H</a:t>
-            </a:r>
-            <a:r>
-              <a:rPr lang="it-IT" dirty="0" err="1"/>
-              <a:t>yper</a:t>
-            </a:r>
-            <a:r>
-              <a:rPr lang="it-IT" b="1" dirty="0" err="1">
-                <a:solidFill>
-                  <a:srgbClr val="FF0000"/>
-                </a:solidFill>
-              </a:rPr>
-              <a:t>T</a:t>
-            </a:r>
-            <a:r>
-              <a:rPr lang="it-IT" dirty="0" err="1"/>
-              <a:t>ext</a:t>
-            </a:r>
-            <a:r>
-              <a:rPr lang="it-IT" dirty="0"/>
-              <a:t> </a:t>
-            </a:r>
-            <a:r>
-              <a:rPr lang="it-IT" b="1" dirty="0">
-                <a:solidFill>
-                  <a:srgbClr val="FF0000"/>
-                </a:solidFill>
-              </a:rPr>
-              <a:t>T</a:t>
-            </a:r>
-            <a:r>
-              <a:rPr lang="it-IT" dirty="0"/>
-              <a:t>ransfer </a:t>
-            </a:r>
-            <a:r>
-              <a:rPr lang="it-IT" b="1" dirty="0" err="1">
-                <a:solidFill>
-                  <a:srgbClr val="FF0000"/>
-                </a:solidFill>
-              </a:rPr>
-              <a:t>P</a:t>
-            </a:r>
-            <a:r>
-              <a:rPr lang="it-IT" dirty="0" err="1"/>
-              <a:t>rotocol</a:t>
-            </a:r>
-            <a:endParaRPr lang="en-US" dirty="0"/>
-          </a:p>
-        </p:txBody>
-      </p:sp>
-      <p:sp>
-        <p:nvSpPr>
-          <p:cNvPr id="3" name="Segnaposto contenuto 2">
-            <a:extLst>
-              <a:ext uri="{FF2B5EF4-FFF2-40B4-BE49-F238E27FC236}">
-                <a16:creationId xmlns:a16="http://schemas.microsoft.com/office/drawing/2014/main" xmlns="" id="{C92F087F-7CBF-4141-B27D-4AEBAEBB5CBD}"/>
-              </a:ext>
-            </a:extLst>
-          </p:cNvPr>
-          <p:cNvSpPr>
-            <a:spLocks noGrp="1"/>
-          </p:cNvSpPr>
-          <p:nvPr>
-            <p:ph idx="1"/>
-          </p:nvPr>
-        </p:nvSpPr>
-        <p:spPr>
-          <a:xfrm>
-            <a:off x="616132" y="1836285"/>
-            <a:ext cx="7678782" cy="2701345"/>
-          </a:xfrm>
-        </p:spPr>
-        <p:txBody>
-          <a:bodyPr/>
-          <a:lstStyle/>
-          <a:p>
-            <a:r>
-              <a:rPr lang="it-IT" dirty="0"/>
-              <a:t>REQUEST: richiedo una risorsa</a:t>
-            </a:r>
-          </a:p>
-          <a:p>
-            <a:pPr lvl="1"/>
-            <a:r>
-              <a:rPr lang="it-IT" dirty="0" err="1"/>
-              <a:t>Hostname:porta</a:t>
-            </a:r>
-            <a:endParaRPr lang="it-IT" dirty="0"/>
-          </a:p>
-          <a:p>
-            <a:pPr lvl="1"/>
-            <a:r>
-              <a:rPr lang="it-IT" dirty="0"/>
-              <a:t>Parametri</a:t>
-            </a:r>
-          </a:p>
-          <a:p>
-            <a:r>
-              <a:rPr lang="it-IT" dirty="0"/>
-              <a:t>RESPONSE: restituisce la risorsa richiesta</a:t>
-            </a:r>
-          </a:p>
-        </p:txBody>
-      </p:sp>
       <p:pic>
         <p:nvPicPr>
-          <p:cNvPr id="2054" name="Picture 6" descr="Risultati immagini per computer icon">
-            <a:extLst>
-              <a:ext uri="{FF2B5EF4-FFF2-40B4-BE49-F238E27FC236}">
-                <a16:creationId xmlns:a16="http://schemas.microsoft.com/office/drawing/2014/main" xmlns="" id="{449600E3-500A-417C-A2D3-7317A76CABF2}"/>
+          <p:cNvPr id="1026" name="Picture 2" descr="Risultati immagini per icon vlc">
+            <a:extLst>
+              <a:ext uri="{FF2B5EF4-FFF2-40B4-BE49-F238E27FC236}">
+                <a16:creationId xmlns:a16="http://schemas.microsoft.com/office/drawing/2014/main" xmlns="" id="{4E4D9340-7BCE-4AF1-AAD9-4CA8FBF0CA2C}"/>
               </a:ext>
             </a:extLst>
           </p:cNvPr>
@@ -4567,9 +3553,9 @@
           </a:stretch>
         </p:blipFill>
         <p:spPr bwMode="auto">
-          <a:xfrm>
-            <a:off x="9813108" y="459246"/>
-            <a:ext cx="1877224" cy="1536599"/>
+          <a:xfrm rot="1681315">
+            <a:off x="1935940" y="370441"/>
+            <a:ext cx="1244179" cy="1244179"/>
           </a:xfrm>
           <a:prstGeom prst="rect">
             <a:avLst/>
@@ -4586,186 +3572,12 @@
           </a:extLst>
         </p:spPr>
       </p:pic>
-      <p:sp>
-        <p:nvSpPr>
-          <p:cNvPr id="4" name="Freccia in giù 3">
-            <a:extLst>
-              <a:ext uri="{FF2B5EF4-FFF2-40B4-BE49-F238E27FC236}">
-                <a16:creationId xmlns:a16="http://schemas.microsoft.com/office/drawing/2014/main" xmlns="" id="{AAA95AA6-E636-42E9-9123-8A44A208A70E}"/>
-              </a:ext>
-            </a:extLst>
-          </p:cNvPr>
-          <p:cNvSpPr/>
-          <p:nvPr/>
-        </p:nvSpPr>
-        <p:spPr>
-          <a:xfrm>
-            <a:off x="9813108" y="2196902"/>
-            <a:ext cx="574766" cy="1933575"/>
-          </a:xfrm>
-          <a:prstGeom prst="downArrow">
-            <a:avLst/>
-          </a:prstGeom>
-        </p:spPr>
-        <p:style>
-          <a:lnRef idx="2">
-            <a:schemeClr val="accent1">
-              <a:shade val="50000"/>
-            </a:schemeClr>
-          </a:lnRef>
-          <a:fillRef idx="1">
-            <a:schemeClr val="accent1"/>
-          </a:fillRef>
-          <a:effectRef idx="0">
-            <a:schemeClr val="accent1"/>
-          </a:effectRef>
-          <a:fontRef idx="minor">
-            <a:schemeClr val="lt1"/>
-          </a:fontRef>
-        </p:style>
-        <p:txBody>
-          <a:bodyPr rtlCol="0" anchor="ctr"/>
-          <a:lstStyle/>
-          <a:p>
-            <a:pPr algn="ctr"/>
-            <a:endParaRPr lang="en-US"/>
-          </a:p>
-        </p:txBody>
-      </p:sp>
-      <p:sp>
-        <p:nvSpPr>
-          <p:cNvPr id="8" name="Freccia in giù 7">
-            <a:extLst>
-              <a:ext uri="{FF2B5EF4-FFF2-40B4-BE49-F238E27FC236}">
-                <a16:creationId xmlns:a16="http://schemas.microsoft.com/office/drawing/2014/main" xmlns="" id="{E2B4C734-708B-421B-96B9-56B67C650DEE}"/>
-              </a:ext>
-            </a:extLst>
-          </p:cNvPr>
-          <p:cNvSpPr/>
-          <p:nvPr/>
-        </p:nvSpPr>
-        <p:spPr>
-          <a:xfrm rot="10800000">
-            <a:off x="11115566" y="2183705"/>
-            <a:ext cx="574766" cy="1933575"/>
-          </a:xfrm>
-          <a:prstGeom prst="downArrow">
-            <a:avLst/>
-          </a:prstGeom>
-        </p:spPr>
-        <p:style>
-          <a:lnRef idx="2">
-            <a:schemeClr val="accent1">
-              <a:shade val="50000"/>
-            </a:schemeClr>
-          </a:lnRef>
-          <a:fillRef idx="1">
-            <a:schemeClr val="accent1"/>
-          </a:fillRef>
-          <a:effectRef idx="0">
-            <a:schemeClr val="accent1"/>
-          </a:effectRef>
-          <a:fontRef idx="minor">
-            <a:schemeClr val="lt1"/>
-          </a:fontRef>
-        </p:style>
-        <p:txBody>
-          <a:bodyPr rtlCol="0" anchor="ctr"/>
-          <a:lstStyle/>
-          <a:p>
-            <a:pPr algn="ctr"/>
-            <a:endParaRPr lang="en-US"/>
-          </a:p>
-        </p:txBody>
-      </p:sp>
-      <p:sp>
-        <p:nvSpPr>
-          <p:cNvPr id="5" name="CasellaDiTesto 4">
-            <a:extLst>
-              <a:ext uri="{FF2B5EF4-FFF2-40B4-BE49-F238E27FC236}">
-                <a16:creationId xmlns:a16="http://schemas.microsoft.com/office/drawing/2014/main" xmlns="" id="{3A6E2C4F-48C6-48A6-8726-838ED3496690}"/>
-              </a:ext>
-            </a:extLst>
-          </p:cNvPr>
-          <p:cNvSpPr txBox="1"/>
-          <p:nvPr/>
-        </p:nvSpPr>
-        <p:spPr>
-          <a:xfrm>
-            <a:off x="541184" y="4544354"/>
-            <a:ext cx="7378337" cy="1200329"/>
-          </a:xfrm>
-          <a:prstGeom prst="rect">
-            <a:avLst/>
-          </a:prstGeom>
-          <a:noFill/>
-        </p:spPr>
-        <p:txBody>
-          <a:bodyPr wrap="square" rtlCol="0">
-            <a:spAutoFit/>
-          </a:bodyPr>
-          <a:lstStyle/>
-          <a:p>
-            <a:r>
-              <a:rPr lang="it-IT" b="1" dirty="0" err="1"/>
-              <a:t>Request</a:t>
-            </a:r>
-            <a:r>
-              <a:rPr lang="it-IT" dirty="0"/>
-              <a:t>: </a:t>
-            </a:r>
-            <a:r>
-              <a:rPr lang="it-IT" dirty="0" err="1"/>
-              <a:t>Hey</a:t>
-            </a:r>
-            <a:r>
-              <a:rPr lang="it-IT" dirty="0"/>
-              <a:t> Netflix, dammi questo film!</a:t>
-            </a:r>
-          </a:p>
-          <a:p>
-            <a:pPr marL="742950" lvl="1" indent="-285750">
-              <a:buFont typeface="Arial" panose="020B0604020202020204" pitchFamily="34" charset="0"/>
-              <a:buChar char="•"/>
-            </a:pPr>
-            <a:r>
-              <a:rPr lang="it-IT" dirty="0" err="1"/>
-              <a:t>Hostname</a:t>
-            </a:r>
-            <a:r>
-              <a:rPr lang="it-IT" dirty="0"/>
-              <a:t>: netflix.com</a:t>
-            </a:r>
-          </a:p>
-          <a:p>
-            <a:pPr marL="742950" lvl="1" indent="-285750">
-              <a:buFont typeface="Arial" panose="020B0604020202020204" pitchFamily="34" charset="0"/>
-              <a:buChar char="•"/>
-            </a:pPr>
-            <a:r>
-              <a:rPr lang="it-IT" dirty="0"/>
-              <a:t>Parametro: il nome del film</a:t>
-            </a:r>
-          </a:p>
-          <a:p>
-            <a:r>
-              <a:rPr lang="it-IT" b="1" dirty="0" err="1"/>
-              <a:t>Response</a:t>
-            </a:r>
-            <a:r>
-              <a:rPr lang="it-IT" dirty="0"/>
-              <a:t>: Ciao, ecco il file MP4</a:t>
-            </a:r>
-            <a:endParaRPr lang="en-US" dirty="0"/>
-          </a:p>
-        </p:txBody>
-      </p:sp>
       <p:pic>
         <p:nvPicPr>
-          <p:cNvPr id="10" name="Picture 30" descr="Risultati immagini per icon netflix">
-            <a:extLst>
-              <a:ext uri="{FF2B5EF4-FFF2-40B4-BE49-F238E27FC236}">
-                <a16:creationId xmlns:a16="http://schemas.microsoft.com/office/drawing/2014/main" xmlns="" id="{92CC2AD3-4A06-4423-AB35-5CDF6421F736}"/>
+          <p:cNvPr id="1028" name="Picture 4" descr="Risultati immagini per icon finder mac">
+            <a:extLst>
+              <a:ext uri="{FF2B5EF4-FFF2-40B4-BE49-F238E27FC236}">
+                <a16:creationId xmlns:a16="http://schemas.microsoft.com/office/drawing/2014/main" xmlns="" id="{0F927C9B-739C-4AC6-A670-CE004295D39B}"/>
               </a:ext>
             </a:extLst>
           </p:cNvPr>
@@ -4788,9 +3600,9 @@
           </a:stretch>
         </p:blipFill>
         <p:spPr bwMode="auto">
-          <a:xfrm>
-            <a:off x="9852623" y="4242805"/>
-            <a:ext cx="1798193" cy="1798193"/>
+          <a:xfrm rot="20422090">
+            <a:off x="135970" y="209889"/>
+            <a:ext cx="1161711" cy="1161711"/>
           </a:xfrm>
           <a:prstGeom prst="rect">
             <a:avLst/>
@@ -4807,10 +3619,937 @@
           </a:extLst>
         </p:spPr>
       </p:pic>
+      <p:pic>
+        <p:nvPicPr>
+          <p:cNvPr id="1030" name="Picture 6" descr="Risultati immagini per icon word">
+            <a:extLst>
+              <a:ext uri="{FF2B5EF4-FFF2-40B4-BE49-F238E27FC236}">
+                <a16:creationId xmlns:a16="http://schemas.microsoft.com/office/drawing/2014/main" xmlns="" id="{E29E3A5D-1FBE-4591-9A34-A022BBC9F724}"/>
+              </a:ext>
+            </a:extLst>
+          </p:cNvPr>
+          <p:cNvPicPr>
+            <a:picLocks noChangeAspect="1" noChangeArrowheads="1"/>
+          </p:cNvPicPr>
+          <p:nvPr/>
+        </p:nvPicPr>
+        <p:blipFill>
+          <a:blip r:embed="rId4">
+            <a:extLst>
+              <a:ext uri="{28A0092B-C50C-407E-A947-70E740481C1C}">
+                <a14:useLocalDpi xmlns:a14="http://schemas.microsoft.com/office/drawing/2010/main" val="0"/>
+              </a:ext>
+            </a:extLst>
+          </a:blip>
+          <a:srcRect/>
+          <a:stretch>
+            <a:fillRect/>
+          </a:stretch>
+        </p:blipFill>
+        <p:spPr bwMode="auto">
+          <a:xfrm rot="1168608">
+            <a:off x="3099076" y="1699428"/>
+            <a:ext cx="1316731" cy="1316731"/>
+          </a:xfrm>
+          <a:prstGeom prst="rect">
+            <a:avLst/>
+          </a:prstGeom>
+          <a:noFill/>
+          <a:extLst>
+            <a:ext uri="{909E8E84-426E-40DD-AFC4-6F175D3DCCD1}">
+              <a14:hiddenFill xmlns:a14="http://schemas.microsoft.com/office/drawing/2010/main">
+                <a:solidFill>
+                  <a:srgbClr val="FFFFFF"/>
+                </a:solidFill>
+              </a14:hiddenFill>
+            </a:ext>
+          </a:extLst>
+        </p:spPr>
+      </p:pic>
+      <p:pic>
+        <p:nvPicPr>
+          <p:cNvPr id="1032" name="Picture 8" descr="Risultati immagini per icon steam">
+            <a:extLst>
+              <a:ext uri="{FF2B5EF4-FFF2-40B4-BE49-F238E27FC236}">
+                <a16:creationId xmlns:a16="http://schemas.microsoft.com/office/drawing/2014/main" xmlns="" id="{4572BD55-B1B6-42F6-9EE1-8E8DD86A4EFE}"/>
+              </a:ext>
+            </a:extLst>
+          </p:cNvPr>
+          <p:cNvPicPr>
+            <a:picLocks noChangeAspect="1" noChangeArrowheads="1"/>
+          </p:cNvPicPr>
+          <p:nvPr/>
+        </p:nvPicPr>
+        <p:blipFill>
+          <a:blip r:embed="rId5">
+            <a:extLst>
+              <a:ext uri="{28A0092B-C50C-407E-A947-70E740481C1C}">
+                <a14:useLocalDpi xmlns:a14="http://schemas.microsoft.com/office/drawing/2010/main" val="0"/>
+              </a:ext>
+            </a:extLst>
+          </a:blip>
+          <a:srcRect/>
+          <a:stretch>
+            <a:fillRect/>
+          </a:stretch>
+        </p:blipFill>
+        <p:spPr bwMode="auto">
+          <a:xfrm>
+            <a:off x="1531663" y="4118070"/>
+            <a:ext cx="1531128" cy="1531128"/>
+          </a:xfrm>
+          <a:prstGeom prst="rect">
+            <a:avLst/>
+          </a:prstGeom>
+          <a:noFill/>
+          <a:extLst>
+            <a:ext uri="{909E8E84-426E-40DD-AFC4-6F175D3DCCD1}">
+              <a14:hiddenFill xmlns:a14="http://schemas.microsoft.com/office/drawing/2010/main">
+                <a:solidFill>
+                  <a:srgbClr val="FFFFFF"/>
+                </a:solidFill>
+              </a14:hiddenFill>
+            </a:ext>
+          </a:extLst>
+        </p:spPr>
+      </p:pic>
+      <p:pic>
+        <p:nvPicPr>
+          <p:cNvPr id="1036" name="Picture 12" descr="Risultati immagini per icon calculator">
+            <a:extLst>
+              <a:ext uri="{FF2B5EF4-FFF2-40B4-BE49-F238E27FC236}">
+                <a16:creationId xmlns:a16="http://schemas.microsoft.com/office/drawing/2014/main" xmlns="" id="{45816166-735E-4075-AEBE-3012D798CEEC}"/>
+              </a:ext>
+            </a:extLst>
+          </p:cNvPr>
+          <p:cNvPicPr>
+            <a:picLocks noChangeAspect="1" noChangeArrowheads="1"/>
+          </p:cNvPicPr>
+          <p:nvPr/>
+        </p:nvPicPr>
+        <p:blipFill>
+          <a:blip r:embed="rId6">
+            <a:extLst>
+              <a:ext uri="{28A0092B-C50C-407E-A947-70E740481C1C}">
+                <a14:useLocalDpi xmlns:a14="http://schemas.microsoft.com/office/drawing/2010/main" val="0"/>
+              </a:ext>
+            </a:extLst>
+          </a:blip>
+          <a:srcRect/>
+          <a:stretch>
+            <a:fillRect/>
+          </a:stretch>
+        </p:blipFill>
+        <p:spPr bwMode="auto">
+          <a:xfrm rot="366965">
+            <a:off x="1270520" y="1510671"/>
+            <a:ext cx="740068" cy="740068"/>
+          </a:xfrm>
+          <a:prstGeom prst="rect">
+            <a:avLst/>
+          </a:prstGeom>
+          <a:noFill/>
+          <a:extLst>
+            <a:ext uri="{909E8E84-426E-40DD-AFC4-6F175D3DCCD1}">
+              <a14:hiddenFill xmlns:a14="http://schemas.microsoft.com/office/drawing/2010/main">
+                <a:solidFill>
+                  <a:srgbClr val="FFFFFF"/>
+                </a:solidFill>
+              </a14:hiddenFill>
+            </a:ext>
+          </a:extLst>
+        </p:spPr>
+      </p:pic>
+      <p:pic>
+        <p:nvPicPr>
+          <p:cNvPr id="1038" name="Picture 14" descr="Risultati immagini per icon calendar">
+            <a:extLst>
+              <a:ext uri="{FF2B5EF4-FFF2-40B4-BE49-F238E27FC236}">
+                <a16:creationId xmlns:a16="http://schemas.microsoft.com/office/drawing/2014/main" xmlns="" id="{C01D61B1-E131-48A2-97E5-EC2B678DD47A}"/>
+              </a:ext>
+            </a:extLst>
+          </p:cNvPr>
+          <p:cNvPicPr>
+            <a:picLocks noChangeAspect="1" noChangeArrowheads="1"/>
+          </p:cNvPicPr>
+          <p:nvPr/>
+        </p:nvPicPr>
+        <p:blipFill>
+          <a:blip r:embed="rId7">
+            <a:extLst>
+              <a:ext uri="{28A0092B-C50C-407E-A947-70E740481C1C}">
+                <a14:useLocalDpi xmlns:a14="http://schemas.microsoft.com/office/drawing/2010/main" val="0"/>
+              </a:ext>
+            </a:extLst>
+          </a:blip>
+          <a:srcRect/>
+          <a:stretch>
+            <a:fillRect/>
+          </a:stretch>
+        </p:blipFill>
+        <p:spPr bwMode="auto">
+          <a:xfrm rot="20775601">
+            <a:off x="555851" y="2488721"/>
+            <a:ext cx="1253510" cy="1253510"/>
+          </a:xfrm>
+          <a:prstGeom prst="rect">
+            <a:avLst/>
+          </a:prstGeom>
+          <a:noFill/>
+          <a:extLst>
+            <a:ext uri="{909E8E84-426E-40DD-AFC4-6F175D3DCCD1}">
+              <a14:hiddenFill xmlns:a14="http://schemas.microsoft.com/office/drawing/2010/main">
+                <a:solidFill>
+                  <a:srgbClr val="FFFFFF"/>
+                </a:solidFill>
+              </a14:hiddenFill>
+            </a:ext>
+          </a:extLst>
+        </p:spPr>
+      </p:pic>
+      <p:pic>
+        <p:nvPicPr>
+          <p:cNvPr id="1040" name="Picture 16" descr="Risultati immagini per icon gimp">
+            <a:extLst>
+              <a:ext uri="{FF2B5EF4-FFF2-40B4-BE49-F238E27FC236}">
+                <a16:creationId xmlns:a16="http://schemas.microsoft.com/office/drawing/2014/main" xmlns="" id="{782ACE1A-4060-4016-984F-D2BF9CB9DD48}"/>
+              </a:ext>
+            </a:extLst>
+          </p:cNvPr>
+          <p:cNvPicPr>
+            <a:picLocks noChangeAspect="1" noChangeArrowheads="1"/>
+          </p:cNvPicPr>
+          <p:nvPr/>
+        </p:nvPicPr>
+        <p:blipFill>
+          <a:blip r:embed="rId8">
+            <a:extLst>
+              <a:ext uri="{28A0092B-C50C-407E-A947-70E740481C1C}">
+                <a14:useLocalDpi xmlns:a14="http://schemas.microsoft.com/office/drawing/2010/main" val="0"/>
+              </a:ext>
+            </a:extLst>
+          </a:blip>
+          <a:srcRect/>
+          <a:stretch>
+            <a:fillRect/>
+          </a:stretch>
+        </p:blipFill>
+        <p:spPr bwMode="auto">
+          <a:xfrm>
+            <a:off x="3179567" y="3356622"/>
+            <a:ext cx="1289794" cy="1289794"/>
+          </a:xfrm>
+          <a:prstGeom prst="rect">
+            <a:avLst/>
+          </a:prstGeom>
+          <a:noFill/>
+          <a:extLst>
+            <a:ext uri="{909E8E84-426E-40DD-AFC4-6F175D3DCCD1}">
+              <a14:hiddenFill xmlns:a14="http://schemas.microsoft.com/office/drawing/2010/main">
+                <a:solidFill>
+                  <a:srgbClr val="FFFFFF"/>
+                </a:solidFill>
+              </a14:hiddenFill>
+            </a:ext>
+          </a:extLst>
+        </p:spPr>
+      </p:pic>
+      <p:pic>
+        <p:nvPicPr>
+          <p:cNvPr id="1044" name="Picture 20" descr="Risultati immagini per icon sublime">
+            <a:extLst>
+              <a:ext uri="{FF2B5EF4-FFF2-40B4-BE49-F238E27FC236}">
+                <a16:creationId xmlns:a16="http://schemas.microsoft.com/office/drawing/2014/main" xmlns="" id="{7E13E766-75DA-4E76-8314-AFB99086EED2}"/>
+              </a:ext>
+            </a:extLst>
+          </p:cNvPr>
+          <p:cNvPicPr>
+            <a:picLocks noChangeAspect="1" noChangeArrowheads="1"/>
+          </p:cNvPicPr>
+          <p:nvPr/>
+        </p:nvPicPr>
+        <p:blipFill rotWithShape="1">
+          <a:blip r:embed="rId9">
+            <a:extLst>
+              <a:ext uri="{28A0092B-C50C-407E-A947-70E740481C1C}">
+                <a14:useLocalDpi xmlns:a14="http://schemas.microsoft.com/office/drawing/2010/main" val="0"/>
+              </a:ext>
+            </a:extLst>
+          </a:blip>
+          <a:srcRect l="16802" t="8342" r="16349" b="6021"/>
+          <a:stretch/>
+        </p:blipFill>
+        <p:spPr bwMode="auto">
+          <a:xfrm>
+            <a:off x="2032070" y="2619797"/>
+            <a:ext cx="1030721" cy="989044"/>
+          </a:xfrm>
+          <a:prstGeom prst="rect">
+            <a:avLst/>
+          </a:prstGeom>
+          <a:noFill/>
+          <a:extLst>
+            <a:ext uri="{909E8E84-426E-40DD-AFC4-6F175D3DCCD1}">
+              <a14:hiddenFill xmlns:a14="http://schemas.microsoft.com/office/drawing/2010/main">
+                <a:solidFill>
+                  <a:srgbClr val="FFFFFF"/>
+                </a:solidFill>
+              </a14:hiddenFill>
+            </a:ext>
+          </a:extLst>
+        </p:spPr>
+      </p:pic>
+      <p:pic>
+        <p:nvPicPr>
+          <p:cNvPr id="1046" name="Picture 22" descr="Immagine correlata">
+            <a:extLst>
+              <a:ext uri="{FF2B5EF4-FFF2-40B4-BE49-F238E27FC236}">
+                <a16:creationId xmlns:a16="http://schemas.microsoft.com/office/drawing/2014/main" xmlns="" id="{3A45E642-5647-434D-95D3-98919E11BE5F}"/>
+              </a:ext>
+            </a:extLst>
+          </p:cNvPr>
+          <p:cNvPicPr>
+            <a:picLocks noChangeAspect="1" noChangeArrowheads="1"/>
+          </p:cNvPicPr>
+          <p:nvPr/>
+        </p:nvPicPr>
+        <p:blipFill>
+          <a:blip r:embed="rId10">
+            <a:extLst>
+              <a:ext uri="{28A0092B-C50C-407E-A947-70E740481C1C}">
+                <a14:useLocalDpi xmlns:a14="http://schemas.microsoft.com/office/drawing/2010/main" val="0"/>
+              </a:ext>
+            </a:extLst>
+          </a:blip>
+          <a:srcRect/>
+          <a:stretch>
+            <a:fillRect/>
+          </a:stretch>
+        </p:blipFill>
+        <p:spPr bwMode="auto">
+          <a:xfrm rot="20812606">
+            <a:off x="3491707" y="4810057"/>
+            <a:ext cx="1760776" cy="1719400"/>
+          </a:xfrm>
+          <a:prstGeom prst="rect">
+            <a:avLst/>
+          </a:prstGeom>
+          <a:noFill/>
+          <a:extLst>
+            <a:ext uri="{909E8E84-426E-40DD-AFC4-6F175D3DCCD1}">
+              <a14:hiddenFill xmlns:a14="http://schemas.microsoft.com/office/drawing/2010/main">
+                <a:solidFill>
+                  <a:srgbClr val="FFFFFF"/>
+                </a:solidFill>
+              </a14:hiddenFill>
+            </a:ext>
+          </a:extLst>
+        </p:spPr>
+      </p:pic>
+      <p:pic>
+        <p:nvPicPr>
+          <p:cNvPr id="1048" name="Picture 24" descr="Risultati immagini per icon itunes">
+            <a:extLst>
+              <a:ext uri="{FF2B5EF4-FFF2-40B4-BE49-F238E27FC236}">
+                <a16:creationId xmlns:a16="http://schemas.microsoft.com/office/drawing/2014/main" xmlns="" id="{22041AF2-7EC1-4A86-9A57-86C4931CE3FD}"/>
+              </a:ext>
+            </a:extLst>
+          </p:cNvPr>
+          <p:cNvPicPr>
+            <a:picLocks noChangeAspect="1" noChangeArrowheads="1"/>
+          </p:cNvPicPr>
+          <p:nvPr/>
+        </p:nvPicPr>
+        <p:blipFill rotWithShape="1">
+          <a:blip r:embed="rId11">
+            <a:extLst>
+              <a:ext uri="{28A0092B-C50C-407E-A947-70E740481C1C}">
+                <a14:useLocalDpi xmlns:a14="http://schemas.microsoft.com/office/drawing/2010/main" val="0"/>
+              </a:ext>
+            </a:extLst>
+          </a:blip>
+          <a:srcRect l="26507" t="6560" r="25946" b="6939"/>
+          <a:stretch/>
+        </p:blipFill>
+        <p:spPr bwMode="auto">
+          <a:xfrm rot="20458641">
+            <a:off x="266296" y="5152573"/>
+            <a:ext cx="1358673" cy="1384202"/>
+          </a:xfrm>
+          <a:prstGeom prst="rect">
+            <a:avLst/>
+          </a:prstGeom>
+          <a:noFill/>
+          <a:extLst>
+            <a:ext uri="{909E8E84-426E-40DD-AFC4-6F175D3DCCD1}">
+              <a14:hiddenFill xmlns:a14="http://schemas.microsoft.com/office/drawing/2010/main">
+                <a:solidFill>
+                  <a:srgbClr val="FFFFFF"/>
+                </a:solidFill>
+              </a14:hiddenFill>
+            </a:ext>
+          </a:extLst>
+        </p:spPr>
+      </p:pic>
+      <p:cxnSp>
+        <p:nvCxnSpPr>
+          <p:cNvPr id="5" name="Connettore diritto 4">
+            <a:extLst>
+              <a:ext uri="{FF2B5EF4-FFF2-40B4-BE49-F238E27FC236}">
+                <a16:creationId xmlns:a16="http://schemas.microsoft.com/office/drawing/2014/main" xmlns="" id="{EFDBD645-A90A-4192-A9B0-5303D80CABDC}"/>
+              </a:ext>
+            </a:extLst>
+          </p:cNvPr>
+          <p:cNvCxnSpPr>
+            <a:cxnSpLocks/>
+          </p:cNvCxnSpPr>
+          <p:nvPr/>
+        </p:nvCxnSpPr>
+        <p:spPr>
+          <a:xfrm>
+            <a:off x="5681399" y="151106"/>
+            <a:ext cx="187556" cy="6555788"/>
+          </a:xfrm>
+          <a:prstGeom prst="line">
+            <a:avLst/>
+          </a:prstGeom>
+        </p:spPr>
+        <p:style>
+          <a:lnRef idx="1">
+            <a:schemeClr val="accent1"/>
+          </a:lnRef>
+          <a:fillRef idx="0">
+            <a:schemeClr val="accent1"/>
+          </a:fillRef>
+          <a:effectRef idx="0">
+            <a:schemeClr val="accent1"/>
+          </a:effectRef>
+          <a:fontRef idx="minor">
+            <a:schemeClr val="tx1"/>
+          </a:fontRef>
+        </p:style>
+      </p:cxnSp>
+      <p:pic>
+        <p:nvPicPr>
+          <p:cNvPr id="1050" name="Picture 26" descr="Risultati immagini per icon whatsapp">
+            <a:extLst>
+              <a:ext uri="{FF2B5EF4-FFF2-40B4-BE49-F238E27FC236}">
+                <a16:creationId xmlns:a16="http://schemas.microsoft.com/office/drawing/2014/main" xmlns="" id="{4B2319A0-867B-4CA8-8FFD-61AA38763C13}"/>
+              </a:ext>
+            </a:extLst>
+          </p:cNvPr>
+          <p:cNvPicPr>
+            <a:picLocks noChangeAspect="1" noChangeArrowheads="1"/>
+          </p:cNvPicPr>
+          <p:nvPr/>
+        </p:nvPicPr>
+        <p:blipFill>
+          <a:blip r:embed="rId12">
+            <a:extLst>
+              <a:ext uri="{28A0092B-C50C-407E-A947-70E740481C1C}">
+                <a14:useLocalDpi xmlns:a14="http://schemas.microsoft.com/office/drawing/2010/main" val="0"/>
+              </a:ext>
+            </a:extLst>
+          </a:blip>
+          <a:srcRect/>
+          <a:stretch>
+            <a:fillRect/>
+          </a:stretch>
+        </p:blipFill>
+        <p:spPr bwMode="auto">
+          <a:xfrm>
+            <a:off x="6911214" y="1223758"/>
+            <a:ext cx="1230830" cy="1230830"/>
+          </a:xfrm>
+          <a:prstGeom prst="rect">
+            <a:avLst/>
+          </a:prstGeom>
+          <a:noFill/>
+          <a:extLst>
+            <a:ext uri="{909E8E84-426E-40DD-AFC4-6F175D3DCCD1}">
+              <a14:hiddenFill xmlns:a14="http://schemas.microsoft.com/office/drawing/2010/main">
+                <a:solidFill>
+                  <a:srgbClr val="FFFFFF"/>
+                </a:solidFill>
+              </a14:hiddenFill>
+            </a:ext>
+          </a:extLst>
+        </p:spPr>
+      </p:pic>
+      <p:pic>
+        <p:nvPicPr>
+          <p:cNvPr id="1052" name="Picture 28" descr="Risultati immagini per icon telegram">
+            <a:extLst>
+              <a:ext uri="{FF2B5EF4-FFF2-40B4-BE49-F238E27FC236}">
+                <a16:creationId xmlns:a16="http://schemas.microsoft.com/office/drawing/2014/main" xmlns="" id="{41A9EB58-BC7C-4130-8225-FB1C87286BEB}"/>
+              </a:ext>
+            </a:extLst>
+          </p:cNvPr>
+          <p:cNvPicPr>
+            <a:picLocks noChangeAspect="1" noChangeArrowheads="1"/>
+          </p:cNvPicPr>
+          <p:nvPr/>
+        </p:nvPicPr>
+        <p:blipFill>
+          <a:blip r:embed="rId13">
+            <a:extLst>
+              <a:ext uri="{28A0092B-C50C-407E-A947-70E740481C1C}">
+                <a14:useLocalDpi xmlns:a14="http://schemas.microsoft.com/office/drawing/2010/main" val="0"/>
+              </a:ext>
+            </a:extLst>
+          </a:blip>
+          <a:srcRect/>
+          <a:stretch>
+            <a:fillRect/>
+          </a:stretch>
+        </p:blipFill>
+        <p:spPr bwMode="auto">
+          <a:xfrm>
+            <a:off x="9900795" y="5416909"/>
+            <a:ext cx="1303495" cy="1303495"/>
+          </a:xfrm>
+          <a:prstGeom prst="rect">
+            <a:avLst/>
+          </a:prstGeom>
+          <a:noFill/>
+          <a:extLst>
+            <a:ext uri="{909E8E84-426E-40DD-AFC4-6F175D3DCCD1}">
+              <a14:hiddenFill xmlns:a14="http://schemas.microsoft.com/office/drawing/2010/main">
+                <a:solidFill>
+                  <a:srgbClr val="FFFFFF"/>
+                </a:solidFill>
+              </a14:hiddenFill>
+            </a:ext>
+          </a:extLst>
+        </p:spPr>
+      </p:pic>
+      <p:pic>
+        <p:nvPicPr>
+          <p:cNvPr id="1054" name="Picture 30" descr="Risultati immagini per icon netflix">
+            <a:extLst>
+              <a:ext uri="{FF2B5EF4-FFF2-40B4-BE49-F238E27FC236}">
+                <a16:creationId xmlns:a16="http://schemas.microsoft.com/office/drawing/2014/main" xmlns="" id="{01A63DAA-2791-4ABD-B262-D72E4B53EEB2}"/>
+              </a:ext>
+            </a:extLst>
+          </p:cNvPr>
+          <p:cNvPicPr>
+            <a:picLocks noChangeAspect="1" noChangeArrowheads="1"/>
+          </p:cNvPicPr>
+          <p:nvPr/>
+        </p:nvPicPr>
+        <p:blipFill>
+          <a:blip r:embed="rId14">
+            <a:extLst>
+              <a:ext uri="{28A0092B-C50C-407E-A947-70E740481C1C}">
+                <a14:useLocalDpi xmlns:a14="http://schemas.microsoft.com/office/drawing/2010/main" val="0"/>
+              </a:ext>
+            </a:extLst>
+          </a:blip>
+          <a:srcRect/>
+          <a:stretch>
+            <a:fillRect/>
+          </a:stretch>
+        </p:blipFill>
+        <p:spPr bwMode="auto">
+          <a:xfrm rot="968901">
+            <a:off x="9985724" y="708848"/>
+            <a:ext cx="1798193" cy="1798193"/>
+          </a:xfrm>
+          <a:prstGeom prst="rect">
+            <a:avLst/>
+          </a:prstGeom>
+          <a:noFill/>
+          <a:extLst>
+            <a:ext uri="{909E8E84-426E-40DD-AFC4-6F175D3DCCD1}">
+              <a14:hiddenFill xmlns:a14="http://schemas.microsoft.com/office/drawing/2010/main">
+                <a:solidFill>
+                  <a:srgbClr val="FFFFFF"/>
+                </a:solidFill>
+              </a14:hiddenFill>
+            </a:ext>
+          </a:extLst>
+        </p:spPr>
+      </p:pic>
+      <p:pic>
+        <p:nvPicPr>
+          <p:cNvPr id="1058" name="Picture 34" descr="Risultati immagini per icon facebook png">
+            <a:extLst>
+              <a:ext uri="{FF2B5EF4-FFF2-40B4-BE49-F238E27FC236}">
+                <a16:creationId xmlns:a16="http://schemas.microsoft.com/office/drawing/2014/main" xmlns="" id="{40D2A230-2234-4F6A-B848-B6A7C5877DAB}"/>
+              </a:ext>
+            </a:extLst>
+          </p:cNvPr>
+          <p:cNvPicPr>
+            <a:picLocks noChangeAspect="1" noChangeArrowheads="1"/>
+          </p:cNvPicPr>
+          <p:nvPr/>
+        </p:nvPicPr>
+        <p:blipFill>
+          <a:blip r:embed="rId15">
+            <a:extLst>
+              <a:ext uri="{28A0092B-C50C-407E-A947-70E740481C1C}">
+                <a14:useLocalDpi xmlns:a14="http://schemas.microsoft.com/office/drawing/2010/main" val="0"/>
+              </a:ext>
+            </a:extLst>
+          </a:blip>
+          <a:srcRect/>
+          <a:stretch>
+            <a:fillRect/>
+          </a:stretch>
+        </p:blipFill>
+        <p:spPr bwMode="auto">
+          <a:xfrm rot="19032897">
+            <a:off x="8015353" y="4325220"/>
+            <a:ext cx="1494468" cy="1494468"/>
+          </a:xfrm>
+          <a:prstGeom prst="rect">
+            <a:avLst/>
+          </a:prstGeom>
+          <a:noFill/>
+          <a:extLst>
+            <a:ext uri="{909E8E84-426E-40DD-AFC4-6F175D3DCCD1}">
+              <a14:hiddenFill xmlns:a14="http://schemas.microsoft.com/office/drawing/2010/main">
+                <a:solidFill>
+                  <a:srgbClr val="FFFFFF"/>
+                </a:solidFill>
+              </a14:hiddenFill>
+            </a:ext>
+          </a:extLst>
+        </p:spPr>
+      </p:pic>
+      <p:pic>
+        <p:nvPicPr>
+          <p:cNvPr id="1062" name="Picture 38" descr="Risultati immagini per icon google png">
+            <a:extLst>
+              <a:ext uri="{FF2B5EF4-FFF2-40B4-BE49-F238E27FC236}">
+                <a16:creationId xmlns:a16="http://schemas.microsoft.com/office/drawing/2014/main" xmlns="" id="{8F9AA4A7-A5E4-47D2-A93B-16BB02C9A1F0}"/>
+              </a:ext>
+            </a:extLst>
+          </p:cNvPr>
+          <p:cNvPicPr>
+            <a:picLocks noChangeAspect="1" noChangeArrowheads="1"/>
+          </p:cNvPicPr>
+          <p:nvPr/>
+        </p:nvPicPr>
+        <p:blipFill>
+          <a:blip r:embed="rId16">
+            <a:extLst>
+              <a:ext uri="{28A0092B-C50C-407E-A947-70E740481C1C}">
+                <a14:useLocalDpi xmlns:a14="http://schemas.microsoft.com/office/drawing/2010/main" val="0"/>
+              </a:ext>
+            </a:extLst>
+          </a:blip>
+          <a:srcRect/>
+          <a:stretch>
+            <a:fillRect/>
+          </a:stretch>
+        </p:blipFill>
+        <p:spPr bwMode="auto">
+          <a:xfrm>
+            <a:off x="9020419" y="2567835"/>
+            <a:ext cx="1501434" cy="1501434"/>
+          </a:xfrm>
+          <a:prstGeom prst="rect">
+            <a:avLst/>
+          </a:prstGeom>
+          <a:noFill/>
+          <a:extLst>
+            <a:ext uri="{909E8E84-426E-40DD-AFC4-6F175D3DCCD1}">
+              <a14:hiddenFill xmlns:a14="http://schemas.microsoft.com/office/drawing/2010/main">
+                <a:solidFill>
+                  <a:srgbClr val="FFFFFF"/>
+                </a:solidFill>
+              </a14:hiddenFill>
+            </a:ext>
+          </a:extLst>
+        </p:spPr>
+      </p:pic>
+      <p:pic>
+        <p:nvPicPr>
+          <p:cNvPr id="1064" name="Picture 40" descr="Risultati immagini per icon moodle png">
+            <a:extLst>
+              <a:ext uri="{FF2B5EF4-FFF2-40B4-BE49-F238E27FC236}">
+                <a16:creationId xmlns:a16="http://schemas.microsoft.com/office/drawing/2014/main" xmlns="" id="{21A5F985-7E2E-4146-9E22-2A243BD03827}"/>
+              </a:ext>
+            </a:extLst>
+          </p:cNvPr>
+          <p:cNvPicPr>
+            <a:picLocks noChangeAspect="1" noChangeArrowheads="1"/>
+          </p:cNvPicPr>
+          <p:nvPr/>
+        </p:nvPicPr>
+        <p:blipFill>
+          <a:blip r:embed="rId17">
+            <a:extLst>
+              <a:ext uri="{28A0092B-C50C-407E-A947-70E740481C1C}">
+                <a14:useLocalDpi xmlns:a14="http://schemas.microsoft.com/office/drawing/2010/main" val="0"/>
+              </a:ext>
+            </a:extLst>
+          </a:blip>
+          <a:srcRect/>
+          <a:stretch>
+            <a:fillRect/>
+          </a:stretch>
+        </p:blipFill>
+        <p:spPr bwMode="auto">
+          <a:xfrm>
+            <a:off x="6356820" y="5135709"/>
+            <a:ext cx="1417930" cy="1417930"/>
+          </a:xfrm>
+          <a:prstGeom prst="rect">
+            <a:avLst/>
+          </a:prstGeom>
+          <a:noFill/>
+          <a:extLst>
+            <a:ext uri="{909E8E84-426E-40DD-AFC4-6F175D3DCCD1}">
+              <a14:hiddenFill xmlns:a14="http://schemas.microsoft.com/office/drawing/2010/main">
+                <a:solidFill>
+                  <a:srgbClr val="FFFFFF"/>
+                </a:solidFill>
+              </a14:hiddenFill>
+            </a:ext>
+          </a:extLst>
+        </p:spPr>
+      </p:pic>
+      <p:pic>
+        <p:nvPicPr>
+          <p:cNvPr id="1066" name="Picture 42" descr="Risultati immagini per icon twitch png">
+            <a:extLst>
+              <a:ext uri="{FF2B5EF4-FFF2-40B4-BE49-F238E27FC236}">
+                <a16:creationId xmlns:a16="http://schemas.microsoft.com/office/drawing/2014/main" xmlns="" id="{FA431897-42AB-423D-ABCC-9E90357CD7EA}"/>
+              </a:ext>
+            </a:extLst>
+          </p:cNvPr>
+          <p:cNvPicPr>
+            <a:picLocks noChangeAspect="1" noChangeArrowheads="1"/>
+          </p:cNvPicPr>
+          <p:nvPr/>
+        </p:nvPicPr>
+        <p:blipFill>
+          <a:blip r:embed="rId18">
+            <a:extLst>
+              <a:ext uri="{28A0092B-C50C-407E-A947-70E740481C1C}">
+                <a14:useLocalDpi xmlns:a14="http://schemas.microsoft.com/office/drawing/2010/main" val="0"/>
+              </a:ext>
+            </a:extLst>
+          </a:blip>
+          <a:srcRect/>
+          <a:stretch>
+            <a:fillRect/>
+          </a:stretch>
+        </p:blipFill>
+        <p:spPr bwMode="auto">
+          <a:xfrm rot="698838">
+            <a:off x="6156305" y="3202062"/>
+            <a:ext cx="1598915" cy="1598915"/>
+          </a:xfrm>
+          <a:prstGeom prst="rect">
+            <a:avLst/>
+          </a:prstGeom>
+          <a:noFill/>
+          <a:extLst>
+            <a:ext uri="{909E8E84-426E-40DD-AFC4-6F175D3DCCD1}">
+              <a14:hiddenFill xmlns:a14="http://schemas.microsoft.com/office/drawing/2010/main">
+                <a:solidFill>
+                  <a:srgbClr val="FFFFFF"/>
+                </a:solidFill>
+              </a14:hiddenFill>
+            </a:ext>
+          </a:extLst>
+        </p:spPr>
+      </p:pic>
+      <p:pic>
+        <p:nvPicPr>
+          <p:cNvPr id="1068" name="Picture 44" descr="Risultati immagini per icon skype png">
+            <a:extLst>
+              <a:ext uri="{FF2B5EF4-FFF2-40B4-BE49-F238E27FC236}">
+                <a16:creationId xmlns:a16="http://schemas.microsoft.com/office/drawing/2014/main" xmlns="" id="{9FCCDD10-E7D4-4A43-8DEB-53F9887E2AAC}"/>
+              </a:ext>
+            </a:extLst>
+          </p:cNvPr>
+          <p:cNvPicPr>
+            <a:picLocks noChangeAspect="1" noChangeArrowheads="1"/>
+          </p:cNvPicPr>
+          <p:nvPr/>
+        </p:nvPicPr>
+        <p:blipFill>
+          <a:blip r:embed="rId19">
+            <a:extLst>
+              <a:ext uri="{28A0092B-C50C-407E-A947-70E740481C1C}">
+                <a14:useLocalDpi xmlns:a14="http://schemas.microsoft.com/office/drawing/2010/main" val="0"/>
+              </a:ext>
+            </a:extLst>
+          </a:blip>
+          <a:srcRect/>
+          <a:stretch>
+            <a:fillRect/>
+          </a:stretch>
+        </p:blipFill>
+        <p:spPr bwMode="auto">
+          <a:xfrm rot="710556">
+            <a:off x="8185697" y="657490"/>
+            <a:ext cx="1560868" cy="1556706"/>
+          </a:xfrm>
+          <a:prstGeom prst="rect">
+            <a:avLst/>
+          </a:prstGeom>
+          <a:noFill/>
+          <a:extLst>
+            <a:ext uri="{909E8E84-426E-40DD-AFC4-6F175D3DCCD1}">
+              <a14:hiddenFill xmlns:a14="http://schemas.microsoft.com/office/drawing/2010/main">
+                <a:solidFill>
+                  <a:srgbClr val="FFFFFF"/>
+                </a:solidFill>
+              </a14:hiddenFill>
+            </a:ext>
+          </a:extLst>
+        </p:spPr>
+      </p:pic>
+      <p:pic>
+        <p:nvPicPr>
+          <p:cNvPr id="1070" name="Picture 46" descr="Risultati immagini per icon virtualbox png">
+            <a:extLst>
+              <a:ext uri="{FF2B5EF4-FFF2-40B4-BE49-F238E27FC236}">
+                <a16:creationId xmlns:a16="http://schemas.microsoft.com/office/drawing/2014/main" xmlns="" id="{4965B218-EACD-4CDF-8B24-BEABD6A09F60}"/>
+              </a:ext>
+            </a:extLst>
+          </p:cNvPr>
+          <p:cNvPicPr>
+            <a:picLocks noChangeAspect="1" noChangeArrowheads="1"/>
+          </p:cNvPicPr>
+          <p:nvPr/>
+        </p:nvPicPr>
+        <p:blipFill>
+          <a:blip r:embed="rId20">
+            <a:extLst>
+              <a:ext uri="{28A0092B-C50C-407E-A947-70E740481C1C}">
+                <a14:useLocalDpi xmlns:a14="http://schemas.microsoft.com/office/drawing/2010/main" val="0"/>
+              </a:ext>
+            </a:extLst>
+          </a:blip>
+          <a:srcRect/>
+          <a:stretch>
+            <a:fillRect/>
+          </a:stretch>
+        </p:blipFill>
+        <p:spPr bwMode="auto">
+          <a:xfrm rot="20749759">
+            <a:off x="4021028" y="413376"/>
+            <a:ext cx="1520715" cy="1520715"/>
+          </a:xfrm>
+          <a:prstGeom prst="rect">
+            <a:avLst/>
+          </a:prstGeom>
+          <a:noFill/>
+          <a:extLst>
+            <a:ext uri="{909E8E84-426E-40DD-AFC4-6F175D3DCCD1}">
+              <a14:hiddenFill xmlns:a14="http://schemas.microsoft.com/office/drawing/2010/main">
+                <a:solidFill>
+                  <a:srgbClr val="FFFFFF"/>
+                </a:solidFill>
+              </a14:hiddenFill>
+            </a:ext>
+          </a:extLst>
+        </p:spPr>
+      </p:pic>
+      <p:pic>
+        <p:nvPicPr>
+          <p:cNvPr id="1072" name="Picture 48" descr="Risultati immagini per icon play store png">
+            <a:extLst>
+              <a:ext uri="{FF2B5EF4-FFF2-40B4-BE49-F238E27FC236}">
+                <a16:creationId xmlns:a16="http://schemas.microsoft.com/office/drawing/2014/main" xmlns="" id="{3A8B99B1-D487-4197-89E1-B6ED911E8783}"/>
+              </a:ext>
+            </a:extLst>
+          </p:cNvPr>
+          <p:cNvPicPr>
+            <a:picLocks noChangeAspect="1" noChangeArrowheads="1"/>
+          </p:cNvPicPr>
+          <p:nvPr/>
+        </p:nvPicPr>
+        <p:blipFill>
+          <a:blip r:embed="rId21">
+            <a:extLst>
+              <a:ext uri="{28A0092B-C50C-407E-A947-70E740481C1C}">
+                <a14:useLocalDpi xmlns:a14="http://schemas.microsoft.com/office/drawing/2010/main" val="0"/>
+              </a:ext>
+            </a:extLst>
+          </a:blip>
+          <a:srcRect/>
+          <a:stretch>
+            <a:fillRect/>
+          </a:stretch>
+        </p:blipFill>
+        <p:spPr bwMode="auto">
+          <a:xfrm>
+            <a:off x="10391785" y="3873160"/>
+            <a:ext cx="1375293" cy="1375293"/>
+          </a:xfrm>
+          <a:prstGeom prst="rect">
+            <a:avLst/>
+          </a:prstGeom>
+          <a:noFill/>
+          <a:extLst>
+            <a:ext uri="{909E8E84-426E-40DD-AFC4-6F175D3DCCD1}">
+              <a14:hiddenFill xmlns:a14="http://schemas.microsoft.com/office/drawing/2010/main">
+                <a:solidFill>
+                  <a:srgbClr val="FFFFFF"/>
+                </a:solidFill>
+              </a14:hiddenFill>
+            </a:ext>
+          </a:extLst>
+        </p:spPr>
+      </p:pic>
+      <p:pic>
+        <p:nvPicPr>
+          <p:cNvPr id="2" name="Picture 2" descr="Risultati immagini per icon youtube png">
+            <a:extLst>
+              <a:ext uri="{FF2B5EF4-FFF2-40B4-BE49-F238E27FC236}">
+                <a16:creationId xmlns:a16="http://schemas.microsoft.com/office/drawing/2014/main" xmlns="" id="{7AAB6E08-AB84-4D28-BCF0-0DD9572AC19D}"/>
+              </a:ext>
+            </a:extLst>
+          </p:cNvPr>
+          <p:cNvPicPr>
+            <a:picLocks noChangeAspect="1" noChangeArrowheads="1"/>
+          </p:cNvPicPr>
+          <p:nvPr/>
+        </p:nvPicPr>
+        <p:blipFill>
+          <a:blip r:embed="rId22">
+            <a:extLst>
+              <a:ext uri="{28A0092B-C50C-407E-A947-70E740481C1C}">
+                <a14:useLocalDpi xmlns:a14="http://schemas.microsoft.com/office/drawing/2010/main" val="0"/>
+              </a:ext>
+            </a:extLst>
+          </a:blip>
+          <a:srcRect/>
+          <a:stretch>
+            <a:fillRect/>
+          </a:stretch>
+        </p:blipFill>
+        <p:spPr bwMode="auto">
+          <a:xfrm>
+            <a:off x="5962091" y="180360"/>
+            <a:ext cx="1475471" cy="1038559"/>
+          </a:xfrm>
+          <a:prstGeom prst="rect">
+            <a:avLst/>
+          </a:prstGeom>
+          <a:noFill/>
+          <a:extLst>
+            <a:ext uri="{909E8E84-426E-40DD-AFC4-6F175D3DCCD1}">
+              <a14:hiddenFill xmlns:a14="http://schemas.microsoft.com/office/drawing/2010/main">
+                <a:solidFill>
+                  <a:srgbClr val="FFFFFF"/>
+                </a:solidFill>
+              </a14:hiddenFill>
+            </a:ext>
+          </a:extLst>
+        </p:spPr>
+      </p:pic>
     </p:spTree>
     <p:extLst>
       <p:ext uri="{BB962C8B-B14F-4D97-AF65-F5344CB8AC3E}">
-        <p14:creationId xmlns:p14="http://schemas.microsoft.com/office/powerpoint/2010/main" val="219488108"/>
+        <p14:creationId xmlns:p14="http://schemas.microsoft.com/office/powerpoint/2010/main" val="4232763597"/>
       </p:ext>
     </p:extLst>
   </p:cSld>
@@ -4837,12 +4576,147 @@
           <a:chExt cx="0" cy="0"/>
         </a:xfrm>
       </p:grpSpPr>
+      <p:sp>
+        <p:nvSpPr>
+          <p:cNvPr id="2" name="Titolo 1">
+            <a:extLst>
+              <a:ext uri="{FF2B5EF4-FFF2-40B4-BE49-F238E27FC236}">
+                <a16:creationId xmlns:a16="http://schemas.microsoft.com/office/drawing/2014/main" xmlns="" id="{480A040A-9848-44CC-9C7A-10EB990E1F3B}"/>
+              </a:ext>
+            </a:extLst>
+          </p:cNvPr>
+          <p:cNvSpPr>
+            <a:spLocks noGrp="1"/>
+          </p:cNvSpPr>
+          <p:nvPr>
+            <p:ph type="title"/>
+          </p:nvPr>
+        </p:nvSpPr>
+        <p:spPr/>
+        <p:txBody>
+          <a:bodyPr/>
+          <a:lstStyle/>
+          <a:p>
+            <a:r>
+              <a:rPr lang="it-IT" dirty="0"/>
+              <a:t>HTTP: </a:t>
+            </a:r>
+            <a:r>
+              <a:rPr lang="it-IT" b="1" dirty="0" err="1">
+                <a:solidFill>
+                  <a:srgbClr val="FF0000"/>
+                </a:solidFill>
+              </a:rPr>
+              <a:t>H</a:t>
+            </a:r>
+            <a:r>
+              <a:rPr lang="it-IT" dirty="0" err="1"/>
+              <a:t>yper</a:t>
+            </a:r>
+            <a:r>
+              <a:rPr lang="it-IT" b="1" dirty="0" err="1">
+                <a:solidFill>
+                  <a:srgbClr val="FF0000"/>
+                </a:solidFill>
+              </a:rPr>
+              <a:t>T</a:t>
+            </a:r>
+            <a:r>
+              <a:rPr lang="it-IT" dirty="0" err="1"/>
+              <a:t>ext</a:t>
+            </a:r>
+            <a:r>
+              <a:rPr lang="it-IT" dirty="0"/>
+              <a:t> </a:t>
+            </a:r>
+            <a:r>
+              <a:rPr lang="it-IT" b="1" dirty="0">
+                <a:solidFill>
+                  <a:srgbClr val="FF0000"/>
+                </a:solidFill>
+              </a:rPr>
+              <a:t>T</a:t>
+            </a:r>
+            <a:r>
+              <a:rPr lang="it-IT" dirty="0"/>
+              <a:t>ransfer </a:t>
+            </a:r>
+            <a:r>
+              <a:rPr lang="it-IT" b="1" dirty="0" err="1">
+                <a:solidFill>
+                  <a:srgbClr val="FF0000"/>
+                </a:solidFill>
+              </a:rPr>
+              <a:t>P</a:t>
+            </a:r>
+            <a:r>
+              <a:rPr lang="it-IT" dirty="0" err="1"/>
+              <a:t>rotocol</a:t>
+            </a:r>
+            <a:endParaRPr lang="en-US" dirty="0"/>
+          </a:p>
+        </p:txBody>
+      </p:sp>
+      <p:sp>
+        <p:nvSpPr>
+          <p:cNvPr id="3" name="Segnaposto contenuto 2">
+            <a:extLst>
+              <a:ext uri="{FF2B5EF4-FFF2-40B4-BE49-F238E27FC236}">
+                <a16:creationId xmlns:a16="http://schemas.microsoft.com/office/drawing/2014/main" xmlns="" id="{C92F087F-7CBF-4141-B27D-4AEBAEBB5CBD}"/>
+              </a:ext>
+            </a:extLst>
+          </p:cNvPr>
+          <p:cNvSpPr>
+            <a:spLocks noGrp="1"/>
+          </p:cNvSpPr>
+          <p:nvPr>
+            <p:ph idx="1"/>
+          </p:nvPr>
+        </p:nvSpPr>
+        <p:spPr>
+          <a:xfrm>
+            <a:off x="616132" y="1836285"/>
+            <a:ext cx="7678782" cy="2701345"/>
+          </a:xfrm>
+        </p:spPr>
+        <p:txBody>
+          <a:bodyPr/>
+          <a:lstStyle/>
+          <a:p>
+            <a:r>
+              <a:rPr lang="it-IT" dirty="0"/>
+              <a:t>REQUEST: richiedo una risorsa</a:t>
+            </a:r>
+          </a:p>
+          <a:p>
+            <a:pPr lvl="1"/>
+            <a:r>
+              <a:rPr lang="it-IT" dirty="0" err="1"/>
+              <a:t>Hostname:porta</a:t>
+            </a:r>
+            <a:endParaRPr lang="it-IT" dirty="0"/>
+          </a:p>
+          <a:p>
+            <a:pPr lvl="1"/>
+            <a:r>
+              <a:rPr lang="it-IT" dirty="0"/>
+              <a:t>Parametri</a:t>
+            </a:r>
+          </a:p>
+          <a:p>
+            <a:r>
+              <a:rPr lang="it-IT" dirty="0"/>
+              <a:t>RESPONSE: restituisce la risorsa richiesta</a:t>
+            </a:r>
+          </a:p>
+        </p:txBody>
+      </p:sp>
       <p:pic>
         <p:nvPicPr>
-          <p:cNvPr id="1034" name="Picture 10" descr="Risultati immagini per programming languages logo">
-            <a:extLst>
-              <a:ext uri="{FF2B5EF4-FFF2-40B4-BE49-F238E27FC236}">
-                <a16:creationId xmlns:a16="http://schemas.microsoft.com/office/drawing/2014/main" xmlns="" id="{BE65855C-0116-41DE-8393-CA5614AC420D}"/>
+          <p:cNvPr id="2054" name="Picture 6" descr="Risultati immagini per computer icon">
+            <a:extLst>
+              <a:ext uri="{FF2B5EF4-FFF2-40B4-BE49-F238E27FC236}">
+                <a16:creationId xmlns:a16="http://schemas.microsoft.com/office/drawing/2014/main" xmlns="" id="{449600E3-500A-417C-A2D3-7317A76CABF2}"/>
               </a:ext>
             </a:extLst>
           </p:cNvPr>
@@ -4866,8 +4740,8 @@
         </p:blipFill>
         <p:spPr bwMode="auto">
           <a:xfrm>
-            <a:off x="8071368" y="184862"/>
-            <a:ext cx="3924300" cy="2457450"/>
+            <a:off x="9813108" y="459246"/>
+            <a:ext cx="1877224" cy="1536599"/>
           </a:xfrm>
           <a:prstGeom prst="rect">
             <a:avLst/>
@@ -4884,12 +4758,186 @@
           </a:extLst>
         </p:spPr>
       </p:pic>
+      <p:sp>
+        <p:nvSpPr>
+          <p:cNvPr id="4" name="Freccia in giù 3">
+            <a:extLst>
+              <a:ext uri="{FF2B5EF4-FFF2-40B4-BE49-F238E27FC236}">
+                <a16:creationId xmlns:a16="http://schemas.microsoft.com/office/drawing/2014/main" xmlns="" id="{AAA95AA6-E636-42E9-9123-8A44A208A70E}"/>
+              </a:ext>
+            </a:extLst>
+          </p:cNvPr>
+          <p:cNvSpPr/>
+          <p:nvPr/>
+        </p:nvSpPr>
+        <p:spPr>
+          <a:xfrm>
+            <a:off x="9813108" y="2196902"/>
+            <a:ext cx="574766" cy="1933575"/>
+          </a:xfrm>
+          <a:prstGeom prst="downArrow">
+            <a:avLst/>
+          </a:prstGeom>
+        </p:spPr>
+        <p:style>
+          <a:lnRef idx="2">
+            <a:schemeClr val="accent1">
+              <a:shade val="50000"/>
+            </a:schemeClr>
+          </a:lnRef>
+          <a:fillRef idx="1">
+            <a:schemeClr val="accent1"/>
+          </a:fillRef>
+          <a:effectRef idx="0">
+            <a:schemeClr val="accent1"/>
+          </a:effectRef>
+          <a:fontRef idx="minor">
+            <a:schemeClr val="lt1"/>
+          </a:fontRef>
+        </p:style>
+        <p:txBody>
+          <a:bodyPr rtlCol="0" anchor="ctr"/>
+          <a:lstStyle/>
+          <a:p>
+            <a:pPr algn="ctr"/>
+            <a:endParaRPr lang="en-US"/>
+          </a:p>
+        </p:txBody>
+      </p:sp>
+      <p:sp>
+        <p:nvSpPr>
+          <p:cNvPr id="8" name="Freccia in giù 7">
+            <a:extLst>
+              <a:ext uri="{FF2B5EF4-FFF2-40B4-BE49-F238E27FC236}">
+                <a16:creationId xmlns:a16="http://schemas.microsoft.com/office/drawing/2014/main" xmlns="" id="{E2B4C734-708B-421B-96B9-56B67C650DEE}"/>
+              </a:ext>
+            </a:extLst>
+          </p:cNvPr>
+          <p:cNvSpPr/>
+          <p:nvPr/>
+        </p:nvSpPr>
+        <p:spPr>
+          <a:xfrm rot="10800000">
+            <a:off x="11115566" y="2183705"/>
+            <a:ext cx="574766" cy="1933575"/>
+          </a:xfrm>
+          <a:prstGeom prst="downArrow">
+            <a:avLst/>
+          </a:prstGeom>
+        </p:spPr>
+        <p:style>
+          <a:lnRef idx="2">
+            <a:schemeClr val="accent1">
+              <a:shade val="50000"/>
+            </a:schemeClr>
+          </a:lnRef>
+          <a:fillRef idx="1">
+            <a:schemeClr val="accent1"/>
+          </a:fillRef>
+          <a:effectRef idx="0">
+            <a:schemeClr val="accent1"/>
+          </a:effectRef>
+          <a:fontRef idx="minor">
+            <a:schemeClr val="lt1"/>
+          </a:fontRef>
+        </p:style>
+        <p:txBody>
+          <a:bodyPr rtlCol="0" anchor="ctr"/>
+          <a:lstStyle/>
+          <a:p>
+            <a:pPr algn="ctr"/>
+            <a:endParaRPr lang="en-US"/>
+          </a:p>
+        </p:txBody>
+      </p:sp>
+      <p:sp>
+        <p:nvSpPr>
+          <p:cNvPr id="5" name="CasellaDiTesto 4">
+            <a:extLst>
+              <a:ext uri="{FF2B5EF4-FFF2-40B4-BE49-F238E27FC236}">
+                <a16:creationId xmlns:a16="http://schemas.microsoft.com/office/drawing/2014/main" xmlns="" id="{3A6E2C4F-48C6-48A6-8726-838ED3496690}"/>
+              </a:ext>
+            </a:extLst>
+          </p:cNvPr>
+          <p:cNvSpPr txBox="1"/>
+          <p:nvPr/>
+        </p:nvSpPr>
+        <p:spPr>
+          <a:xfrm>
+            <a:off x="541184" y="4544354"/>
+            <a:ext cx="7378337" cy="1200329"/>
+          </a:xfrm>
+          <a:prstGeom prst="rect">
+            <a:avLst/>
+          </a:prstGeom>
+          <a:noFill/>
+        </p:spPr>
+        <p:txBody>
+          <a:bodyPr wrap="square" rtlCol="0">
+            <a:spAutoFit/>
+          </a:bodyPr>
+          <a:lstStyle/>
+          <a:p>
+            <a:r>
+              <a:rPr lang="it-IT" b="1" dirty="0" err="1"/>
+              <a:t>Request</a:t>
+            </a:r>
+            <a:r>
+              <a:rPr lang="it-IT" dirty="0"/>
+              <a:t>: </a:t>
+            </a:r>
+            <a:r>
+              <a:rPr lang="it-IT" dirty="0" err="1"/>
+              <a:t>Hey</a:t>
+            </a:r>
+            <a:r>
+              <a:rPr lang="it-IT" dirty="0"/>
+              <a:t> Netflix, dammi questo film!</a:t>
+            </a:r>
+          </a:p>
+          <a:p>
+            <a:pPr marL="742950" lvl="1" indent="-285750">
+              <a:buFont typeface="Arial" panose="020B0604020202020204" pitchFamily="34" charset="0"/>
+              <a:buChar char="•"/>
+            </a:pPr>
+            <a:r>
+              <a:rPr lang="it-IT" dirty="0" err="1"/>
+              <a:t>Hostname</a:t>
+            </a:r>
+            <a:r>
+              <a:rPr lang="it-IT" dirty="0"/>
+              <a:t>: netflix.com</a:t>
+            </a:r>
+          </a:p>
+          <a:p>
+            <a:pPr marL="742950" lvl="1" indent="-285750">
+              <a:buFont typeface="Arial" panose="020B0604020202020204" pitchFamily="34" charset="0"/>
+              <a:buChar char="•"/>
+            </a:pPr>
+            <a:r>
+              <a:rPr lang="it-IT" dirty="0"/>
+              <a:t>Parametro: il nome del film</a:t>
+            </a:r>
+          </a:p>
+          <a:p>
+            <a:r>
+              <a:rPr lang="it-IT" b="1" dirty="0" err="1"/>
+              <a:t>Response</a:t>
+            </a:r>
+            <a:r>
+              <a:rPr lang="it-IT" dirty="0"/>
+              <a:t>: Ciao, ecco il file MP4</a:t>
+            </a:r>
+            <a:endParaRPr lang="en-US" dirty="0"/>
+          </a:p>
+        </p:txBody>
+      </p:sp>
       <p:pic>
         <p:nvPicPr>
-          <p:cNvPr id="1036" name="Picture 12" descr="Risultati immagini per python logo">
-            <a:extLst>
-              <a:ext uri="{FF2B5EF4-FFF2-40B4-BE49-F238E27FC236}">
-                <a16:creationId xmlns:a16="http://schemas.microsoft.com/office/drawing/2014/main" xmlns="" id="{6CEDB9DF-0F86-4867-AEBD-DCEABF503862}"/>
+          <p:cNvPr id="10" name="Picture 30" descr="Risultati immagini per icon netflix">
+            <a:extLst>
+              <a:ext uri="{FF2B5EF4-FFF2-40B4-BE49-F238E27FC236}">
+                <a16:creationId xmlns:a16="http://schemas.microsoft.com/office/drawing/2014/main" xmlns="" id="{92CC2AD3-4A06-4423-AB35-5CDF6421F736}"/>
               </a:ext>
             </a:extLst>
           </p:cNvPr>
@@ -4898,7 +4946,7 @@
           </p:cNvPicPr>
           <p:nvPr/>
         </p:nvPicPr>
-        <p:blipFill rotWithShape="1">
+        <p:blipFill>
           <a:blip r:embed="rId3">
             <a:extLst>
               <a:ext uri="{28A0092B-C50C-407E-A947-70E740481C1C}">
@@ -4906,13 +4954,15 @@
               </a:ext>
             </a:extLst>
           </a:blip>
-          <a:srcRect l="11390" t="13563" r="5331" b="15463"/>
-          <a:stretch/>
+          <a:srcRect/>
+          <a:stretch>
+            <a:fillRect/>
+          </a:stretch>
         </p:blipFill>
         <p:spPr bwMode="auto">
           <a:xfrm>
-            <a:off x="496251" y="290121"/>
-            <a:ext cx="3924300" cy="1123466"/>
+            <a:off x="9852623" y="4242805"/>
+            <a:ext cx="1798193" cy="1798193"/>
           </a:xfrm>
           <a:prstGeom prst="rect">
             <a:avLst/>
@@ -4929,193 +4979,10 @@
           </a:extLst>
         </p:spPr>
       </p:pic>
-      <p:sp>
-        <p:nvSpPr>
-          <p:cNvPr id="8" name="CasellaDiTesto 7">
-            <a:extLst>
-              <a:ext uri="{FF2B5EF4-FFF2-40B4-BE49-F238E27FC236}">
-                <a16:creationId xmlns:a16="http://schemas.microsoft.com/office/drawing/2014/main" xmlns="" id="{8F24807D-2CA7-458F-9E52-7A4641BCC891}"/>
-              </a:ext>
-            </a:extLst>
-          </p:cNvPr>
-          <p:cNvSpPr txBox="1"/>
-          <p:nvPr/>
-        </p:nvSpPr>
-        <p:spPr>
-          <a:xfrm>
-            <a:off x="4994987" y="2290194"/>
-            <a:ext cx="2202025" cy="646331"/>
-          </a:xfrm>
-          <a:prstGeom prst="rect">
-            <a:avLst/>
-          </a:prstGeom>
-          <a:noFill/>
-        </p:spPr>
-        <p:txBody>
-          <a:bodyPr wrap="square" rtlCol="0">
-            <a:spAutoFit/>
-          </a:bodyPr>
-          <a:lstStyle/>
-          <a:p>
-            <a:r>
-              <a:rPr lang="it-IT" dirty="0" err="1"/>
-              <a:t>def</a:t>
-            </a:r>
-            <a:r>
-              <a:rPr lang="it-IT" dirty="0"/>
-              <a:t> </a:t>
-            </a:r>
-            <a:r>
-              <a:rPr lang="it-IT" dirty="0" err="1"/>
-              <a:t>square</a:t>
-            </a:r>
-            <a:r>
-              <a:rPr lang="it-IT" dirty="0"/>
-              <a:t>(x):</a:t>
-            </a:r>
-          </a:p>
-          <a:p>
-            <a:r>
-              <a:rPr lang="it-IT" dirty="0"/>
-              <a:t>    </a:t>
-            </a:r>
-            <a:r>
-              <a:rPr lang="it-IT" dirty="0" err="1"/>
-              <a:t>return</a:t>
-            </a:r>
-            <a:r>
-              <a:rPr lang="it-IT" dirty="0"/>
-              <a:t> x*x</a:t>
-            </a:r>
-            <a:endParaRPr lang="en-US" dirty="0"/>
-          </a:p>
-        </p:txBody>
-      </p:sp>
-      <p:sp>
-        <p:nvSpPr>
-          <p:cNvPr id="11" name="Rettangolo ad angolo ripiegato 10">
-            <a:extLst>
-              <a:ext uri="{FF2B5EF4-FFF2-40B4-BE49-F238E27FC236}">
-                <a16:creationId xmlns:a16="http://schemas.microsoft.com/office/drawing/2014/main" xmlns="" id="{A0F85BFB-F40C-4A04-854E-1218CC18128D}"/>
-              </a:ext>
-            </a:extLst>
-          </p:cNvPr>
-          <p:cNvSpPr/>
-          <p:nvPr/>
-        </p:nvSpPr>
-        <p:spPr>
-          <a:xfrm>
-            <a:off x="496251" y="2290194"/>
-            <a:ext cx="3924300" cy="3212984"/>
-          </a:xfrm>
-          <a:prstGeom prst="foldedCorner">
-            <a:avLst>
-              <a:gd name="adj" fmla="val 17000"/>
-            </a:avLst>
-          </a:prstGeom>
-        </p:spPr>
-        <p:style>
-          <a:lnRef idx="2">
-            <a:schemeClr val="accent2">
-              <a:shade val="50000"/>
-            </a:schemeClr>
-          </a:lnRef>
-          <a:fillRef idx="1">
-            <a:schemeClr val="accent2"/>
-          </a:fillRef>
-          <a:effectRef idx="0">
-            <a:schemeClr val="accent2"/>
-          </a:effectRef>
-          <a:fontRef idx="minor">
-            <a:schemeClr val="lt1"/>
-          </a:fontRef>
-        </p:style>
-        <p:txBody>
-          <a:bodyPr rtlCol="0" anchor="ctr"/>
-          <a:lstStyle/>
-          <a:p>
-            <a:r>
-              <a:rPr lang="it-IT" dirty="0"/>
-              <a:t>Variabili, Assegnazione</a:t>
-            </a:r>
-          </a:p>
-          <a:p>
-            <a:r>
-              <a:rPr lang="it-IT" dirty="0"/>
-              <a:t>For, </a:t>
-            </a:r>
-            <a:r>
-              <a:rPr lang="it-IT" dirty="0" err="1"/>
-              <a:t>while</a:t>
-            </a:r>
-            <a:r>
-              <a:rPr lang="it-IT" dirty="0"/>
-              <a:t>, </a:t>
-            </a:r>
-            <a:r>
-              <a:rPr lang="it-IT" dirty="0" err="1"/>
-              <a:t>until</a:t>
-            </a:r>
-            <a:endParaRPr lang="it-IT" dirty="0"/>
-          </a:p>
-          <a:p>
-            <a:endParaRPr lang="it-IT" dirty="0"/>
-          </a:p>
-          <a:p>
-            <a:r>
-              <a:rPr lang="it-IT" dirty="0"/>
-              <a:t> Librerie (noduli)</a:t>
-            </a:r>
-          </a:p>
-          <a:p>
-            <a:pPr marL="742950" lvl="1" indent="-285750">
-              <a:buFont typeface="Arial" panose="020B0604020202020204" pitchFamily="34" charset="0"/>
-              <a:buChar char="•"/>
-            </a:pPr>
-            <a:r>
-              <a:rPr lang="it-IT" dirty="0"/>
-              <a:t>Math</a:t>
-            </a:r>
-          </a:p>
-          <a:p>
-            <a:pPr marL="742950" lvl="1" indent="-285750">
-              <a:buFont typeface="Arial" panose="020B0604020202020204" pitchFamily="34" charset="0"/>
-              <a:buChar char="•"/>
-            </a:pPr>
-            <a:r>
-              <a:rPr lang="it-IT" dirty="0" err="1"/>
-              <a:t>PyGame</a:t>
-            </a:r>
-            <a:endParaRPr lang="it-IT" dirty="0"/>
-          </a:p>
-          <a:p>
-            <a:pPr marL="742950" lvl="1" indent="-285750">
-              <a:buFont typeface="Arial" panose="020B0604020202020204" pitchFamily="34" charset="0"/>
-              <a:buChar char="•"/>
-            </a:pPr>
-            <a:r>
-              <a:rPr lang="it-IT" dirty="0" err="1"/>
-              <a:t>SqlAlchemy</a:t>
-            </a:r>
-            <a:endParaRPr lang="it-IT" dirty="0"/>
-          </a:p>
-          <a:p>
-            <a:pPr marL="742950" lvl="1" indent="-285750">
-              <a:buFont typeface="Arial" panose="020B0604020202020204" pitchFamily="34" charset="0"/>
-              <a:buChar char="•"/>
-            </a:pPr>
-            <a:r>
-              <a:rPr lang="it-IT" dirty="0" err="1"/>
-              <a:t>Requests</a:t>
-            </a:r>
-            <a:endParaRPr lang="it-IT" dirty="0"/>
-          </a:p>
-        </p:txBody>
-      </p:sp>
     </p:spTree>
     <p:extLst>
       <p:ext uri="{BB962C8B-B14F-4D97-AF65-F5344CB8AC3E}">
-        <p14:creationId xmlns:p14="http://schemas.microsoft.com/office/powerpoint/2010/main" val="1505977337"/>
+        <p14:creationId xmlns:p14="http://schemas.microsoft.com/office/powerpoint/2010/main" val="219488108"/>
       </p:ext>
     </p:extLst>
   </p:cSld>
@@ -5142,191 +5009,12 @@
           <a:chExt cx="0" cy="0"/>
         </a:xfrm>
       </p:grpSpPr>
-      <p:sp>
-        <p:nvSpPr>
-          <p:cNvPr id="2" name="Titolo 1">
-            <a:extLst>
-              <a:ext uri="{FF2B5EF4-FFF2-40B4-BE49-F238E27FC236}">
-                <a16:creationId xmlns:a16="http://schemas.microsoft.com/office/drawing/2014/main" xmlns="" id="{E2220210-11AC-43AF-8BCD-F69A44056502}"/>
-              </a:ext>
-            </a:extLst>
-          </p:cNvPr>
-          <p:cNvSpPr>
-            <a:spLocks noGrp="1"/>
-          </p:cNvSpPr>
-          <p:nvPr>
-            <p:ph type="title"/>
-          </p:nvPr>
-        </p:nvSpPr>
-        <p:spPr/>
-        <p:txBody>
-          <a:bodyPr/>
-          <a:lstStyle/>
-          <a:p>
-            <a:r>
-              <a:rPr lang="it-IT" dirty="0"/>
-              <a:t>Modulo </a:t>
-            </a:r>
-            <a:r>
-              <a:rPr lang="it-IT" dirty="0" err="1"/>
-              <a:t>Requests</a:t>
-            </a:r>
-            <a:endParaRPr lang="en-US" dirty="0"/>
-          </a:p>
-        </p:txBody>
-      </p:sp>
-      <p:sp>
-        <p:nvSpPr>
-          <p:cNvPr id="3" name="Segnaposto contenuto 2">
-            <a:extLst>
-              <a:ext uri="{FF2B5EF4-FFF2-40B4-BE49-F238E27FC236}">
-                <a16:creationId xmlns:a16="http://schemas.microsoft.com/office/drawing/2014/main" xmlns="" id="{5D217B2F-E17C-4F94-8C2D-9D58067A3DB5}"/>
-              </a:ext>
-            </a:extLst>
-          </p:cNvPr>
-          <p:cNvSpPr>
-            <a:spLocks noGrp="1"/>
-          </p:cNvSpPr>
-          <p:nvPr>
-            <p:ph idx="1"/>
-          </p:nvPr>
-        </p:nvSpPr>
-        <p:spPr>
-          <a:xfrm>
-            <a:off x="838200" y="2368241"/>
-            <a:ext cx="10515600" cy="4351338"/>
-          </a:xfrm>
-        </p:spPr>
-        <p:txBody>
-          <a:bodyPr/>
-          <a:lstStyle/>
-          <a:p>
-            <a:pPr marL="514350" indent="-514350">
-              <a:buFont typeface="+mj-lt"/>
-              <a:buAutoNum type="arabicPeriod"/>
-            </a:pPr>
-            <a:r>
-              <a:rPr lang="it-IT" dirty="0"/>
-              <a:t>import </a:t>
-            </a:r>
-            <a:r>
-              <a:rPr lang="it-IT" dirty="0" err="1"/>
-              <a:t>requests</a:t>
-            </a:r>
-            <a:endParaRPr lang="it-IT" dirty="0"/>
-          </a:p>
-          <a:p>
-            <a:pPr marL="514350" indent="-514350">
-              <a:buFont typeface="+mj-lt"/>
-              <a:buAutoNum type="arabicPeriod"/>
-            </a:pPr>
-            <a:r>
-              <a:rPr lang="it-IT" dirty="0" err="1"/>
-              <a:t>url_input</a:t>
-            </a:r>
-            <a:r>
-              <a:rPr lang="it-IT" dirty="0"/>
-              <a:t> = </a:t>
-            </a:r>
-            <a:r>
-              <a:rPr lang="en-US" dirty="0"/>
-              <a:t>“</a:t>
-            </a:r>
-            <a:r>
-              <a:rPr lang="en-US" dirty="0" err="1"/>
-              <a:t>hostname:porta</a:t>
-            </a:r>
-            <a:r>
-              <a:rPr lang="en-US" dirty="0"/>
-              <a:t>”</a:t>
-            </a:r>
-          </a:p>
-          <a:p>
-            <a:pPr marL="514350" indent="-514350">
-              <a:buFont typeface="+mj-lt"/>
-              <a:buAutoNum type="arabicPeriod"/>
-            </a:pPr>
-            <a:r>
-              <a:rPr lang="en-US" dirty="0" err="1"/>
-              <a:t>parametri</a:t>
-            </a:r>
-            <a:r>
-              <a:rPr lang="en-US" dirty="0"/>
-              <a:t>=</a:t>
-            </a:r>
-            <a:r>
-              <a:rPr lang="en-US" dirty="0" err="1"/>
-              <a:t>dict</a:t>
-            </a:r>
-            <a:r>
-              <a:rPr lang="en-US" dirty="0"/>
-              <a:t>(key1=value1,key2=value2)</a:t>
-            </a:r>
-          </a:p>
-          <a:p>
-            <a:pPr marL="514350" indent="-514350">
-              <a:buFont typeface="+mj-lt"/>
-              <a:buAutoNum type="arabicPeriod"/>
-            </a:pPr>
-            <a:r>
-              <a:rPr lang="en-US" dirty="0"/>
-              <a:t>res = </a:t>
-            </a:r>
-            <a:r>
-              <a:rPr lang="en-US" dirty="0" err="1"/>
-              <a:t>requests.get</a:t>
-            </a:r>
-            <a:r>
-              <a:rPr lang="en-US" dirty="0"/>
-              <a:t>(</a:t>
-            </a:r>
-            <a:r>
-              <a:rPr lang="en-US" dirty="0" err="1"/>
-              <a:t>url</a:t>
-            </a:r>
-            <a:r>
-              <a:rPr lang="en-US" dirty="0"/>
-              <a:t>=</a:t>
-            </a:r>
-            <a:r>
-              <a:rPr lang="en-US" dirty="0" err="1"/>
-              <a:t>url_input,params</a:t>
-            </a:r>
-            <a:r>
-              <a:rPr lang="en-US" dirty="0"/>
-              <a:t>=</a:t>
-            </a:r>
-            <a:r>
-              <a:rPr lang="en-US" dirty="0" err="1"/>
-              <a:t>parametri</a:t>
-            </a:r>
-            <a:r>
-              <a:rPr lang="en-US" dirty="0"/>
-              <a:t>)</a:t>
-            </a:r>
-          </a:p>
-          <a:p>
-            <a:pPr marL="514350" indent="-514350">
-              <a:buFont typeface="+mj-lt"/>
-              <a:buAutoNum type="arabicPeriod"/>
-            </a:pPr>
-            <a:r>
-              <a:rPr lang="en-US" dirty="0" err="1"/>
-              <a:t>res.json</a:t>
-            </a:r>
-            <a:r>
-              <a:rPr lang="en-US" dirty="0"/>
-              <a:t>()</a:t>
-            </a:r>
-          </a:p>
-        </p:txBody>
-      </p:sp>
       <p:pic>
         <p:nvPicPr>
-          <p:cNvPr id="2052" name="Picture 4" descr="Risultati immagini per angel vs devil">
-            <a:extLst>
-              <a:ext uri="{FF2B5EF4-FFF2-40B4-BE49-F238E27FC236}">
-                <a16:creationId xmlns:a16="http://schemas.microsoft.com/office/drawing/2014/main" xmlns="" id="{7129121A-B780-4A15-BCA6-F2BCFE0C5283}"/>
+          <p:cNvPr id="1034" name="Picture 10" descr="Risultati immagini per programming languages logo">
+            <a:extLst>
+              <a:ext uri="{FF2B5EF4-FFF2-40B4-BE49-F238E27FC236}">
+                <a16:creationId xmlns:a16="http://schemas.microsoft.com/office/drawing/2014/main" xmlns="" id="{BE65855C-0116-41DE-8393-CA5614AC420D}"/>
               </a:ext>
             </a:extLst>
           </p:cNvPr>
@@ -5350,8 +5038,8 @@
         </p:blipFill>
         <p:spPr bwMode="auto">
           <a:xfrm>
-            <a:off x="7109927" y="138420"/>
-            <a:ext cx="4889239" cy="2753163"/>
+            <a:off x="8071368" y="184862"/>
+            <a:ext cx="3924300" cy="2457450"/>
           </a:xfrm>
           <a:prstGeom prst="rect">
             <a:avLst/>
@@ -5368,10 +5056,238 @@
           </a:extLst>
         </p:spPr>
       </p:pic>
+      <p:pic>
+        <p:nvPicPr>
+          <p:cNvPr id="1036" name="Picture 12" descr="Risultati immagini per python logo">
+            <a:extLst>
+              <a:ext uri="{FF2B5EF4-FFF2-40B4-BE49-F238E27FC236}">
+                <a16:creationId xmlns:a16="http://schemas.microsoft.com/office/drawing/2014/main" xmlns="" id="{6CEDB9DF-0F86-4867-AEBD-DCEABF503862}"/>
+              </a:ext>
+            </a:extLst>
+          </p:cNvPr>
+          <p:cNvPicPr>
+            <a:picLocks noChangeAspect="1" noChangeArrowheads="1"/>
+          </p:cNvPicPr>
+          <p:nvPr/>
+        </p:nvPicPr>
+        <p:blipFill rotWithShape="1">
+          <a:blip r:embed="rId3">
+            <a:extLst>
+              <a:ext uri="{28A0092B-C50C-407E-A947-70E740481C1C}">
+                <a14:useLocalDpi xmlns:a14="http://schemas.microsoft.com/office/drawing/2010/main" val="0"/>
+              </a:ext>
+            </a:extLst>
+          </a:blip>
+          <a:srcRect l="11390" t="13563" r="5331" b="15463"/>
+          <a:stretch/>
+        </p:blipFill>
+        <p:spPr bwMode="auto">
+          <a:xfrm>
+            <a:off x="496251" y="290121"/>
+            <a:ext cx="3924300" cy="1123466"/>
+          </a:xfrm>
+          <a:prstGeom prst="rect">
+            <a:avLst/>
+          </a:prstGeom>
+          <a:noFill/>
+          <a:extLst>
+            <a:ext uri="{909E8E84-426E-40DD-AFC4-6F175D3DCCD1}">
+              <a14:hiddenFill xmlns:a14="http://schemas.microsoft.com/office/drawing/2010/main">
+                <a:solidFill>
+                  <a:srgbClr val="FFFFFF"/>
+                </a:solidFill>
+              </a14:hiddenFill>
+            </a:ext>
+          </a:extLst>
+        </p:spPr>
+      </p:pic>
+      <p:sp>
+        <p:nvSpPr>
+          <p:cNvPr id="8" name="CasellaDiTesto 7">
+            <a:extLst>
+              <a:ext uri="{FF2B5EF4-FFF2-40B4-BE49-F238E27FC236}">
+                <a16:creationId xmlns:a16="http://schemas.microsoft.com/office/drawing/2014/main" xmlns="" id="{8F24807D-2CA7-458F-9E52-7A4641BCC891}"/>
+              </a:ext>
+            </a:extLst>
+          </p:cNvPr>
+          <p:cNvSpPr txBox="1"/>
+          <p:nvPr/>
+        </p:nvSpPr>
+        <p:spPr>
+          <a:xfrm>
+            <a:off x="4994987" y="2290194"/>
+            <a:ext cx="2202025" cy="646331"/>
+          </a:xfrm>
+          <a:prstGeom prst="rect">
+            <a:avLst/>
+          </a:prstGeom>
+          <a:noFill/>
+        </p:spPr>
+        <p:txBody>
+          <a:bodyPr wrap="square" rtlCol="0">
+            <a:spAutoFit/>
+          </a:bodyPr>
+          <a:lstStyle/>
+          <a:p>
+            <a:r>
+              <a:rPr lang="it-IT" dirty="0" err="1"/>
+              <a:t>def</a:t>
+            </a:r>
+            <a:r>
+              <a:rPr lang="it-IT" dirty="0"/>
+              <a:t> </a:t>
+            </a:r>
+            <a:r>
+              <a:rPr lang="it-IT" dirty="0" err="1"/>
+              <a:t>square</a:t>
+            </a:r>
+            <a:r>
+              <a:rPr lang="it-IT" dirty="0"/>
+              <a:t>(x):</a:t>
+            </a:r>
+          </a:p>
+          <a:p>
+            <a:r>
+              <a:rPr lang="it-IT" dirty="0"/>
+              <a:t>    </a:t>
+            </a:r>
+            <a:r>
+              <a:rPr lang="it-IT" dirty="0" err="1"/>
+              <a:t>return</a:t>
+            </a:r>
+            <a:r>
+              <a:rPr lang="it-IT" dirty="0"/>
+              <a:t> x*x</a:t>
+            </a:r>
+            <a:endParaRPr lang="en-US" dirty="0"/>
+          </a:p>
+        </p:txBody>
+      </p:sp>
+      <p:sp>
+        <p:nvSpPr>
+          <p:cNvPr id="11" name="Rettangolo ad angolo ripiegato 10">
+            <a:extLst>
+              <a:ext uri="{FF2B5EF4-FFF2-40B4-BE49-F238E27FC236}">
+                <a16:creationId xmlns:a16="http://schemas.microsoft.com/office/drawing/2014/main" xmlns="" id="{A0F85BFB-F40C-4A04-854E-1218CC18128D}"/>
+              </a:ext>
+            </a:extLst>
+          </p:cNvPr>
+          <p:cNvSpPr/>
+          <p:nvPr/>
+        </p:nvSpPr>
+        <p:spPr>
+          <a:xfrm>
+            <a:off x="496251" y="2290194"/>
+            <a:ext cx="3924300" cy="3212984"/>
+          </a:xfrm>
+          <a:prstGeom prst="foldedCorner">
+            <a:avLst>
+              <a:gd name="adj" fmla="val 17000"/>
+            </a:avLst>
+          </a:prstGeom>
+        </p:spPr>
+        <p:style>
+          <a:lnRef idx="2">
+            <a:schemeClr val="accent2">
+              <a:shade val="50000"/>
+            </a:schemeClr>
+          </a:lnRef>
+          <a:fillRef idx="1">
+            <a:schemeClr val="accent2"/>
+          </a:fillRef>
+          <a:effectRef idx="0">
+            <a:schemeClr val="accent2"/>
+          </a:effectRef>
+          <a:fontRef idx="minor">
+            <a:schemeClr val="lt1"/>
+          </a:fontRef>
+        </p:style>
+        <p:txBody>
+          <a:bodyPr rtlCol="0" anchor="ctr"/>
+          <a:lstStyle/>
+          <a:p>
+            <a:r>
+              <a:rPr lang="it-IT" dirty="0"/>
+              <a:t>Variabili, Assegnazione</a:t>
+            </a:r>
+          </a:p>
+          <a:p>
+            <a:r>
+              <a:rPr lang="it-IT" dirty="0"/>
+              <a:t>For, </a:t>
+            </a:r>
+            <a:r>
+              <a:rPr lang="it-IT" dirty="0" err="1"/>
+              <a:t>while</a:t>
+            </a:r>
+            <a:r>
+              <a:rPr lang="it-IT" dirty="0"/>
+              <a:t>, </a:t>
+            </a:r>
+            <a:r>
+              <a:rPr lang="it-IT" dirty="0" err="1"/>
+              <a:t>until</a:t>
+            </a:r>
+            <a:endParaRPr lang="it-IT" dirty="0"/>
+          </a:p>
+          <a:p>
+            <a:endParaRPr lang="it-IT" dirty="0"/>
+          </a:p>
+          <a:p>
+            <a:r>
+              <a:rPr lang="it-IT" dirty="0"/>
+              <a:t> Librerie (noduli)</a:t>
+            </a:r>
+          </a:p>
+          <a:p>
+            <a:pPr marL="742950" lvl="1" indent="-285750">
+              <a:buFont typeface="Arial" panose="020B0604020202020204" pitchFamily="34" charset="0"/>
+              <a:buChar char="•"/>
+            </a:pPr>
+            <a:r>
+              <a:rPr lang="it-IT" dirty="0"/>
+              <a:t>Math</a:t>
+            </a:r>
+          </a:p>
+          <a:p>
+            <a:pPr marL="742950" lvl="1" indent="-285750">
+              <a:buFont typeface="Arial" panose="020B0604020202020204" pitchFamily="34" charset="0"/>
+              <a:buChar char="•"/>
+            </a:pPr>
+            <a:r>
+              <a:rPr lang="it-IT" dirty="0" err="1"/>
+              <a:t>PyGame</a:t>
+            </a:r>
+            <a:endParaRPr lang="it-IT" dirty="0"/>
+          </a:p>
+          <a:p>
+            <a:pPr marL="742950" lvl="1" indent="-285750">
+              <a:buFont typeface="Arial" panose="020B0604020202020204" pitchFamily="34" charset="0"/>
+              <a:buChar char="•"/>
+            </a:pPr>
+            <a:r>
+              <a:rPr lang="it-IT" dirty="0" err="1"/>
+              <a:t>SqlAlchemy</a:t>
+            </a:r>
+            <a:endParaRPr lang="it-IT" dirty="0"/>
+          </a:p>
+          <a:p>
+            <a:pPr marL="742950" lvl="1" indent="-285750">
+              <a:buFont typeface="Arial" panose="020B0604020202020204" pitchFamily="34" charset="0"/>
+              <a:buChar char="•"/>
+            </a:pPr>
+            <a:r>
+              <a:rPr lang="it-IT" dirty="0" err="1"/>
+              <a:t>Requests</a:t>
+            </a:r>
+            <a:endParaRPr lang="it-IT" dirty="0"/>
+          </a:p>
+        </p:txBody>
+      </p:sp>
     </p:spTree>
     <p:extLst>
       <p:ext uri="{BB962C8B-B14F-4D97-AF65-F5344CB8AC3E}">
-        <p14:creationId xmlns:p14="http://schemas.microsoft.com/office/powerpoint/2010/main" val="80727221"/>
+        <p14:creationId xmlns:p14="http://schemas.microsoft.com/office/powerpoint/2010/main" val="1505977337"/>
       </p:ext>
     </p:extLst>
   </p:cSld>
@@ -5403,7 +5319,7 @@
           <p:cNvPr id="2" name="Titolo 1">
             <a:extLst>
               <a:ext uri="{FF2B5EF4-FFF2-40B4-BE49-F238E27FC236}">
-                <a16:creationId xmlns:a16="http://schemas.microsoft.com/office/drawing/2014/main" xmlns="" id="{1AD1C0FE-B220-4743-AC46-AF3741F5A463}"/>
+                <a16:creationId xmlns:a16="http://schemas.microsoft.com/office/drawing/2014/main" xmlns="" id="{E2220210-11AC-43AF-8BCD-F69A44056502}"/>
               </a:ext>
             </a:extLst>
           </p:cNvPr>
@@ -5412,364 +5328,182 @@
           </p:cNvSpPr>
           <p:nvPr>
             <p:ph type="title"/>
+          </p:nvPr>
+        </p:nvSpPr>
+        <p:spPr/>
+        <p:txBody>
+          <a:bodyPr/>
+          <a:lstStyle/>
+          <a:p>
+            <a:r>
+              <a:rPr lang="it-IT" dirty="0"/>
+              <a:t>Modulo </a:t>
+            </a:r>
+            <a:r>
+              <a:rPr lang="it-IT" dirty="0" err="1"/>
+              <a:t>Requests</a:t>
+            </a:r>
+            <a:endParaRPr lang="en-US" dirty="0"/>
+          </a:p>
+        </p:txBody>
+      </p:sp>
+      <p:sp>
+        <p:nvSpPr>
+          <p:cNvPr id="3" name="Segnaposto contenuto 2">
+            <a:extLst>
+              <a:ext uri="{FF2B5EF4-FFF2-40B4-BE49-F238E27FC236}">
+                <a16:creationId xmlns:a16="http://schemas.microsoft.com/office/drawing/2014/main" xmlns="" id="{5D217B2F-E17C-4F94-8C2D-9D58067A3DB5}"/>
+              </a:ext>
+            </a:extLst>
+          </p:cNvPr>
+          <p:cNvSpPr>
+            <a:spLocks noGrp="1"/>
+          </p:cNvSpPr>
+          <p:nvPr>
+            <p:ph idx="1"/>
           </p:nvPr>
         </p:nvSpPr>
         <p:spPr>
           <a:xfrm>
-            <a:off x="455645" y="365125"/>
-            <a:ext cx="10515600" cy="1325563"/>
+            <a:off x="838200" y="2368241"/>
+            <a:ext cx="10515600" cy="4351338"/>
           </a:xfrm>
         </p:spPr>
         <p:txBody>
           <a:bodyPr/>
           <a:lstStyle/>
           <a:p>
-            <a:r>
-              <a:rPr lang="it-IT" dirty="0"/>
-              <a:t>HTML = </a:t>
-            </a:r>
-            <a:r>
-              <a:rPr lang="it-IT" b="1" dirty="0" err="1">
-                <a:solidFill>
-                  <a:srgbClr val="FF0000"/>
-                </a:solidFill>
-              </a:rPr>
-              <a:t>H</a:t>
+            <a:pPr marL="514350" indent="-514350">
+              <a:buFont typeface="+mj-lt"/>
+              <a:buAutoNum type="arabicPeriod"/>
+            </a:pPr>
+            <a:r>
+              <a:rPr lang="it-IT" dirty="0"/>
+              <a:t>import </a:t>
             </a:r>
             <a:r>
               <a:rPr lang="it-IT" dirty="0" err="1"/>
-              <a:t>yper</a:t>
-            </a:r>
-            <a:r>
-              <a:rPr lang="it-IT" b="1" dirty="0" err="1">
-                <a:solidFill>
-                  <a:srgbClr val="FF0000"/>
-                </a:solidFill>
-              </a:rPr>
-              <a:t>T</a:t>
-            </a:r>
+              <a:t>requests</a:t>
+            </a:r>
+            <a:endParaRPr lang="it-IT" dirty="0"/>
+          </a:p>
+          <a:p>
+            <a:pPr marL="514350" indent="-514350">
+              <a:buFont typeface="+mj-lt"/>
+              <a:buAutoNum type="arabicPeriod"/>
+            </a:pPr>
             <a:r>
               <a:rPr lang="it-IT" dirty="0" err="1"/>
-              <a:t>ext</a:t>
-            </a:r>
-            <a:r>
-              <a:rPr lang="it-IT" dirty="0"/>
-              <a:t> </a:t>
-            </a:r>
-            <a:r>
-              <a:rPr lang="it-IT" b="1" dirty="0">
-                <a:solidFill>
-                  <a:srgbClr val="FF0000"/>
-                </a:solidFill>
-              </a:rPr>
-              <a:t>M</a:t>
-            </a:r>
-            <a:r>
-              <a:rPr lang="it-IT" dirty="0"/>
-              <a:t>arkup </a:t>
-            </a:r>
-            <a:r>
-              <a:rPr lang="it-IT" b="1" dirty="0">
-                <a:solidFill>
-                  <a:srgbClr val="FF0000"/>
-                </a:solidFill>
-              </a:rPr>
-              <a:t>L</a:t>
-            </a:r>
-            <a:r>
-              <a:rPr lang="it-IT" dirty="0"/>
-              <a:t>anguage</a:t>
-            </a:r>
-            <a:endParaRPr lang="en-US" dirty="0"/>
-          </a:p>
-        </p:txBody>
-      </p:sp>
-      <p:sp>
-        <p:nvSpPr>
-          <p:cNvPr id="3" name="Segnaposto contenuto 2">
-            <a:extLst>
-              <a:ext uri="{FF2B5EF4-FFF2-40B4-BE49-F238E27FC236}">
-                <a16:creationId xmlns:a16="http://schemas.microsoft.com/office/drawing/2014/main" xmlns="" id="{D3A7173D-AA56-4AEC-B69A-12B44E8BB3ED}"/>
-              </a:ext>
-            </a:extLst>
-          </p:cNvPr>
-          <p:cNvSpPr>
-            <a:spLocks noGrp="1"/>
-          </p:cNvSpPr>
-          <p:nvPr>
-            <p:ph idx="1"/>
-          </p:nvPr>
-        </p:nvSpPr>
-        <p:spPr>
-          <a:xfrm>
-            <a:off x="455645" y="1825625"/>
-            <a:ext cx="7097785" cy="4351338"/>
-          </a:xfrm>
-        </p:spPr>
-        <p:txBody>
-          <a:bodyPr/>
-          <a:lstStyle/>
-          <a:p>
-            <a:pPr marL="0" indent="0">
-              <a:buNone/>
-            </a:pPr>
-            <a:r>
-              <a:rPr lang="it-IT" dirty="0"/>
-              <a:t>Linguaggio di </a:t>
-            </a:r>
-            <a:r>
-              <a:rPr lang="it-IT" dirty="0" err="1"/>
-              <a:t>marckup</a:t>
-            </a:r>
-            <a:r>
-              <a:rPr lang="it-IT" dirty="0"/>
-              <a:t> (</a:t>
-            </a:r>
-            <a:r>
-              <a:rPr lang="it-IT" dirty="0" err="1"/>
-              <a:t>formatazione</a:t>
-            </a:r>
-            <a:r>
-              <a:rPr lang="it-IT" dirty="0"/>
-              <a:t>) di dati</a:t>
-            </a:r>
-          </a:p>
-          <a:p>
-            <a:pPr marL="0" indent="0">
-              <a:buNone/>
-            </a:pPr>
-            <a:r>
-              <a:rPr lang="it-IT" dirty="0"/>
-              <a:t>Stile grafico personalizzabile</a:t>
-            </a:r>
-          </a:p>
-          <a:p>
-            <a:pPr marL="0" indent="0">
-              <a:buNone/>
-            </a:pPr>
-            <a:endParaRPr lang="it-IT" dirty="0"/>
-          </a:p>
-          <a:p>
-            <a:pPr marL="0" indent="0">
-              <a:buNone/>
-            </a:pPr>
-            <a:r>
-              <a:rPr lang="en-US" dirty="0"/>
-              <a:t>Form = Modulo da </a:t>
-            </a:r>
-            <a:r>
-              <a:rPr lang="en-US" dirty="0" err="1"/>
-              <a:t>compilare</a:t>
-            </a:r>
-            <a:endParaRPr lang="en-US" dirty="0"/>
-          </a:p>
-        </p:txBody>
-      </p:sp>
-      <p:sp>
-        <p:nvSpPr>
-          <p:cNvPr id="4" name="CasellaDiTesto 3">
-            <a:extLst>
-              <a:ext uri="{FF2B5EF4-FFF2-40B4-BE49-F238E27FC236}">
-                <a16:creationId xmlns:a16="http://schemas.microsoft.com/office/drawing/2014/main" xmlns="" id="{3D97C644-8B29-400F-9E7B-E8F11EC2A442}"/>
-              </a:ext>
-            </a:extLst>
-          </p:cNvPr>
-          <p:cNvSpPr txBox="1"/>
-          <p:nvPr/>
-        </p:nvSpPr>
-        <p:spPr>
-          <a:xfrm>
-            <a:off x="7365534" y="1690688"/>
-            <a:ext cx="4826466" cy="2862322"/>
-          </a:xfrm>
-          <a:prstGeom prst="rect">
-            <a:avLst/>
-          </a:prstGeom>
-          <a:noFill/>
-        </p:spPr>
-        <p:txBody>
-          <a:bodyPr wrap="square" rtlCol="0">
-            <a:spAutoFit/>
-          </a:bodyPr>
-          <a:lstStyle/>
-          <a:p>
-            <a:r>
-              <a:rPr lang="it-IT" dirty="0"/>
-              <a:t>&lt;html&gt;</a:t>
-            </a:r>
-          </a:p>
-          <a:p>
-            <a:r>
-              <a:rPr lang="it-IT" dirty="0"/>
-              <a:t>   &lt;body&gt;</a:t>
-            </a:r>
-          </a:p>
-          <a:p>
-            <a:r>
-              <a:rPr lang="it-IT" dirty="0"/>
-              <a:t>      &lt;</a:t>
-            </a:r>
-            <a:r>
-              <a:rPr lang="it-IT" dirty="0" err="1"/>
-              <a:t>form</a:t>
-            </a:r>
-            <a:r>
-              <a:rPr lang="it-IT" dirty="0"/>
-              <a:t> </a:t>
-            </a:r>
-            <a:r>
-              <a:rPr lang="it-IT" dirty="0" err="1"/>
-              <a:t>method</a:t>
-            </a:r>
-            <a:r>
-              <a:rPr lang="it-IT" dirty="0"/>
-              <a:t>=</a:t>
+              <a:t>url_input</a:t>
+            </a:r>
+            <a:r>
+              <a:rPr lang="it-IT" dirty="0"/>
+              <a:t> = </a:t>
             </a:r>
             <a:r>
               <a:rPr lang="en-US" dirty="0"/>
               <a:t>“</a:t>
             </a:r>
             <a:r>
-              <a:rPr lang="it-IT" dirty="0" err="1"/>
-              <a:t>get</a:t>
+              <a:rPr lang="en-US" dirty="0" err="1"/>
+              <a:t>hostname:porta</a:t>
             </a:r>
             <a:r>
               <a:rPr lang="en-US" dirty="0"/>
-              <a:t>“ action=“</a:t>
-            </a:r>
-            <a:r>
-              <a:rPr lang="en-US" dirty="0">
-                <a:solidFill>
-                  <a:schemeClr val="accent6"/>
-                </a:solidFill>
-              </a:rPr>
-              <a:t>*******</a:t>
+              <a:t>”</a:t>
+            </a:r>
+          </a:p>
+          <a:p>
+            <a:pPr marL="514350" indent="-514350">
+              <a:buFont typeface="+mj-lt"/>
+              <a:buAutoNum type="arabicPeriod"/>
+            </a:pPr>
+            <a:r>
+              <a:rPr lang="en-US" dirty="0" err="1"/>
+              <a:t>parametri</a:t>
             </a:r>
             <a:r>
               <a:rPr lang="en-US" dirty="0"/>
-              <a:t>“ </a:t>
-            </a:r>
-            <a:r>
-              <a:rPr lang="it-IT" dirty="0"/>
-              <a:t>&gt;</a:t>
-            </a:r>
-          </a:p>
-          <a:p>
-            <a:r>
-              <a:rPr lang="it-IT" dirty="0"/>
-              <a:t>	&lt;label&gt;Label&lt;/label&gt;</a:t>
-            </a:r>
-          </a:p>
-          <a:p>
-            <a:r>
-              <a:rPr lang="it-IT" dirty="0"/>
-              <a:t>	&lt;input name=</a:t>
+              <a:t>=</a:t>
+            </a:r>
+            <a:r>
+              <a:rPr lang="en-US" dirty="0" err="1"/>
+              <a:t>dict</a:t>
             </a:r>
             <a:r>
               <a:rPr lang="en-US" dirty="0"/>
-              <a:t> “ </a:t>
-            </a:r>
-            <a:r>
-              <a:rPr lang="it-IT" dirty="0">
-                <a:solidFill>
-                  <a:schemeClr val="accent6"/>
-                </a:solidFill>
-              </a:rPr>
-              <a:t>*******</a:t>
-            </a:r>
+              <a:t>(key1=value1,key2=value2)</a:t>
+            </a:r>
+          </a:p>
+          <a:p>
+            <a:pPr marL="514350" indent="-514350">
+              <a:buFont typeface="+mj-lt"/>
+              <a:buAutoNum type="arabicPeriod"/>
+            </a:pPr>
             <a:r>
               <a:rPr lang="en-US" dirty="0"/>
-              <a:t>“</a:t>
-            </a:r>
-            <a:r>
-              <a:rPr lang="it-IT" dirty="0"/>
-              <a:t>&gt;</a:t>
-            </a:r>
-          </a:p>
-          <a:p>
-            <a:r>
-              <a:rPr lang="it-IT" dirty="0"/>
-              <a:t>	………………………………………</a:t>
-            </a:r>
-          </a:p>
-          <a:p>
-            <a:r>
-              <a:rPr lang="it-IT" dirty="0"/>
-              <a:t>	&lt;</a:t>
-            </a:r>
-            <a:r>
-              <a:rPr lang="it-IT" dirty="0" err="1"/>
-              <a:t>button</a:t>
-            </a:r>
-            <a:r>
-              <a:rPr lang="it-IT" dirty="0"/>
-              <a:t> </a:t>
-            </a:r>
-            <a:r>
-              <a:rPr lang="it-IT" dirty="0" err="1"/>
-              <a:t>type</a:t>
-            </a:r>
-            <a:r>
-              <a:rPr lang="it-IT" dirty="0"/>
+              <a:t>res = </a:t>
+            </a:r>
+            <a:r>
+              <a:rPr lang="en-US" dirty="0" err="1"/>
+              <a:t>requests.get</a:t>
+            </a:r>
+            <a:r>
+              <a:rPr lang="en-US" dirty="0"/>
+              <a:t>(</a:t>
+            </a:r>
+            <a:r>
+              <a:rPr lang="en-US" dirty="0" err="1"/>
+              <a:t>url</a:t>
+            </a:r>
+            <a:r>
+              <a:rPr lang="en-US" dirty="0"/>
               <a:t>=</a:t>
             </a:r>
             <a:r>
+              <a:rPr lang="en-US" dirty="0" err="1"/>
+              <a:t>url_input,params</a:t>
+            </a:r>
+            <a:r>
               <a:rPr lang="en-US" dirty="0"/>
-              <a:t>“submit“ </a:t>
-            </a:r>
-            <a:r>
-              <a:rPr lang="it-IT" dirty="0"/>
-              <a:t>&gt;Invia&lt;/</a:t>
-            </a:r>
-            <a:r>
-              <a:rPr lang="it-IT" dirty="0" err="1"/>
-              <a:t>button</a:t>
-            </a:r>
-            <a:r>
-              <a:rPr lang="it-IT" dirty="0"/>
-              <a:t>&gt;</a:t>
-            </a:r>
-          </a:p>
-          <a:p>
-            <a:r>
-              <a:rPr lang="it-IT" dirty="0"/>
-              <a:t>      &lt;/</a:t>
-            </a:r>
-            <a:r>
-              <a:rPr lang="it-IT" dirty="0" err="1"/>
-              <a:t>form</a:t>
-            </a:r>
-            <a:r>
-              <a:rPr lang="it-IT" dirty="0"/>
-              <a:t>&gt;</a:t>
-            </a:r>
-          </a:p>
-          <a:p>
-            <a:r>
-              <a:rPr lang="it-IT" dirty="0"/>
-              <a:t>   &lt;/body&gt;</a:t>
-            </a:r>
-          </a:p>
-          <a:p>
-            <a:r>
-              <a:rPr lang="it-IT" dirty="0"/>
-              <a:t>&lt;/html&gt;</a:t>
-            </a:r>
-            <a:endParaRPr lang="en-US" dirty="0"/>
+              <a:t>=</a:t>
+            </a:r>
+            <a:r>
+              <a:rPr lang="en-US" dirty="0" err="1"/>
+              <a:t>parametri</a:t>
+            </a:r>
+            <a:r>
+              <a:rPr lang="en-US" dirty="0"/>
+              <a:t>)</a:t>
+            </a:r>
+          </a:p>
+          <a:p>
+            <a:pPr marL="514350" indent="-514350">
+              <a:buFont typeface="+mj-lt"/>
+              <a:buAutoNum type="arabicPeriod"/>
+            </a:pPr>
+            <a:r>
+              <a:rPr lang="en-US" dirty="0" err="1"/>
+              <a:t>res.json</a:t>
+            </a:r>
+            <a:r>
+              <a:rPr lang="en-US" dirty="0"/>
+              <a:t>()</a:t>
+            </a:r>
           </a:p>
         </p:txBody>
       </p:sp>
       <p:pic>
         <p:nvPicPr>
-          <p:cNvPr id="6" name="Immagine 5">
-            <a:extLst>
-              <a:ext uri="{FF2B5EF4-FFF2-40B4-BE49-F238E27FC236}">
-                <a16:creationId xmlns:a16="http://schemas.microsoft.com/office/drawing/2014/main" xmlns="" id="{60048DDA-7A44-4549-8BCF-F133389BC2C7}"/>
+          <p:cNvPr id="2052" name="Picture 4" descr="Risultati immagini per angel vs devil">
+            <a:extLst>
+              <a:ext uri="{FF2B5EF4-FFF2-40B4-BE49-F238E27FC236}">
+                <a16:creationId xmlns:a16="http://schemas.microsoft.com/office/drawing/2014/main" xmlns="" id="{7129121A-B780-4A15-BCA6-F2BCFE0C5283}"/>
               </a:ext>
             </a:extLst>
           </p:cNvPr>
           <p:cNvPicPr>
-            <a:picLocks noChangeAspect="1"/>
+            <a:picLocks noChangeAspect="1" noChangeArrowheads="1"/>
           </p:cNvPicPr>
           <p:nvPr/>
         </p:nvPicPr>
@@ -5781,24 +5515,35 @@
               </a:ext>
             </a:extLst>
           </a:blip>
+          <a:srcRect/>
           <a:stretch>
             <a:fillRect/>
           </a:stretch>
         </p:blipFill>
-        <p:spPr>
+        <p:spPr bwMode="auto">
           <a:xfrm>
-            <a:off x="7365534" y="4889500"/>
-            <a:ext cx="2311400" cy="1968500"/>
+            <a:off x="7109927" y="138420"/>
+            <a:ext cx="4889239" cy="2753163"/>
           </a:xfrm>
           <a:prstGeom prst="rect">
             <a:avLst/>
           </a:prstGeom>
+          <a:noFill/>
+          <a:extLst>
+            <a:ext uri="{909E8E84-426E-40DD-AFC4-6F175D3DCCD1}">
+              <a14:hiddenFill xmlns:a14="http://schemas.microsoft.com/office/drawing/2010/main">
+                <a:solidFill>
+                  <a:srgbClr val="FFFFFF"/>
+                </a:solidFill>
+              </a14:hiddenFill>
+            </a:ext>
+          </a:extLst>
         </p:spPr>
       </p:pic>
     </p:spTree>
     <p:extLst>
       <p:ext uri="{BB962C8B-B14F-4D97-AF65-F5344CB8AC3E}">
-        <p14:creationId xmlns:p14="http://schemas.microsoft.com/office/powerpoint/2010/main" val="4024345548"/>
+        <p14:creationId xmlns:p14="http://schemas.microsoft.com/office/powerpoint/2010/main" val="80727221"/>
       </p:ext>
     </p:extLst>
   </p:cSld>
@@ -5830,7 +5575,7 @@
           <p:cNvPr id="2" name="Titolo 1">
             <a:extLst>
               <a:ext uri="{FF2B5EF4-FFF2-40B4-BE49-F238E27FC236}">
-                <a16:creationId xmlns:a16="http://schemas.microsoft.com/office/drawing/2014/main" xmlns="" id="{6D9EB2C3-E29C-49C8-8BDF-193A2E9D8F1C}"/>
+                <a16:creationId xmlns:a16="http://schemas.microsoft.com/office/drawing/2014/main" xmlns="" id="{1AD1C0FE-B220-4743-AC46-AF3741F5A463}"/>
               </a:ext>
             </a:extLst>
           </p:cNvPr>
@@ -5841,14 +5586,346 @@
             <p:ph type="title"/>
           </p:nvPr>
         </p:nvSpPr>
-        <p:spPr/>
+        <p:spPr>
+          <a:xfrm>
+            <a:off x="455645" y="365125"/>
+            <a:ext cx="10515600" cy="1325563"/>
+          </a:xfrm>
+        </p:spPr>
         <p:txBody>
           <a:bodyPr/>
           <a:lstStyle/>
           <a:p>
             <a:r>
               <a:rPr lang="it-IT" dirty="0"/>
-              <a:t>Contesto e challenges</a:t>
+              <a:t>HTML = </a:t>
+            </a:r>
+            <a:r>
+              <a:rPr lang="it-IT" b="1" dirty="0" err="1">
+                <a:solidFill>
+                  <a:srgbClr val="FF0000"/>
+                </a:solidFill>
+              </a:rPr>
+              <a:t>H</a:t>
+            </a:r>
+            <a:r>
+              <a:rPr lang="it-IT" dirty="0" err="1"/>
+              <a:t>yper</a:t>
+            </a:r>
+            <a:r>
+              <a:rPr lang="it-IT" b="1" dirty="0" err="1">
+                <a:solidFill>
+                  <a:srgbClr val="FF0000"/>
+                </a:solidFill>
+              </a:rPr>
+              <a:t>T</a:t>
+            </a:r>
+            <a:r>
+              <a:rPr lang="it-IT" dirty="0" err="1"/>
+              <a:t>ext</a:t>
+            </a:r>
+            <a:r>
+              <a:rPr lang="it-IT" dirty="0"/>
+              <a:t> </a:t>
+            </a:r>
+            <a:r>
+              <a:rPr lang="it-IT" b="1" dirty="0">
+                <a:solidFill>
+                  <a:srgbClr val="FF0000"/>
+                </a:solidFill>
+              </a:rPr>
+              <a:t>M</a:t>
+            </a:r>
+            <a:r>
+              <a:rPr lang="it-IT" dirty="0"/>
+              <a:t>arkup </a:t>
+            </a:r>
+            <a:r>
+              <a:rPr lang="it-IT" b="1" dirty="0">
+                <a:solidFill>
+                  <a:srgbClr val="FF0000"/>
+                </a:solidFill>
+              </a:rPr>
+              <a:t>L</a:t>
+            </a:r>
+            <a:r>
+              <a:rPr lang="it-IT" dirty="0"/>
+              <a:t>anguage</a:t>
+            </a:r>
+            <a:endParaRPr lang="en-US" dirty="0"/>
+          </a:p>
+        </p:txBody>
+      </p:sp>
+      <p:sp>
+        <p:nvSpPr>
+          <p:cNvPr id="3" name="Segnaposto contenuto 2">
+            <a:extLst>
+              <a:ext uri="{FF2B5EF4-FFF2-40B4-BE49-F238E27FC236}">
+                <a16:creationId xmlns:a16="http://schemas.microsoft.com/office/drawing/2014/main" xmlns="" id="{D3A7173D-AA56-4AEC-B69A-12B44E8BB3ED}"/>
+              </a:ext>
+            </a:extLst>
+          </p:cNvPr>
+          <p:cNvSpPr>
+            <a:spLocks noGrp="1"/>
+          </p:cNvSpPr>
+          <p:nvPr>
+            <p:ph idx="1"/>
+          </p:nvPr>
+        </p:nvSpPr>
+        <p:spPr>
+          <a:xfrm>
+            <a:off x="455645" y="1825625"/>
+            <a:ext cx="7097785" cy="4351338"/>
+          </a:xfrm>
+        </p:spPr>
+        <p:txBody>
+          <a:bodyPr/>
+          <a:lstStyle/>
+          <a:p>
+            <a:pPr marL="0" indent="0">
+              <a:buNone/>
+            </a:pPr>
+            <a:r>
+              <a:rPr lang="it-IT" dirty="0"/>
+              <a:t>Linguaggio di </a:t>
+            </a:r>
+            <a:r>
+              <a:rPr lang="it-IT" dirty="0" err="1"/>
+              <a:t>marckup</a:t>
+            </a:r>
+            <a:r>
+              <a:rPr lang="it-IT" dirty="0"/>
+              <a:t> (</a:t>
+            </a:r>
+            <a:r>
+              <a:rPr lang="it-IT" dirty="0" err="1"/>
+              <a:t>formatazione</a:t>
+            </a:r>
+            <a:r>
+              <a:rPr lang="it-IT" dirty="0"/>
+              <a:t>) di dati</a:t>
+            </a:r>
+          </a:p>
+          <a:p>
+            <a:pPr marL="0" indent="0">
+              <a:buNone/>
+            </a:pPr>
+            <a:r>
+              <a:rPr lang="it-IT" dirty="0"/>
+              <a:t>Stile grafico personalizzabile</a:t>
+            </a:r>
+          </a:p>
+          <a:p>
+            <a:pPr marL="0" indent="0">
+              <a:buNone/>
+            </a:pPr>
+            <a:endParaRPr lang="it-IT" dirty="0"/>
+          </a:p>
+          <a:p>
+            <a:pPr marL="0" indent="0">
+              <a:buNone/>
+            </a:pPr>
+            <a:r>
+              <a:rPr lang="en-US" dirty="0"/>
+              <a:t>Form = Modulo da </a:t>
+            </a:r>
+            <a:r>
+              <a:rPr lang="en-US" dirty="0" err="1"/>
+              <a:t>compilare</a:t>
+            </a:r>
+            <a:endParaRPr lang="en-US" dirty="0"/>
+          </a:p>
+        </p:txBody>
+      </p:sp>
+      <p:sp>
+        <p:nvSpPr>
+          <p:cNvPr id="4" name="CasellaDiTesto 3">
+            <a:extLst>
+              <a:ext uri="{FF2B5EF4-FFF2-40B4-BE49-F238E27FC236}">
+                <a16:creationId xmlns:a16="http://schemas.microsoft.com/office/drawing/2014/main" xmlns="" id="{3D97C644-8B29-400F-9E7B-E8F11EC2A442}"/>
+              </a:ext>
+            </a:extLst>
+          </p:cNvPr>
+          <p:cNvSpPr txBox="1"/>
+          <p:nvPr/>
+        </p:nvSpPr>
+        <p:spPr>
+          <a:xfrm>
+            <a:off x="7365534" y="1690688"/>
+            <a:ext cx="4826466" cy="2862322"/>
+          </a:xfrm>
+          <a:prstGeom prst="rect">
+            <a:avLst/>
+          </a:prstGeom>
+          <a:noFill/>
+        </p:spPr>
+        <p:txBody>
+          <a:bodyPr wrap="square" rtlCol="0">
+            <a:spAutoFit/>
+          </a:bodyPr>
+          <a:lstStyle/>
+          <a:p>
+            <a:r>
+              <a:rPr lang="it-IT" dirty="0"/>
+              <a:t>&lt;html&gt;</a:t>
+            </a:r>
+          </a:p>
+          <a:p>
+            <a:r>
+              <a:rPr lang="it-IT" dirty="0"/>
+              <a:t>   &lt;body&gt;</a:t>
+            </a:r>
+          </a:p>
+          <a:p>
+            <a:r>
+              <a:rPr lang="it-IT" dirty="0"/>
+              <a:t>      &lt;</a:t>
+            </a:r>
+            <a:r>
+              <a:rPr lang="it-IT" dirty="0" err="1"/>
+              <a:t>form</a:t>
+            </a:r>
+            <a:r>
+              <a:rPr lang="it-IT" dirty="0"/>
+              <a:t> </a:t>
+            </a:r>
+            <a:r>
+              <a:rPr lang="it-IT" dirty="0" err="1"/>
+              <a:t>method</a:t>
+            </a:r>
+            <a:r>
+              <a:rPr lang="it-IT" dirty="0"/>
+              <a:t>=</a:t>
+            </a:r>
+            <a:r>
+              <a:rPr lang="en-US" dirty="0"/>
+              <a:t>“</a:t>
+            </a:r>
+            <a:r>
+              <a:rPr lang="it-IT" dirty="0" err="1"/>
+              <a:t>get</a:t>
+            </a:r>
+            <a:r>
+              <a:rPr lang="en-US" dirty="0"/>
+              <a:t>“ action=“</a:t>
+            </a:r>
+            <a:r>
+              <a:rPr lang="en-US" dirty="0">
+                <a:solidFill>
+                  <a:schemeClr val="accent6"/>
+                </a:solidFill>
+              </a:rPr>
+              <a:t>*******</a:t>
+            </a:r>
+            <a:r>
+              <a:rPr lang="en-US" dirty="0"/>
+              <a:t>“ </a:t>
+            </a:r>
+            <a:r>
+              <a:rPr lang="it-IT" dirty="0"/>
+              <a:t>&gt;</a:t>
+            </a:r>
+          </a:p>
+          <a:p>
+            <a:r>
+              <a:rPr lang="it-IT" dirty="0"/>
+              <a:t>	&lt;label&gt;Label&lt;/label&gt;</a:t>
+            </a:r>
+          </a:p>
+          <a:p>
+            <a:r>
+              <a:rPr lang="it-IT" dirty="0"/>
+              <a:t>	&lt;input name=</a:t>
+            </a:r>
+            <a:r>
+              <a:rPr lang="en-US" dirty="0"/>
+              <a:t> “ </a:t>
+            </a:r>
+            <a:r>
+              <a:rPr lang="it-IT" dirty="0">
+                <a:solidFill>
+                  <a:schemeClr val="accent6"/>
+                </a:solidFill>
+              </a:rPr>
+              <a:t>*******</a:t>
+            </a:r>
+            <a:r>
+              <a:rPr lang="en-US" dirty="0"/>
+              <a:t>“</a:t>
+            </a:r>
+            <a:r>
+              <a:rPr lang="it-IT" dirty="0"/>
+              <a:t>&gt;</a:t>
+            </a:r>
+          </a:p>
+          <a:p>
+            <a:r>
+              <a:rPr lang="it-IT" dirty="0"/>
+              <a:t>	………………………………………</a:t>
+            </a:r>
+          </a:p>
+          <a:p>
+            <a:r>
+              <a:rPr lang="it-IT" dirty="0"/>
+              <a:t>	&lt;</a:t>
+            </a:r>
+            <a:r>
+              <a:rPr lang="it-IT" dirty="0" err="1"/>
+              <a:t>button</a:t>
+            </a:r>
+            <a:r>
+              <a:rPr lang="it-IT" dirty="0"/>
+              <a:t> </a:t>
+            </a:r>
+            <a:r>
+              <a:rPr lang="it-IT" dirty="0" err="1"/>
+              <a:t>type</a:t>
+            </a:r>
+            <a:r>
+              <a:rPr lang="it-IT" dirty="0"/>
+              <a:t>=</a:t>
+            </a:r>
+            <a:r>
+              <a:rPr lang="en-US" dirty="0"/>
+              <a:t>“submit“ </a:t>
+            </a:r>
+            <a:r>
+              <a:rPr lang="it-IT" dirty="0"/>
+              <a:t>&gt;Invia&lt;/</a:t>
+            </a:r>
+            <a:r>
+              <a:rPr lang="it-IT" dirty="0" err="1"/>
+              <a:t>button</a:t>
+            </a:r>
+            <a:r>
+              <a:rPr lang="it-IT" dirty="0"/>
+              <a:t>&gt;</a:t>
+            </a:r>
+          </a:p>
+          <a:p>
+            <a:r>
+              <a:rPr lang="it-IT" dirty="0"/>
+              <a:t>      &lt;/</a:t>
+            </a:r>
+            <a:r>
+              <a:rPr lang="it-IT" dirty="0" err="1"/>
+              <a:t>form</a:t>
+            </a:r>
+            <a:r>
+              <a:rPr lang="it-IT" dirty="0"/>
+              <a:t>&gt;</a:t>
+            </a:r>
+          </a:p>
+          <a:p>
+            <a:r>
+              <a:rPr lang="it-IT" dirty="0"/>
+              <a:t>   &lt;/body&gt;</a:t>
+            </a:r>
+          </a:p>
+          <a:p>
+            <a:r>
+              <a:rPr lang="it-IT" dirty="0"/>
+              <a:t>&lt;/html&gt;</a:t>
             </a:r>
             <a:endParaRPr lang="en-US" dirty="0"/>
           </a:p>
@@ -5856,15 +5933,15 @@
       </p:sp>
       <p:pic>
         <p:nvPicPr>
-          <p:cNvPr id="3074" name="Picture 2" descr="Risultati immagini per pizza logo">
-            <a:extLst>
-              <a:ext uri="{FF2B5EF4-FFF2-40B4-BE49-F238E27FC236}">
-                <a16:creationId xmlns:a16="http://schemas.microsoft.com/office/drawing/2014/main" xmlns="" id="{7A7E038A-4E1A-441A-A800-940A65C41381}"/>
+          <p:cNvPr id="6" name="Immagine 5">
+            <a:extLst>
+              <a:ext uri="{FF2B5EF4-FFF2-40B4-BE49-F238E27FC236}">
+                <a16:creationId xmlns:a16="http://schemas.microsoft.com/office/drawing/2014/main" xmlns="" id="{60048DDA-7A44-4549-8BCF-F133389BC2C7}"/>
               </a:ext>
             </a:extLst>
           </p:cNvPr>
           <p:cNvPicPr>
-            <a:picLocks noChangeAspect="1" noChangeArrowheads="1"/>
+            <a:picLocks noChangeAspect="1"/>
           </p:cNvPicPr>
           <p:nvPr/>
         </p:nvPicPr>
@@ -5876,360 +5953,24 @@
               </a:ext>
             </a:extLst>
           </a:blip>
-          <a:srcRect/>
           <a:stretch>
             <a:fillRect/>
           </a:stretch>
         </p:blipFill>
-        <p:spPr bwMode="auto">
-          <a:xfrm rot="1223976">
-            <a:off x="9285223" y="178512"/>
-            <a:ext cx="2902446" cy="2174033"/>
+        <p:spPr>
+          <a:xfrm>
+            <a:off x="7365534" y="4889500"/>
+            <a:ext cx="2311400" cy="1968500"/>
           </a:xfrm>
           <a:prstGeom prst="rect">
             <a:avLst/>
           </a:prstGeom>
-          <a:noFill/>
-          <a:extLst>
-            <a:ext uri="{909E8E84-426E-40DD-AFC4-6F175D3DCCD1}">
-              <a14:hiddenFill xmlns:a14="http://schemas.microsoft.com/office/drawing/2010/main">
-                <a:solidFill>
-                  <a:srgbClr val="FFFFFF"/>
-                </a:solidFill>
-              </a14:hiddenFill>
-            </a:ext>
-          </a:extLst>
         </p:spPr>
       </p:pic>
-      <p:sp>
-        <p:nvSpPr>
-          <p:cNvPr id="4" name="CasellaDiTesto 3">
-            <a:extLst>
-              <a:ext uri="{FF2B5EF4-FFF2-40B4-BE49-F238E27FC236}">
-                <a16:creationId xmlns:a16="http://schemas.microsoft.com/office/drawing/2014/main" xmlns="" id="{96A2F48B-1ACB-44C2-AEC6-3AF6FC374978}"/>
-              </a:ext>
-            </a:extLst>
-          </p:cNvPr>
-          <p:cNvSpPr txBox="1"/>
-          <p:nvPr/>
-        </p:nvSpPr>
-        <p:spPr>
-          <a:xfrm>
-            <a:off x="838200" y="1646682"/>
-            <a:ext cx="7268547" cy="1754326"/>
-          </a:xfrm>
-          <a:prstGeom prst="rect">
-            <a:avLst/>
-          </a:prstGeom>
-          <a:noFill/>
-        </p:spPr>
-        <p:txBody>
-          <a:bodyPr wrap="square" rtlCol="0">
-            <a:spAutoFit/>
-          </a:bodyPr>
-          <a:lstStyle/>
-          <a:p>
-            <a:r>
-              <a:rPr lang="it-IT" dirty="0"/>
-              <a:t>Esiste un server in attesa di prenotazioni di pizza (REQUESTS)</a:t>
-            </a:r>
-          </a:p>
-          <a:p>
-            <a:r>
-              <a:rPr lang="it-IT" dirty="0"/>
-              <a:t>Una prenotazione deve specificare: (PARAMS)</a:t>
-            </a:r>
-          </a:p>
-          <a:p>
-            <a:pPr marL="800100" lvl="1" indent="-342900">
-              <a:buFont typeface="+mj-lt"/>
-              <a:buAutoNum type="arabicPeriod"/>
-            </a:pPr>
-            <a:r>
-              <a:rPr lang="it-IT" dirty="0"/>
-              <a:t>Nome dello studente	(nome)</a:t>
-            </a:r>
-          </a:p>
-          <a:p>
-            <a:pPr marL="800100" lvl="1" indent="-342900">
-              <a:buFont typeface="+mj-lt"/>
-              <a:buAutoNum type="arabicPeriod"/>
-            </a:pPr>
-            <a:r>
-              <a:rPr lang="it-IT" dirty="0"/>
-              <a:t>Numero di postazione 	(postazione)</a:t>
-            </a:r>
-          </a:p>
-          <a:p>
-            <a:pPr marL="800100" lvl="1" indent="-342900">
-              <a:buFont typeface="+mj-lt"/>
-              <a:buAutoNum type="arabicPeriod"/>
-            </a:pPr>
-            <a:r>
-              <a:rPr lang="it-IT" dirty="0"/>
-              <a:t>Condimento desiderato	(condimento)</a:t>
-            </a:r>
-            <a:endParaRPr lang="en-US" dirty="0"/>
-          </a:p>
-          <a:p>
-            <a:pPr lvl="1"/>
-            <a:endParaRPr lang="it-IT" dirty="0"/>
-          </a:p>
-        </p:txBody>
-      </p:sp>
-      <p:sp>
-        <p:nvSpPr>
-          <p:cNvPr id="5" name="CasellaDiTesto 4">
-            <a:extLst>
-              <a:ext uri="{FF2B5EF4-FFF2-40B4-BE49-F238E27FC236}">
-                <a16:creationId xmlns:a16="http://schemas.microsoft.com/office/drawing/2014/main" xmlns="" id="{692EE770-9245-42F5-8C8A-DE24D9CF6622}"/>
-              </a:ext>
-            </a:extLst>
-          </p:cNvPr>
-          <p:cNvSpPr txBox="1"/>
-          <p:nvPr/>
-        </p:nvSpPr>
-        <p:spPr>
-          <a:xfrm>
-            <a:off x="864637" y="3541893"/>
-            <a:ext cx="8817428" cy="1477328"/>
-          </a:xfrm>
-          <a:prstGeom prst="rect">
-            <a:avLst/>
-          </a:prstGeom>
-          <a:noFill/>
-        </p:spPr>
-        <p:txBody>
-          <a:bodyPr wrap="square" rtlCol="0">
-            <a:spAutoFit/>
-          </a:bodyPr>
-          <a:lstStyle/>
-          <a:p>
-            <a:r>
-              <a:rPr lang="it-IT" dirty="0"/>
-              <a:t>CHALLENGE 1:</a:t>
-            </a:r>
-          </a:p>
-          <a:p>
-            <a:pPr marL="800100" lvl="1" indent="-342900">
-              <a:buFont typeface="+mj-lt"/>
-              <a:buAutoNum type="arabicPeriod"/>
-            </a:pPr>
-            <a:r>
-              <a:rPr lang="it-IT" dirty="0"/>
-              <a:t>Utilizzare modulo </a:t>
-            </a:r>
-            <a:r>
-              <a:rPr lang="it-IT" dirty="0" err="1"/>
-              <a:t>requests</a:t>
-            </a:r>
-            <a:r>
-              <a:rPr lang="it-IT" dirty="0"/>
-              <a:t> per richiedere una pizza</a:t>
-            </a:r>
-          </a:p>
-          <a:p>
-            <a:pPr marL="800100" lvl="1" indent="-342900">
-              <a:buFont typeface="+mj-lt"/>
-              <a:buAutoNum type="arabicPeriod"/>
-            </a:pPr>
-            <a:r>
-              <a:rPr lang="it-IT" dirty="0"/>
-              <a:t>Visualizzare sul maxi-schermo la richiesta</a:t>
-            </a:r>
-          </a:p>
-          <a:p>
-            <a:pPr marL="800100" lvl="1" indent="-342900">
-              <a:buFont typeface="+mj-lt"/>
-              <a:buAutoNum type="arabicPeriod"/>
-            </a:pPr>
-            <a:r>
-              <a:rPr lang="it-IT" dirty="0"/>
-              <a:t>Aspettare la pizza</a:t>
-            </a:r>
-          </a:p>
-          <a:p>
-            <a:r>
-              <a:rPr lang="en-US" dirty="0"/>
-              <a:t>	</a:t>
-            </a:r>
-          </a:p>
-        </p:txBody>
-      </p:sp>
-      <p:sp>
-        <p:nvSpPr>
-          <p:cNvPr id="7" name="CasellaDiTesto 6">
-            <a:extLst>
-              <a:ext uri="{FF2B5EF4-FFF2-40B4-BE49-F238E27FC236}">
-                <a16:creationId xmlns:a16="http://schemas.microsoft.com/office/drawing/2014/main" xmlns="" id="{4C88CA0A-CD37-4E31-BEAF-5B0BA23675EB}"/>
-              </a:ext>
-            </a:extLst>
-          </p:cNvPr>
-          <p:cNvSpPr txBox="1"/>
-          <p:nvPr/>
-        </p:nvSpPr>
-        <p:spPr>
-          <a:xfrm>
-            <a:off x="864637" y="5283872"/>
-            <a:ext cx="8817428" cy="1477328"/>
-          </a:xfrm>
-          <a:prstGeom prst="rect">
-            <a:avLst/>
-          </a:prstGeom>
-          <a:noFill/>
-        </p:spPr>
-        <p:txBody>
-          <a:bodyPr wrap="square" rtlCol="0">
-            <a:spAutoFit/>
-          </a:bodyPr>
-          <a:lstStyle/>
-          <a:p>
-            <a:r>
-              <a:rPr lang="it-IT" dirty="0"/>
-              <a:t>CHALLENGE 2:</a:t>
-            </a:r>
-          </a:p>
-          <a:p>
-            <a:pPr marL="800100" lvl="1" indent="-342900">
-              <a:buFont typeface="+mj-lt"/>
-              <a:buAutoNum type="arabicPeriod"/>
-            </a:pPr>
-            <a:r>
-              <a:rPr lang="it-IT" dirty="0"/>
-              <a:t>Modificare la pagina html nella chiavetta per richiedere una pizza</a:t>
-            </a:r>
-          </a:p>
-          <a:p>
-            <a:pPr marL="800100" lvl="1" indent="-342900">
-              <a:buFont typeface="+mj-lt"/>
-              <a:buAutoNum type="arabicPeriod"/>
-            </a:pPr>
-            <a:r>
-              <a:rPr lang="it-IT" dirty="0"/>
-              <a:t>Visualizzare sul maxi-schermo la richiesta</a:t>
-            </a:r>
-          </a:p>
-          <a:p>
-            <a:pPr marL="800100" lvl="1" indent="-342900">
-              <a:buFont typeface="+mj-lt"/>
-              <a:buAutoNum type="arabicPeriod"/>
-            </a:pPr>
-            <a:r>
-              <a:rPr lang="it-IT" dirty="0"/>
-              <a:t>Aspettare la pizza</a:t>
-            </a:r>
-          </a:p>
-          <a:p>
-            <a:r>
-              <a:rPr lang="en-US" dirty="0"/>
-              <a:t>	</a:t>
-            </a:r>
-          </a:p>
-        </p:txBody>
-      </p:sp>
-      <p:sp>
-        <p:nvSpPr>
-          <p:cNvPr id="6" name="CasellaDiTesto 5">
-            <a:extLst>
-              <a:ext uri="{FF2B5EF4-FFF2-40B4-BE49-F238E27FC236}">
-                <a16:creationId xmlns:a16="http://schemas.microsoft.com/office/drawing/2014/main" xmlns="" id="{7E69B640-8C25-4D34-9EAF-B31BCFD2AEAD}"/>
-              </a:ext>
-            </a:extLst>
-          </p:cNvPr>
-          <p:cNvSpPr txBox="1"/>
-          <p:nvPr/>
-        </p:nvSpPr>
-        <p:spPr>
-          <a:xfrm>
-            <a:off x="2588622" y="3482719"/>
-            <a:ext cx="6408718" cy="461665"/>
-          </a:xfrm>
-          <a:prstGeom prst="rect">
-            <a:avLst/>
-          </a:prstGeom>
-          <a:noFill/>
-        </p:spPr>
-        <p:txBody>
-          <a:bodyPr wrap="square" rtlCol="0">
-            <a:spAutoFit/>
-          </a:bodyPr>
-          <a:lstStyle/>
-          <a:p>
-            <a:r>
-              <a:rPr lang="it-IT" sz="2400" b="1" dirty="0"/>
-              <a:t>URL = </a:t>
-            </a:r>
-            <a:r>
-              <a:rPr lang="en-US" sz="2400" b="1" dirty="0"/>
-              <a:t>“http://pizzaserver:3000/</a:t>
-            </a:r>
-            <a:r>
-              <a:rPr lang="en-US" sz="2400" b="1" dirty="0" err="1"/>
-              <a:t>request_pizza</a:t>
-            </a:r>
-            <a:r>
-              <a:rPr lang="en-US" sz="2400" b="1" dirty="0"/>
-              <a:t>“</a:t>
-            </a:r>
-          </a:p>
-        </p:txBody>
-      </p:sp>
-      <p:sp>
-        <p:nvSpPr>
-          <p:cNvPr id="8" name="CasellaDiTesto 7">
-            <a:extLst>
-              <a:ext uri="{FF2B5EF4-FFF2-40B4-BE49-F238E27FC236}">
-                <a16:creationId xmlns:a16="http://schemas.microsoft.com/office/drawing/2014/main" xmlns="" id="{7E69B640-8C25-4D34-9EAF-B31BCFD2AEAD}"/>
-              </a:ext>
-            </a:extLst>
-          </p:cNvPr>
-          <p:cNvSpPr txBox="1"/>
-          <p:nvPr/>
-        </p:nvSpPr>
-        <p:spPr>
-          <a:xfrm>
-            <a:off x="2588621" y="5202161"/>
-            <a:ext cx="7398243" cy="461665"/>
-          </a:xfrm>
-          <a:prstGeom prst="rect">
-            <a:avLst/>
-          </a:prstGeom>
-          <a:noFill/>
-        </p:spPr>
-        <p:txBody>
-          <a:bodyPr wrap="square" rtlCol="0">
-            <a:spAutoFit/>
-          </a:bodyPr>
-          <a:lstStyle/>
-          <a:p>
-            <a:r>
-              <a:rPr lang="it-IT" sz="2400" b="1" dirty="0"/>
-              <a:t>URL = </a:t>
-            </a:r>
-            <a:r>
-              <a:rPr lang="en-US" sz="2400" b="1" dirty="0"/>
-              <a:t>“http://</a:t>
-            </a:r>
-            <a:r>
-              <a:rPr lang="en-US" sz="2400" b="1" dirty="0" smtClean="0"/>
-              <a:t>pizzaserver:3000/</a:t>
-            </a:r>
-            <a:r>
-              <a:rPr lang="en-US" sz="2400" b="1" dirty="0" err="1" smtClean="0"/>
-              <a:t>request_pizza_html</a:t>
-            </a:r>
-            <a:r>
-              <a:rPr lang="en-US" sz="2400" b="1" dirty="0" smtClean="0"/>
-              <a:t>“</a:t>
-            </a:r>
-            <a:endParaRPr lang="en-US" sz="2400" b="1" dirty="0"/>
-          </a:p>
-        </p:txBody>
-      </p:sp>
     </p:spTree>
     <p:extLst>
       <p:ext uri="{BB962C8B-B14F-4D97-AF65-F5344CB8AC3E}">
-        <p14:creationId xmlns:p14="http://schemas.microsoft.com/office/powerpoint/2010/main" val="938835406"/>
+        <p14:creationId xmlns:p14="http://schemas.microsoft.com/office/powerpoint/2010/main" val="4024345548"/>
       </p:ext>
     </p:extLst>
   </p:cSld>
@@ -6261,6 +6002,437 @@
           <p:cNvPr id="2" name="Titolo 1">
             <a:extLst>
               <a:ext uri="{FF2B5EF4-FFF2-40B4-BE49-F238E27FC236}">
+                <a16:creationId xmlns:a16="http://schemas.microsoft.com/office/drawing/2014/main" xmlns="" id="{6D9EB2C3-E29C-49C8-8BDF-193A2E9D8F1C}"/>
+              </a:ext>
+            </a:extLst>
+          </p:cNvPr>
+          <p:cNvSpPr>
+            <a:spLocks noGrp="1"/>
+          </p:cNvSpPr>
+          <p:nvPr>
+            <p:ph type="title"/>
+          </p:nvPr>
+        </p:nvSpPr>
+        <p:spPr/>
+        <p:txBody>
+          <a:bodyPr/>
+          <a:lstStyle/>
+          <a:p>
+            <a:r>
+              <a:rPr lang="it-IT" dirty="0"/>
+              <a:t>Contesto e challenges</a:t>
+            </a:r>
+            <a:endParaRPr lang="en-US" dirty="0"/>
+          </a:p>
+        </p:txBody>
+      </p:sp>
+      <p:pic>
+        <p:nvPicPr>
+          <p:cNvPr id="3074" name="Picture 2" descr="Risultati immagini per pizza logo">
+            <a:extLst>
+              <a:ext uri="{FF2B5EF4-FFF2-40B4-BE49-F238E27FC236}">
+                <a16:creationId xmlns:a16="http://schemas.microsoft.com/office/drawing/2014/main" xmlns="" id="{7A7E038A-4E1A-441A-A800-940A65C41381}"/>
+              </a:ext>
+            </a:extLst>
+          </p:cNvPr>
+          <p:cNvPicPr>
+            <a:picLocks noChangeAspect="1" noChangeArrowheads="1"/>
+          </p:cNvPicPr>
+          <p:nvPr/>
+        </p:nvPicPr>
+        <p:blipFill>
+          <a:blip r:embed="rId2">
+            <a:extLst>
+              <a:ext uri="{28A0092B-C50C-407E-A947-70E740481C1C}">
+                <a14:useLocalDpi xmlns:a14="http://schemas.microsoft.com/office/drawing/2010/main" val="0"/>
+              </a:ext>
+            </a:extLst>
+          </a:blip>
+          <a:srcRect/>
+          <a:stretch>
+            <a:fillRect/>
+          </a:stretch>
+        </p:blipFill>
+        <p:spPr bwMode="auto">
+          <a:xfrm rot="1223976">
+            <a:off x="9285223" y="178512"/>
+            <a:ext cx="2902446" cy="2174033"/>
+          </a:xfrm>
+          <a:prstGeom prst="rect">
+            <a:avLst/>
+          </a:prstGeom>
+          <a:noFill/>
+          <a:extLst>
+            <a:ext uri="{909E8E84-426E-40DD-AFC4-6F175D3DCCD1}">
+              <a14:hiddenFill xmlns:a14="http://schemas.microsoft.com/office/drawing/2010/main">
+                <a:solidFill>
+                  <a:srgbClr val="FFFFFF"/>
+                </a:solidFill>
+              </a14:hiddenFill>
+            </a:ext>
+          </a:extLst>
+        </p:spPr>
+      </p:pic>
+      <p:sp>
+        <p:nvSpPr>
+          <p:cNvPr id="4" name="CasellaDiTesto 3">
+            <a:extLst>
+              <a:ext uri="{FF2B5EF4-FFF2-40B4-BE49-F238E27FC236}">
+                <a16:creationId xmlns:a16="http://schemas.microsoft.com/office/drawing/2014/main" xmlns="" id="{96A2F48B-1ACB-44C2-AEC6-3AF6FC374978}"/>
+              </a:ext>
+            </a:extLst>
+          </p:cNvPr>
+          <p:cNvSpPr txBox="1"/>
+          <p:nvPr/>
+        </p:nvSpPr>
+        <p:spPr>
+          <a:xfrm>
+            <a:off x="838200" y="1646682"/>
+            <a:ext cx="7268547" cy="1754326"/>
+          </a:xfrm>
+          <a:prstGeom prst="rect">
+            <a:avLst/>
+          </a:prstGeom>
+          <a:noFill/>
+        </p:spPr>
+        <p:txBody>
+          <a:bodyPr wrap="square" rtlCol="0">
+            <a:spAutoFit/>
+          </a:bodyPr>
+          <a:lstStyle/>
+          <a:p>
+            <a:r>
+              <a:rPr lang="it-IT" dirty="0"/>
+              <a:t>Esiste un server in attesa di prenotazioni di pizza (REQUESTS)</a:t>
+            </a:r>
+          </a:p>
+          <a:p>
+            <a:r>
+              <a:rPr lang="it-IT" dirty="0"/>
+              <a:t>Una prenotazione deve specificare: (PARAMS)</a:t>
+            </a:r>
+          </a:p>
+          <a:p>
+            <a:pPr marL="800100" lvl="1" indent="-342900">
+              <a:buFont typeface="+mj-lt"/>
+              <a:buAutoNum type="arabicPeriod"/>
+            </a:pPr>
+            <a:r>
+              <a:rPr lang="it-IT" dirty="0"/>
+              <a:t>Nome dello studente	(nome)</a:t>
+            </a:r>
+          </a:p>
+          <a:p>
+            <a:pPr marL="800100" lvl="1" indent="-342900">
+              <a:buFont typeface="+mj-lt"/>
+              <a:buAutoNum type="arabicPeriod"/>
+            </a:pPr>
+            <a:r>
+              <a:rPr lang="it-IT" dirty="0"/>
+              <a:t>Numero di postazione 	(postazione)</a:t>
+            </a:r>
+          </a:p>
+          <a:p>
+            <a:pPr marL="800100" lvl="1" indent="-342900">
+              <a:buFont typeface="+mj-lt"/>
+              <a:buAutoNum type="arabicPeriod"/>
+            </a:pPr>
+            <a:r>
+              <a:rPr lang="it-IT" dirty="0"/>
+              <a:t>Condimento desiderato	(condimento)</a:t>
+            </a:r>
+            <a:endParaRPr lang="en-US" dirty="0"/>
+          </a:p>
+          <a:p>
+            <a:pPr lvl="1"/>
+            <a:endParaRPr lang="it-IT" dirty="0"/>
+          </a:p>
+        </p:txBody>
+      </p:sp>
+      <p:sp>
+        <p:nvSpPr>
+          <p:cNvPr id="5" name="CasellaDiTesto 4">
+            <a:extLst>
+              <a:ext uri="{FF2B5EF4-FFF2-40B4-BE49-F238E27FC236}">
+                <a16:creationId xmlns:a16="http://schemas.microsoft.com/office/drawing/2014/main" xmlns="" id="{692EE770-9245-42F5-8C8A-DE24D9CF6622}"/>
+              </a:ext>
+            </a:extLst>
+          </p:cNvPr>
+          <p:cNvSpPr txBox="1"/>
+          <p:nvPr/>
+        </p:nvSpPr>
+        <p:spPr>
+          <a:xfrm>
+            <a:off x="864637" y="3541893"/>
+            <a:ext cx="8817428" cy="1477328"/>
+          </a:xfrm>
+          <a:prstGeom prst="rect">
+            <a:avLst/>
+          </a:prstGeom>
+          <a:noFill/>
+        </p:spPr>
+        <p:txBody>
+          <a:bodyPr wrap="square" rtlCol="0">
+            <a:spAutoFit/>
+          </a:bodyPr>
+          <a:lstStyle/>
+          <a:p>
+            <a:r>
+              <a:rPr lang="it-IT" dirty="0"/>
+              <a:t>CHALLENGE 1:</a:t>
+            </a:r>
+          </a:p>
+          <a:p>
+            <a:pPr marL="800100" lvl="1" indent="-342900">
+              <a:buFont typeface="+mj-lt"/>
+              <a:buAutoNum type="arabicPeriod"/>
+            </a:pPr>
+            <a:r>
+              <a:rPr lang="it-IT" dirty="0"/>
+              <a:t>Utilizzare modulo </a:t>
+            </a:r>
+            <a:r>
+              <a:rPr lang="it-IT" dirty="0" err="1"/>
+              <a:t>requests</a:t>
+            </a:r>
+            <a:r>
+              <a:rPr lang="it-IT" dirty="0"/>
+              <a:t> per richiedere una pizza</a:t>
+            </a:r>
+          </a:p>
+          <a:p>
+            <a:pPr marL="800100" lvl="1" indent="-342900">
+              <a:buFont typeface="+mj-lt"/>
+              <a:buAutoNum type="arabicPeriod"/>
+            </a:pPr>
+            <a:r>
+              <a:rPr lang="it-IT" dirty="0"/>
+              <a:t>Visualizzare sul maxi-schermo la richiesta</a:t>
+            </a:r>
+          </a:p>
+          <a:p>
+            <a:pPr marL="800100" lvl="1" indent="-342900">
+              <a:buFont typeface="+mj-lt"/>
+              <a:buAutoNum type="arabicPeriod"/>
+            </a:pPr>
+            <a:r>
+              <a:rPr lang="it-IT" dirty="0"/>
+              <a:t>Aspettare la pizza</a:t>
+            </a:r>
+          </a:p>
+          <a:p>
+            <a:r>
+              <a:rPr lang="en-US" dirty="0"/>
+              <a:t>	</a:t>
+            </a:r>
+          </a:p>
+        </p:txBody>
+      </p:sp>
+      <p:sp>
+        <p:nvSpPr>
+          <p:cNvPr id="7" name="CasellaDiTesto 6">
+            <a:extLst>
+              <a:ext uri="{FF2B5EF4-FFF2-40B4-BE49-F238E27FC236}">
+                <a16:creationId xmlns:a16="http://schemas.microsoft.com/office/drawing/2014/main" xmlns="" id="{4C88CA0A-CD37-4E31-BEAF-5B0BA23675EB}"/>
+              </a:ext>
+            </a:extLst>
+          </p:cNvPr>
+          <p:cNvSpPr txBox="1"/>
+          <p:nvPr/>
+        </p:nvSpPr>
+        <p:spPr>
+          <a:xfrm>
+            <a:off x="864637" y="5283872"/>
+            <a:ext cx="8817428" cy="1477328"/>
+          </a:xfrm>
+          <a:prstGeom prst="rect">
+            <a:avLst/>
+          </a:prstGeom>
+          <a:noFill/>
+        </p:spPr>
+        <p:txBody>
+          <a:bodyPr wrap="square" rtlCol="0">
+            <a:spAutoFit/>
+          </a:bodyPr>
+          <a:lstStyle/>
+          <a:p>
+            <a:r>
+              <a:rPr lang="it-IT" dirty="0"/>
+              <a:t>CHALLENGE 2:</a:t>
+            </a:r>
+          </a:p>
+          <a:p>
+            <a:pPr marL="800100" lvl="1" indent="-342900">
+              <a:buFont typeface="+mj-lt"/>
+              <a:buAutoNum type="arabicPeriod"/>
+            </a:pPr>
+            <a:r>
+              <a:rPr lang="it-IT" dirty="0"/>
+              <a:t>Modificare la pagina html nella chiavetta per richiedere una pizza</a:t>
+            </a:r>
+          </a:p>
+          <a:p>
+            <a:pPr marL="800100" lvl="1" indent="-342900">
+              <a:buFont typeface="+mj-lt"/>
+              <a:buAutoNum type="arabicPeriod"/>
+            </a:pPr>
+            <a:r>
+              <a:rPr lang="it-IT" dirty="0"/>
+              <a:t>Visualizzare sul maxi-schermo la richiesta</a:t>
+            </a:r>
+          </a:p>
+          <a:p>
+            <a:pPr marL="800100" lvl="1" indent="-342900">
+              <a:buFont typeface="+mj-lt"/>
+              <a:buAutoNum type="arabicPeriod"/>
+            </a:pPr>
+            <a:r>
+              <a:rPr lang="it-IT" dirty="0"/>
+              <a:t>Aspettare la pizza</a:t>
+            </a:r>
+          </a:p>
+          <a:p>
+            <a:r>
+              <a:rPr lang="en-US" dirty="0"/>
+              <a:t>	</a:t>
+            </a:r>
+          </a:p>
+        </p:txBody>
+      </p:sp>
+      <p:sp>
+        <p:nvSpPr>
+          <p:cNvPr id="6" name="CasellaDiTesto 5">
+            <a:extLst>
+              <a:ext uri="{FF2B5EF4-FFF2-40B4-BE49-F238E27FC236}">
+                <a16:creationId xmlns:a16="http://schemas.microsoft.com/office/drawing/2014/main" xmlns="" id="{7E69B640-8C25-4D34-9EAF-B31BCFD2AEAD}"/>
+              </a:ext>
+            </a:extLst>
+          </p:cNvPr>
+          <p:cNvSpPr txBox="1"/>
+          <p:nvPr/>
+        </p:nvSpPr>
+        <p:spPr>
+          <a:xfrm>
+            <a:off x="2588621" y="3482719"/>
+            <a:ext cx="9208637" cy="461665"/>
+          </a:xfrm>
+          <a:prstGeom prst="rect">
+            <a:avLst/>
+          </a:prstGeom>
+          <a:noFill/>
+        </p:spPr>
+        <p:txBody>
+          <a:bodyPr wrap="square" rtlCol="0">
+            <a:spAutoFit/>
+          </a:bodyPr>
+          <a:lstStyle/>
+          <a:p>
+            <a:r>
+              <a:rPr lang="it-IT" sz="2400" b="1" dirty="0"/>
+              <a:t>URL = </a:t>
+            </a:r>
+            <a:r>
+              <a:rPr lang="en-US" sz="2400" b="1" dirty="0" smtClean="0"/>
+              <a:t>“http</a:t>
+            </a:r>
+            <a:r>
+              <a:rPr lang="en-US" sz="2400" b="1" dirty="0"/>
+              <a:t>://ecomobilityserver.ddns.net:3000//</a:t>
+            </a:r>
+            <a:r>
+              <a:rPr lang="en-US" sz="2400" b="1" dirty="0" err="1"/>
+              <a:t>request_pizza</a:t>
+            </a:r>
+            <a:r>
+              <a:rPr lang="en-US" sz="2400" b="1" dirty="0"/>
+              <a:t>“</a:t>
+            </a:r>
+          </a:p>
+        </p:txBody>
+      </p:sp>
+      <p:sp>
+        <p:nvSpPr>
+          <p:cNvPr id="8" name="CasellaDiTesto 7">
+            <a:extLst>
+              <a:ext uri="{FF2B5EF4-FFF2-40B4-BE49-F238E27FC236}">
+                <a16:creationId xmlns:a16="http://schemas.microsoft.com/office/drawing/2014/main" xmlns="" id="{7E69B640-8C25-4D34-9EAF-B31BCFD2AEAD}"/>
+              </a:ext>
+            </a:extLst>
+          </p:cNvPr>
+          <p:cNvSpPr txBox="1"/>
+          <p:nvPr/>
+        </p:nvSpPr>
+        <p:spPr>
+          <a:xfrm>
+            <a:off x="2588621" y="5202161"/>
+            <a:ext cx="9208637" cy="461665"/>
+          </a:xfrm>
+          <a:prstGeom prst="rect">
+            <a:avLst/>
+          </a:prstGeom>
+          <a:noFill/>
+        </p:spPr>
+        <p:txBody>
+          <a:bodyPr wrap="square" rtlCol="0">
+            <a:spAutoFit/>
+          </a:bodyPr>
+          <a:lstStyle/>
+          <a:p>
+            <a:r>
+              <a:rPr lang="it-IT" sz="2400" b="1" dirty="0"/>
+              <a:t>URL = </a:t>
+            </a:r>
+            <a:r>
+              <a:rPr lang="en-US" sz="2400" b="1" dirty="0"/>
+              <a:t>“http://ecomobilityserver.ddns.net:3000//</a:t>
+            </a:r>
+            <a:r>
+              <a:rPr lang="en-US" sz="2400" b="1" dirty="0" err="1" smtClean="0"/>
+              <a:t>request_pizza_html</a:t>
+            </a:r>
+            <a:r>
+              <a:rPr lang="en-US" sz="2400" b="1" dirty="0" smtClean="0"/>
+              <a:t>“</a:t>
+            </a:r>
+            <a:endParaRPr lang="en-US" sz="2400" b="1" dirty="0"/>
+          </a:p>
+        </p:txBody>
+      </p:sp>
+    </p:spTree>
+    <p:extLst>
+      <p:ext uri="{BB962C8B-B14F-4D97-AF65-F5344CB8AC3E}">
+        <p14:creationId xmlns:p14="http://schemas.microsoft.com/office/powerpoint/2010/main" val="938835406"/>
+      </p:ext>
+    </p:extLst>
+  </p:cSld>
+  <p:clrMapOvr>
+    <a:masterClrMapping/>
+  </p:clrMapOvr>
+</p:sld>
+</file>
+
+<file path=ppt/slides/slide8.xml><?xml version="1.0" encoding="utf-8"?>
+<p:sld xmlns:a="http://schemas.openxmlformats.org/drawingml/2006/main" xmlns:r="http://schemas.openxmlformats.org/officeDocument/2006/relationships" xmlns:p="http://schemas.openxmlformats.org/presentationml/2006/main">
+  <p:cSld>
+    <p:spTree>
+      <p:nvGrpSpPr>
+        <p:cNvPr id="1" name=""/>
+        <p:cNvGrpSpPr/>
+        <p:nvPr/>
+      </p:nvGrpSpPr>
+      <p:grpSpPr>
+        <a:xfrm>
+          <a:off x="0" y="0"/>
+          <a:ext cx="0" cy="0"/>
+          <a:chOff x="0" y="0"/>
+          <a:chExt cx="0" cy="0"/>
+        </a:xfrm>
+      </p:grpSpPr>
+      <p:sp>
+        <p:nvSpPr>
+          <p:cNvPr id="2" name="Titolo 1">
+            <a:extLst>
+              <a:ext uri="{FF2B5EF4-FFF2-40B4-BE49-F238E27FC236}">
                 <a16:creationId xmlns:a16="http://schemas.microsoft.com/office/drawing/2014/main" xmlns="" id="{973051D4-D74E-4263-A3E8-F4634C6425BB}"/>
               </a:ext>
             </a:extLst>
@@ -6395,8 +6567,8 @@
         </p:nvSpPr>
         <p:spPr>
           <a:xfrm>
-            <a:off x="838200" y="1479852"/>
-            <a:ext cx="6408718" cy="461665"/>
+            <a:off x="838199" y="1479852"/>
+            <a:ext cx="8315617" cy="461665"/>
           </a:xfrm>
           <a:prstGeom prst="rect">
             <a:avLst/>
@@ -6411,11 +6583,15 @@
           <a:p>
             <a:r>
               <a:rPr lang="it-IT" sz="2400" b="1" dirty="0"/>
-              <a:t>URL = </a:t>
+              <a:t>URL </a:t>
+            </a:r>
+            <a:r>
+              <a:rPr lang="it-IT" sz="2400" b="1"/>
+              <a:t>= </a:t>
             </a:r>
             <a:r>
               <a:rPr lang="en-US" sz="2400" b="1" dirty="0"/>
-              <a:t>“http://pizzaserver:3000/</a:t>
+              <a:t>“http://ecomobilityserver.ddns.net:3000//</a:t>
             </a:r>
             <a:r>
               <a:rPr lang="en-US" sz="2400" b="1" dirty="0" err="1"/>

--- a/Slides.pptx
+++ b/Slides.pptx
@@ -3495,6 +3495,46 @@
           </a:prstGeom>
         </p:spPr>
       </p:pic>
+      <p:sp>
+        <p:nvSpPr>
+          <p:cNvPr id="6" name="CasellaDiTesto 5"/>
+          <p:cNvSpPr txBox="1"/>
+          <p:nvPr/>
+        </p:nvSpPr>
+        <p:spPr>
+          <a:xfrm>
+            <a:off x="838200" y="5094694"/>
+            <a:ext cx="7322820" cy="1323439"/>
+          </a:xfrm>
+          <a:prstGeom prst="rect">
+            <a:avLst/>
+          </a:prstGeom>
+          <a:noFill/>
+        </p:spPr>
+        <p:txBody>
+          <a:bodyPr wrap="square" rtlCol="0">
+            <a:spAutoFit/>
+          </a:bodyPr>
+          <a:lstStyle/>
+          <a:p>
+            <a:r>
+              <a:rPr lang="it-IT" sz="4000" dirty="0" smtClean="0"/>
+              <a:t>Se qualcosa non </a:t>
+            </a:r>
+            <a:r>
+              <a:rPr lang="it-IT" sz="4000" smtClean="0"/>
+              <a:t>è chiaro FERMATEMI E CHIEDETEMI </a:t>
+            </a:r>
+            <a:r>
+              <a:rPr lang="it-IT" sz="4000" smtClean="0">
+                <a:sym typeface="Wingdings"/>
+              </a:rPr>
+              <a:t></a:t>
+            </a:r>
+            <a:endParaRPr lang="it-IT" sz="4000"/>
+          </a:p>
+        </p:txBody>
+      </p:sp>
     </p:spTree>
     <p:extLst>
       <p:ext uri="{BB962C8B-B14F-4D97-AF65-F5344CB8AC3E}">
